--- a/slides/workshopslides_quick-git.pptx
+++ b/slides/workshopslides_quick-git.pptx
@@ -18,12 +18,14 @@
     <p:sldId id="272" r:id="rId12"/>
     <p:sldId id="273" r:id="rId13"/>
     <p:sldId id="274" r:id="rId14"/>
-    <p:sldId id="270" r:id="rId15"/>
-    <p:sldId id="266" r:id="rId16"/>
-    <p:sldId id="267" r:id="rId17"/>
-    <p:sldId id="262" r:id="rId18"/>
-    <p:sldId id="263" r:id="rId19"/>
-    <p:sldId id="265" r:id="rId20"/>
+    <p:sldId id="275" r:id="rId15"/>
+    <p:sldId id="276" r:id="rId16"/>
+    <p:sldId id="270" r:id="rId17"/>
+    <p:sldId id="266" r:id="rId18"/>
+    <p:sldId id="267" r:id="rId19"/>
+    <p:sldId id="262" r:id="rId20"/>
+    <p:sldId id="263" r:id="rId21"/>
+    <p:sldId id="265" r:id="rId22"/>
   </p:sldIdLst>
   <p:sldSz cx="12192000" cy="6858000"/>
   <p:notesSz cx="6858000" cy="9144000"/>
@@ -148,6 +150,8 @@
             <p14:sldId id="272"/>
             <p14:sldId id="273"/>
             <p14:sldId id="274"/>
+            <p14:sldId id="275"/>
+            <p14:sldId id="276"/>
             <p14:sldId id="270"/>
           </p14:sldIdLst>
         </p14:section>
@@ -3524,6 +3528,9 @@
               <a:t>Workshop</a:t>
             </a:r>
             <a:br>
+              <a:rPr lang="en-GB" sz="5200" dirty="0"/>
+            </a:br>
+            <a:br>
               <a:rPr lang="en-GB" dirty="0"/>
             </a:br>
             <a:r>
@@ -3551,10 +3558,85 @@
         </p:nvSpPr>
         <p:spPr/>
         <p:txBody>
-          <a:bodyPr/>
+          <a:bodyPr>
+            <a:normAutofit lnSpcReduction="10000"/>
+          </a:bodyPr>
           <a:lstStyle/>
           <a:p>
-            <a:endParaRPr lang="en-GB" dirty="0"/>
+            <a:r>
+              <a:rPr lang="en-GB" dirty="0">
+                <a:solidFill>
+                  <a:srgbClr val="FFFF00"/>
+                </a:solidFill>
+              </a:rPr>
+              <a:t>Whilst everyone’s arriving, please could you go to the links below and download and install both git </a:t>
+            </a:r>
+            <a:r>
+              <a:rPr lang="en-GB" i="1" dirty="0">
+                <a:solidFill>
+                  <a:srgbClr val="FFFF00"/>
+                </a:solidFill>
+              </a:rPr>
+              <a:t>and</a:t>
+            </a:r>
+            <a:r>
+              <a:rPr lang="en-GB" dirty="0">
+                <a:solidFill>
+                  <a:srgbClr val="FFFF00"/>
+                </a:solidFill>
+              </a:rPr>
+              <a:t> GitHub desktop:</a:t>
+            </a:r>
+          </a:p>
+          <a:p>
+            <a:r>
+              <a:rPr lang="en-GB" dirty="0">
+                <a:solidFill>
+                  <a:srgbClr val="00B0F0"/>
+                </a:solidFill>
+                <a:hlinkClick r:id="rId2">
+                  <a:extLst>
+                    <a:ext uri="{A12FA001-AC4F-418D-AE19-62706E023703}">
+                      <ahyp:hlinkClr xmlns:ahyp="http://schemas.microsoft.com/office/drawing/2018/hyperlinkcolor" val="tx"/>
+                    </a:ext>
+                  </a:extLst>
+                </a:hlinkClick>
+              </a:rPr>
+              <a:t>https://git-scm.com/downloads</a:t>
+            </a:r>
+            <a:r>
+              <a:rPr lang="en-GB" dirty="0">
+                <a:solidFill>
+                  <a:srgbClr val="00B0F0"/>
+                </a:solidFill>
+              </a:rPr>
+              <a:t> </a:t>
+            </a:r>
+          </a:p>
+          <a:p>
+            <a:r>
+              <a:rPr lang="en-GB" dirty="0">
+                <a:solidFill>
+                  <a:srgbClr val="00B0F0"/>
+                </a:solidFill>
+                <a:hlinkClick r:id="rId3">
+                  <a:extLst>
+                    <a:ext uri="{A12FA001-AC4F-418D-AE19-62706E023703}">
+                      <ahyp:hlinkClr xmlns:ahyp="http://schemas.microsoft.com/office/drawing/2018/hyperlinkcolor" val="tx"/>
+                    </a:ext>
+                  </a:extLst>
+                </a:hlinkClick>
+              </a:rPr>
+              <a:t>https://desktop.github.com/</a:t>
+            </a:r>
+            <a:r>
+              <a:rPr lang="en-GB" dirty="0">
+                <a:solidFill>
+                  <a:srgbClr val="00B0F0"/>
+                </a:solidFill>
+              </a:rPr>
+              <a:t> </a:t>
+            </a:r>
           </a:p>
         </p:txBody>
       </p:sp>
@@ -4950,6 +5032,14 @@
 <file path=ppt/slides/slide14.xml><?xml version="1.0" encoding="utf-8"?>
 <p:sld xmlns:a="http://schemas.openxmlformats.org/drawingml/2006/main" xmlns:r="http://schemas.openxmlformats.org/officeDocument/2006/relationships" xmlns:p="http://schemas.openxmlformats.org/presentationml/2006/main">
   <p:cSld>
+    <p:bg>
+      <p:bgPr>
+        <a:solidFill>
+          <a:schemeClr val="bg1"/>
+        </a:solidFill>
+        <a:effectLst/>
+      </p:bgPr>
+    </p:bg>
     <p:spTree>
       <p:nvGrpSpPr>
         <p:cNvPr id="1" name=""/>
@@ -4969,7 +5059,7 @@
           <p:cNvPr id="2" name="Title 1">
             <a:extLst>
               <a:ext uri="{FF2B5EF4-FFF2-40B4-BE49-F238E27FC236}">
-                <a16:creationId xmlns:a16="http://schemas.microsoft.com/office/drawing/2014/main" id="{A15822F5-14F8-04A7-9687-2A92683631CA}"/>
+                <a16:creationId xmlns:a16="http://schemas.microsoft.com/office/drawing/2014/main" id="{D047F8EF-BECC-CB05-2042-8E1A2F6D1C1A}"/>
               </a:ext>
             </a:extLst>
           </p:cNvPr>
@@ -4980,12 +5070,22 @@
             <p:ph type="title"/>
           </p:nvPr>
         </p:nvSpPr>
-        <p:spPr/>
-        <p:txBody>
-          <a:bodyPr/>
+        <p:spPr>
+          <a:xfrm>
+            <a:off x="643831" y="640080"/>
+            <a:ext cx="3690425" cy="1325562"/>
+          </a:xfrm>
+        </p:spPr>
+        <p:txBody>
+          <a:bodyPr>
+            <a:normAutofit/>
+          </a:bodyPr>
           <a:lstStyle/>
           <a:p>
-            <a:endParaRPr lang="en-GB"/>
+            <a:r>
+              <a:rPr lang="en-GB" sz="3200" dirty="0"/>
+              <a:t>Rebasing branches</a:t>
+            </a:r>
           </a:p>
         </p:txBody>
       </p:sp>
@@ -4994,7 +5094,7 @@
           <p:cNvPr id="3" name="Content Placeholder 2">
             <a:extLst>
               <a:ext uri="{FF2B5EF4-FFF2-40B4-BE49-F238E27FC236}">
-                <a16:creationId xmlns:a16="http://schemas.microsoft.com/office/drawing/2014/main" id="{3021795C-3041-287E-53A7-9DFEBB69C084}"/>
+                <a16:creationId xmlns:a16="http://schemas.microsoft.com/office/drawing/2014/main" id="{476F0551-B6E7-9358-79EA-9B20DDC8DAF3}"/>
               </a:ext>
             </a:extLst>
           </p:cNvPr>
@@ -5005,25 +5105,432 @@
             <p:ph idx="1"/>
           </p:nvPr>
         </p:nvSpPr>
-        <p:spPr/>
-        <p:txBody>
-          <a:bodyPr/>
+        <p:spPr>
+          <a:xfrm>
+            <a:off x="643831" y="1936955"/>
+            <a:ext cx="3690425" cy="4243182"/>
+          </a:xfrm>
+        </p:spPr>
+        <p:txBody>
+          <a:bodyPr>
+            <a:normAutofit/>
+          </a:bodyPr>
           <a:lstStyle/>
           <a:p>
-            <a:endParaRPr lang="en-GB"/>
-          </a:p>
-        </p:txBody>
-      </p:sp>
+            <a:r>
+              <a:rPr lang="en-GB" sz="1600" dirty="0"/>
+              <a:t>Now try task 4 on rebasing branches</a:t>
+            </a:r>
+            <a:endParaRPr lang="en-GB" dirty="0"/>
+          </a:p>
+        </p:txBody>
+      </p:sp>
+      <p:pic>
+        <p:nvPicPr>
+          <p:cNvPr id="5" name="Picture 4">
+            <a:extLst>
+              <a:ext uri="{FF2B5EF4-FFF2-40B4-BE49-F238E27FC236}">
+                <a16:creationId xmlns:a16="http://schemas.microsoft.com/office/drawing/2014/main" id="{685F5EBE-F77B-5283-ADF8-524FA77773C4}"/>
+              </a:ext>
+            </a:extLst>
+          </p:cNvPr>
+          <p:cNvPicPr>
+            <a:picLocks noChangeAspect="1"/>
+          </p:cNvPicPr>
+          <p:nvPr/>
+        </p:nvPicPr>
+        <p:blipFill>
+          <a:blip r:embed="rId2">
+            <a:extLst>
+              <a:ext uri="{28A0092B-C50C-407E-A947-70E740481C1C}">
+                <a14:useLocalDpi xmlns:a14="http://schemas.microsoft.com/office/drawing/2010/main" val="0"/>
+              </a:ext>
+            </a:extLst>
+          </a:blip>
+          <a:srcRect/>
+          <a:stretch/>
+        </p:blipFill>
+        <p:spPr>
+          <a:xfrm>
+            <a:off x="4774412" y="1267220"/>
+            <a:ext cx="5915503" cy="4333818"/>
+          </a:xfrm>
+          <a:prstGeom prst="rect">
+            <a:avLst/>
+          </a:prstGeom>
+        </p:spPr>
+      </p:pic>
+      <p:pic>
+        <p:nvPicPr>
+          <p:cNvPr id="7" name="Picture 6">
+            <a:extLst>
+              <a:ext uri="{FF2B5EF4-FFF2-40B4-BE49-F238E27FC236}">
+                <a16:creationId xmlns:a16="http://schemas.microsoft.com/office/drawing/2014/main" id="{2BCF6774-B92C-7836-786A-79A8C0612D8B}"/>
+              </a:ext>
+            </a:extLst>
+          </p:cNvPr>
+          <p:cNvPicPr>
+            <a:picLocks noChangeAspect="1"/>
+          </p:cNvPicPr>
+          <p:nvPr/>
+        </p:nvPicPr>
+        <p:blipFill>
+          <a:blip r:embed="rId3">
+            <a:extLst>
+              <a:ext uri="{28A0092B-C50C-407E-A947-70E740481C1C}">
+                <a14:useLocalDpi xmlns:a14="http://schemas.microsoft.com/office/drawing/2010/main" val="0"/>
+              </a:ext>
+            </a:extLst>
+          </a:blip>
+          <a:srcRect/>
+          <a:stretch/>
+        </p:blipFill>
+        <p:spPr>
+          <a:xfrm>
+            <a:off x="822231" y="3184869"/>
+            <a:ext cx="3077094" cy="2416169"/>
+          </a:xfrm>
+          <a:prstGeom prst="rect">
+            <a:avLst/>
+          </a:prstGeom>
+        </p:spPr>
+      </p:pic>
     </p:spTree>
     <p:extLst>
       <p:ext uri="{BB962C8B-B14F-4D97-AF65-F5344CB8AC3E}">
-        <p14:creationId xmlns:p14="http://schemas.microsoft.com/office/powerpoint/2010/main" val="2565230527"/>
+        <p14:creationId xmlns:p14="http://schemas.microsoft.com/office/powerpoint/2010/main" val="843578592"/>
       </p:ext>
     </p:extLst>
   </p:cSld>
   <p:clrMapOvr>
     <a:masterClrMapping/>
   </p:clrMapOvr>
+  <p:timing>
+    <p:tnLst>
+      <p:par>
+        <p:cTn id="1" dur="indefinite" restart="never" nodeType="tmRoot">
+          <p:childTnLst>
+            <p:seq concurrent="1" nextAc="seek">
+              <p:cTn id="2" dur="indefinite" nodeType="mainSeq">
+                <p:childTnLst>
+                  <p:par>
+                    <p:cTn id="3" fill="hold">
+                      <p:stCondLst>
+                        <p:cond delay="indefinite"/>
+                      </p:stCondLst>
+                      <p:childTnLst>
+                        <p:par>
+                          <p:cTn id="4" fill="hold">
+                            <p:stCondLst>
+                              <p:cond delay="0"/>
+                            </p:stCondLst>
+                            <p:childTnLst>
+                              <p:par>
+                                <p:cTn id="5" presetID="26" presetClass="entr" presetSubtype="0" fill="hold" nodeType="clickEffect">
+                                  <p:stCondLst>
+                                    <p:cond delay="0"/>
+                                  </p:stCondLst>
+                                  <p:childTnLst>
+                                    <p:set>
+                                      <p:cBhvr>
+                                        <p:cTn id="6" dur="1" fill="hold">
+                                          <p:stCondLst>
+                                            <p:cond delay="0"/>
+                                          </p:stCondLst>
+                                        </p:cTn>
+                                        <p:tgtEl>
+                                          <p:spTgt spid="7"/>
+                                        </p:tgtEl>
+                                        <p:attrNameLst>
+                                          <p:attrName>style.visibility</p:attrName>
+                                        </p:attrNameLst>
+                                      </p:cBhvr>
+                                      <p:to>
+                                        <p:strVal val="visible"/>
+                                      </p:to>
+                                    </p:set>
+                                    <p:animEffect transition="in" filter="wipe(down)">
+                                      <p:cBhvr>
+                                        <p:cTn id="7" dur="580">
+                                          <p:stCondLst>
+                                            <p:cond delay="0"/>
+                                          </p:stCondLst>
+                                        </p:cTn>
+                                        <p:tgtEl>
+                                          <p:spTgt spid="7"/>
+                                        </p:tgtEl>
+                                      </p:cBhvr>
+                                    </p:animEffect>
+                                    <p:anim calcmode="lin" valueType="num">
+                                      <p:cBhvr>
+                                        <p:cTn id="8" dur="1822" tmFilter="0,0; 0.14,0.36; 0.43,0.73; 0.71,0.91; 1.0,1.0">
+                                          <p:stCondLst>
+                                            <p:cond delay="0"/>
+                                          </p:stCondLst>
+                                        </p:cTn>
+                                        <p:tgtEl>
+                                          <p:spTgt spid="7"/>
+                                        </p:tgtEl>
+                                        <p:attrNameLst>
+                                          <p:attrName>ppt_x</p:attrName>
+                                        </p:attrNameLst>
+                                      </p:cBhvr>
+                                      <p:tavLst>
+                                        <p:tav tm="0">
+                                          <p:val>
+                                            <p:strVal val="#ppt_x-0.25"/>
+                                          </p:val>
+                                        </p:tav>
+                                        <p:tav tm="100000">
+                                          <p:val>
+                                            <p:strVal val="#ppt_x"/>
+                                          </p:val>
+                                        </p:tav>
+                                      </p:tavLst>
+                                    </p:anim>
+                                    <p:anim calcmode="lin" valueType="num">
+                                      <p:cBhvr>
+                                        <p:cTn id="9" dur="664" tmFilter="0.0,0.0; 0.25,0.07; 0.50,0.2; 0.75,0.467; 1.0,1.0">
+                                          <p:stCondLst>
+                                            <p:cond delay="0"/>
+                                          </p:stCondLst>
+                                        </p:cTn>
+                                        <p:tgtEl>
+                                          <p:spTgt spid="7"/>
+                                        </p:tgtEl>
+                                        <p:attrNameLst>
+                                          <p:attrName>ppt_y</p:attrName>
+                                        </p:attrNameLst>
+                                      </p:cBhvr>
+                                      <p:tavLst>
+                                        <p:tav tm="0" fmla="#ppt_y-sin(pi*$)/3">
+                                          <p:val>
+                                            <p:fltVal val="0.5"/>
+                                          </p:val>
+                                        </p:tav>
+                                        <p:tav tm="100000">
+                                          <p:val>
+                                            <p:fltVal val="1"/>
+                                          </p:val>
+                                        </p:tav>
+                                      </p:tavLst>
+                                    </p:anim>
+                                    <p:anim calcmode="lin" valueType="num">
+                                      <p:cBhvr>
+                                        <p:cTn id="10" dur="664" tmFilter="0, 0; 0.125,0.2665; 0.25,0.4; 0.375,0.465; 0.5,0.5;  0.625,0.535; 0.75,0.6; 0.875,0.7335; 1,1">
+                                          <p:stCondLst>
+                                            <p:cond delay="664"/>
+                                          </p:stCondLst>
+                                        </p:cTn>
+                                        <p:tgtEl>
+                                          <p:spTgt spid="7"/>
+                                        </p:tgtEl>
+                                        <p:attrNameLst>
+                                          <p:attrName>ppt_y</p:attrName>
+                                        </p:attrNameLst>
+                                      </p:cBhvr>
+                                      <p:tavLst>
+                                        <p:tav tm="0" fmla="#ppt_y-sin(pi*$)/9">
+                                          <p:val>
+                                            <p:fltVal val="0"/>
+                                          </p:val>
+                                        </p:tav>
+                                        <p:tav tm="100000">
+                                          <p:val>
+                                            <p:fltVal val="1"/>
+                                          </p:val>
+                                        </p:tav>
+                                      </p:tavLst>
+                                    </p:anim>
+                                    <p:anim calcmode="lin" valueType="num">
+                                      <p:cBhvr>
+                                        <p:cTn id="11" dur="332" tmFilter="0, 0; 0.125,0.2665; 0.25,0.4; 0.375,0.465; 0.5,0.5;  0.625,0.535; 0.75,0.6; 0.875,0.7335; 1,1">
+                                          <p:stCondLst>
+                                            <p:cond delay="1324"/>
+                                          </p:stCondLst>
+                                        </p:cTn>
+                                        <p:tgtEl>
+                                          <p:spTgt spid="7"/>
+                                        </p:tgtEl>
+                                        <p:attrNameLst>
+                                          <p:attrName>ppt_y</p:attrName>
+                                        </p:attrNameLst>
+                                      </p:cBhvr>
+                                      <p:tavLst>
+                                        <p:tav tm="0" fmla="#ppt_y-sin(pi*$)/27">
+                                          <p:val>
+                                            <p:fltVal val="0"/>
+                                          </p:val>
+                                        </p:tav>
+                                        <p:tav tm="100000">
+                                          <p:val>
+                                            <p:fltVal val="1"/>
+                                          </p:val>
+                                        </p:tav>
+                                      </p:tavLst>
+                                    </p:anim>
+                                    <p:anim calcmode="lin" valueType="num">
+                                      <p:cBhvr>
+                                        <p:cTn id="12" dur="164" tmFilter="0, 0; 0.125,0.2665; 0.25,0.4; 0.375,0.465; 0.5,0.5;  0.625,0.535; 0.75,0.6; 0.875,0.7335; 1,1">
+                                          <p:stCondLst>
+                                            <p:cond delay="1656"/>
+                                          </p:stCondLst>
+                                        </p:cTn>
+                                        <p:tgtEl>
+                                          <p:spTgt spid="7"/>
+                                        </p:tgtEl>
+                                        <p:attrNameLst>
+                                          <p:attrName>ppt_y</p:attrName>
+                                        </p:attrNameLst>
+                                      </p:cBhvr>
+                                      <p:tavLst>
+                                        <p:tav tm="0" fmla="#ppt_y-sin(pi*$)/81">
+                                          <p:val>
+                                            <p:fltVal val="0"/>
+                                          </p:val>
+                                        </p:tav>
+                                        <p:tav tm="100000">
+                                          <p:val>
+                                            <p:fltVal val="1"/>
+                                          </p:val>
+                                        </p:tav>
+                                      </p:tavLst>
+                                    </p:anim>
+                                    <p:animScale>
+                                      <p:cBhvr>
+                                        <p:cTn id="13" dur="26">
+                                          <p:stCondLst>
+                                            <p:cond delay="650"/>
+                                          </p:stCondLst>
+                                        </p:cTn>
+                                        <p:tgtEl>
+                                          <p:spTgt spid="7"/>
+                                        </p:tgtEl>
+                                      </p:cBhvr>
+                                      <p:to x="100000" y="60000"/>
+                                    </p:animScale>
+                                    <p:animScale>
+                                      <p:cBhvr>
+                                        <p:cTn id="14" dur="166" decel="50000">
+                                          <p:stCondLst>
+                                            <p:cond delay="676"/>
+                                          </p:stCondLst>
+                                        </p:cTn>
+                                        <p:tgtEl>
+                                          <p:spTgt spid="7"/>
+                                        </p:tgtEl>
+                                      </p:cBhvr>
+                                      <p:to x="100000" y="100000"/>
+                                    </p:animScale>
+                                    <p:animScale>
+                                      <p:cBhvr>
+                                        <p:cTn id="15" dur="26">
+                                          <p:stCondLst>
+                                            <p:cond delay="1312"/>
+                                          </p:stCondLst>
+                                        </p:cTn>
+                                        <p:tgtEl>
+                                          <p:spTgt spid="7"/>
+                                        </p:tgtEl>
+                                      </p:cBhvr>
+                                      <p:to x="100000" y="80000"/>
+                                    </p:animScale>
+                                    <p:animScale>
+                                      <p:cBhvr>
+                                        <p:cTn id="16" dur="166" decel="50000">
+                                          <p:stCondLst>
+                                            <p:cond delay="1338"/>
+                                          </p:stCondLst>
+                                        </p:cTn>
+                                        <p:tgtEl>
+                                          <p:spTgt spid="7"/>
+                                        </p:tgtEl>
+                                      </p:cBhvr>
+                                      <p:to x="100000" y="100000"/>
+                                    </p:animScale>
+                                    <p:animScale>
+                                      <p:cBhvr>
+                                        <p:cTn id="17" dur="26">
+                                          <p:stCondLst>
+                                            <p:cond delay="1642"/>
+                                          </p:stCondLst>
+                                        </p:cTn>
+                                        <p:tgtEl>
+                                          <p:spTgt spid="7"/>
+                                        </p:tgtEl>
+                                      </p:cBhvr>
+                                      <p:to x="100000" y="90000"/>
+                                    </p:animScale>
+                                    <p:animScale>
+                                      <p:cBhvr>
+                                        <p:cTn id="18" dur="166" decel="50000">
+                                          <p:stCondLst>
+                                            <p:cond delay="1668"/>
+                                          </p:stCondLst>
+                                        </p:cTn>
+                                        <p:tgtEl>
+                                          <p:spTgt spid="7"/>
+                                        </p:tgtEl>
+                                      </p:cBhvr>
+                                      <p:to x="100000" y="100000"/>
+                                    </p:animScale>
+                                    <p:animScale>
+                                      <p:cBhvr>
+                                        <p:cTn id="19" dur="26">
+                                          <p:stCondLst>
+                                            <p:cond delay="1808"/>
+                                          </p:stCondLst>
+                                        </p:cTn>
+                                        <p:tgtEl>
+                                          <p:spTgt spid="7"/>
+                                        </p:tgtEl>
+                                      </p:cBhvr>
+                                      <p:to x="100000" y="95000"/>
+                                    </p:animScale>
+                                    <p:animScale>
+                                      <p:cBhvr>
+                                        <p:cTn id="20" dur="166" decel="50000">
+                                          <p:stCondLst>
+                                            <p:cond delay="1834"/>
+                                          </p:stCondLst>
+                                        </p:cTn>
+                                        <p:tgtEl>
+                                          <p:spTgt spid="7"/>
+                                        </p:tgtEl>
+                                      </p:cBhvr>
+                                      <p:to x="100000" y="100000"/>
+                                    </p:animScale>
+                                  </p:childTnLst>
+                                </p:cTn>
+                              </p:par>
+                            </p:childTnLst>
+                          </p:cTn>
+                        </p:par>
+                      </p:childTnLst>
+                    </p:cTn>
+                  </p:par>
+                </p:childTnLst>
+              </p:cTn>
+              <p:prevCondLst>
+                <p:cond evt="onPrev" delay="0">
+                  <p:tgtEl>
+                    <p:sldTgt/>
+                  </p:tgtEl>
+                </p:cond>
+              </p:prevCondLst>
+              <p:nextCondLst>
+                <p:cond evt="onNext" delay="0">
+                  <p:tgtEl>
+                    <p:sldTgt/>
+                  </p:tgtEl>
+                </p:cond>
+              </p:nextCondLst>
+            </p:seq>
+          </p:childTnLst>
+        </p:cTn>
+      </p:par>
+    </p:tnLst>
+  </p:timing>
 </p:sld>
 </file>
 
@@ -5049,6 +5556,269 @@
           <p:cNvPr id="2" name="Title 1">
             <a:extLst>
               <a:ext uri="{FF2B5EF4-FFF2-40B4-BE49-F238E27FC236}">
+                <a16:creationId xmlns:a16="http://schemas.microsoft.com/office/drawing/2014/main" id="{278CBD3D-7DC6-9FDA-A7C0-B5891C73B033}"/>
+              </a:ext>
+            </a:extLst>
+          </p:cNvPr>
+          <p:cNvSpPr>
+            <a:spLocks noGrp="1"/>
+          </p:cNvSpPr>
+          <p:nvPr>
+            <p:ph type="title"/>
+          </p:nvPr>
+        </p:nvSpPr>
+        <p:spPr>
+          <a:xfrm>
+            <a:off x="2599981" y="165253"/>
+            <a:ext cx="5442335" cy="1526069"/>
+          </a:xfrm>
+        </p:spPr>
+        <p:txBody>
+          <a:bodyPr>
+            <a:normAutofit/>
+          </a:bodyPr>
+          <a:lstStyle/>
+          <a:p>
+            <a:pPr algn="ctr"/>
+            <a:r>
+              <a:rPr lang="en-GB" dirty="0"/>
+              <a:t>rebase vs merge</a:t>
+            </a:r>
+          </a:p>
+        </p:txBody>
+      </p:sp>
+      <p:sp>
+        <p:nvSpPr>
+          <p:cNvPr id="3" name="Content Placeholder 2">
+            <a:extLst>
+              <a:ext uri="{FF2B5EF4-FFF2-40B4-BE49-F238E27FC236}">
+                <a16:creationId xmlns:a16="http://schemas.microsoft.com/office/drawing/2014/main" id="{44E809A3-2317-C3E4-7289-A08C8F1C3609}"/>
+              </a:ext>
+            </a:extLst>
+          </p:cNvPr>
+          <p:cNvSpPr>
+            <a:spLocks noGrp="1"/>
+          </p:cNvSpPr>
+          <p:nvPr>
+            <p:ph idx="1"/>
+          </p:nvPr>
+        </p:nvSpPr>
+        <p:spPr>
+          <a:xfrm>
+            <a:off x="2699132" y="1883421"/>
+            <a:ext cx="5122843" cy="4296716"/>
+          </a:xfrm>
+        </p:spPr>
+        <p:txBody>
+          <a:bodyPr/>
+          <a:lstStyle/>
+          <a:p>
+            <a:r>
+              <a:rPr lang="en-GB" dirty="0"/>
+              <a:t>Rebase and merge both join two branches together, but result in a slightly different history tree.</a:t>
+            </a:r>
+          </a:p>
+          <a:p>
+            <a:pPr lvl="1"/>
+            <a:r>
+              <a:rPr lang="en-GB" dirty="0"/>
+              <a:t>git rebase will create a linear path along the history</a:t>
+            </a:r>
+          </a:p>
+          <a:p>
+            <a:pPr lvl="1"/>
+            <a:r>
+              <a:rPr lang="en-GB" dirty="0"/>
+              <a:t>git merge will leave the parallel paths in the history</a:t>
+            </a:r>
+          </a:p>
+          <a:p>
+            <a:r>
+              <a:rPr lang="en-GB" dirty="0"/>
+              <a:t>The main impact this can have is how you’ll handle undoing changes. With rebase you have a clearer lineage of what changes will be undone if you go back to a given commit.</a:t>
+            </a:r>
+          </a:p>
+        </p:txBody>
+      </p:sp>
+      <p:pic>
+        <p:nvPicPr>
+          <p:cNvPr id="4" name="Picture 3">
+            <a:extLst>
+              <a:ext uri="{FF2B5EF4-FFF2-40B4-BE49-F238E27FC236}">
+                <a16:creationId xmlns:a16="http://schemas.microsoft.com/office/drawing/2014/main" id="{19FA9CD7-4E09-F1AA-8C59-160DFA19F0D2}"/>
+              </a:ext>
+            </a:extLst>
+          </p:cNvPr>
+          <p:cNvPicPr>
+            <a:picLocks noChangeAspect="1"/>
+          </p:cNvPicPr>
+          <p:nvPr/>
+        </p:nvPicPr>
+        <p:blipFill rotWithShape="1">
+          <a:blip r:embed="rId2">
+            <a:extLst>
+              <a:ext uri="{28A0092B-C50C-407E-A947-70E740481C1C}">
+                <a14:useLocalDpi xmlns:a14="http://schemas.microsoft.com/office/drawing/2010/main" val="0"/>
+              </a:ext>
+            </a:extLst>
+          </a:blip>
+          <a:srcRect l="63619" t="9787" r="7999" b="4933"/>
+          <a:stretch/>
+        </p:blipFill>
+        <p:spPr>
+          <a:xfrm>
+            <a:off x="8042317" y="21496"/>
+            <a:ext cx="3231688" cy="6836504"/>
+          </a:xfrm>
+          <a:prstGeom prst="rect">
+            <a:avLst/>
+          </a:prstGeom>
+        </p:spPr>
+      </p:pic>
+      <p:pic>
+        <p:nvPicPr>
+          <p:cNvPr id="5" name="Picture 4">
+            <a:extLst>
+              <a:ext uri="{FF2B5EF4-FFF2-40B4-BE49-F238E27FC236}">
+                <a16:creationId xmlns:a16="http://schemas.microsoft.com/office/drawing/2014/main" id="{7DC6286E-7EEE-E4AA-08C9-35F1103F1308}"/>
+              </a:ext>
+            </a:extLst>
+          </p:cNvPr>
+          <p:cNvPicPr>
+            <a:picLocks noChangeAspect="1"/>
+          </p:cNvPicPr>
+          <p:nvPr/>
+        </p:nvPicPr>
+        <p:blipFill rotWithShape="1">
+          <a:blip r:embed="rId3"/>
+          <a:srcRect l="68692" t="11487" r="9394" b="6739"/>
+          <a:stretch/>
+        </p:blipFill>
+        <p:spPr>
+          <a:xfrm>
+            <a:off x="0" y="-26846"/>
+            <a:ext cx="2511846" cy="6863350"/>
+          </a:xfrm>
+          <a:prstGeom prst="rect">
+            <a:avLst/>
+          </a:prstGeom>
+        </p:spPr>
+      </p:pic>
+    </p:spTree>
+    <p:extLst>
+      <p:ext uri="{BB962C8B-B14F-4D97-AF65-F5344CB8AC3E}">
+        <p14:creationId xmlns:p14="http://schemas.microsoft.com/office/powerpoint/2010/main" val="3391762093"/>
+      </p:ext>
+    </p:extLst>
+  </p:cSld>
+  <p:clrMapOvr>
+    <a:masterClrMapping/>
+  </p:clrMapOvr>
+</p:sld>
+</file>
+
+<file path=ppt/slides/slide16.xml><?xml version="1.0" encoding="utf-8"?>
+<p:sld xmlns:a="http://schemas.openxmlformats.org/drawingml/2006/main" xmlns:r="http://schemas.openxmlformats.org/officeDocument/2006/relationships" xmlns:p="http://schemas.openxmlformats.org/presentationml/2006/main">
+  <p:cSld>
+    <p:spTree>
+      <p:nvGrpSpPr>
+        <p:cNvPr id="1" name=""/>
+        <p:cNvGrpSpPr/>
+        <p:nvPr/>
+      </p:nvGrpSpPr>
+      <p:grpSpPr>
+        <a:xfrm>
+          <a:off x="0" y="0"/>
+          <a:ext cx="0" cy="0"/>
+          <a:chOff x="0" y="0"/>
+          <a:chExt cx="0" cy="0"/>
+        </a:xfrm>
+      </p:grpSpPr>
+      <p:sp>
+        <p:nvSpPr>
+          <p:cNvPr id="2" name="Title 1">
+            <a:extLst>
+              <a:ext uri="{FF2B5EF4-FFF2-40B4-BE49-F238E27FC236}">
+                <a16:creationId xmlns:a16="http://schemas.microsoft.com/office/drawing/2014/main" id="{A15822F5-14F8-04A7-9687-2A92683631CA}"/>
+              </a:ext>
+            </a:extLst>
+          </p:cNvPr>
+          <p:cNvSpPr>
+            <a:spLocks noGrp="1"/>
+          </p:cNvSpPr>
+          <p:nvPr>
+            <p:ph type="title"/>
+          </p:nvPr>
+        </p:nvSpPr>
+        <p:spPr/>
+        <p:txBody>
+          <a:bodyPr/>
+          <a:lstStyle/>
+          <a:p>
+            <a:endParaRPr lang="en-GB"/>
+          </a:p>
+        </p:txBody>
+      </p:sp>
+      <p:sp>
+        <p:nvSpPr>
+          <p:cNvPr id="3" name="Content Placeholder 2">
+            <a:extLst>
+              <a:ext uri="{FF2B5EF4-FFF2-40B4-BE49-F238E27FC236}">
+                <a16:creationId xmlns:a16="http://schemas.microsoft.com/office/drawing/2014/main" id="{3021795C-3041-287E-53A7-9DFEBB69C084}"/>
+              </a:ext>
+            </a:extLst>
+          </p:cNvPr>
+          <p:cNvSpPr>
+            <a:spLocks noGrp="1"/>
+          </p:cNvSpPr>
+          <p:nvPr>
+            <p:ph idx="1"/>
+          </p:nvPr>
+        </p:nvSpPr>
+        <p:spPr/>
+        <p:txBody>
+          <a:bodyPr/>
+          <a:lstStyle/>
+          <a:p>
+            <a:endParaRPr lang="en-GB"/>
+          </a:p>
+        </p:txBody>
+      </p:sp>
+    </p:spTree>
+    <p:extLst>
+      <p:ext uri="{BB962C8B-B14F-4D97-AF65-F5344CB8AC3E}">
+        <p14:creationId xmlns:p14="http://schemas.microsoft.com/office/powerpoint/2010/main" val="2565230527"/>
+      </p:ext>
+    </p:extLst>
+  </p:cSld>
+  <p:clrMapOvr>
+    <a:masterClrMapping/>
+  </p:clrMapOvr>
+</p:sld>
+</file>
+
+<file path=ppt/slides/slide17.xml><?xml version="1.0" encoding="utf-8"?>
+<p:sld xmlns:a="http://schemas.openxmlformats.org/drawingml/2006/main" xmlns:r="http://schemas.openxmlformats.org/officeDocument/2006/relationships" xmlns:p="http://schemas.openxmlformats.org/presentationml/2006/main">
+  <p:cSld>
+    <p:spTree>
+      <p:nvGrpSpPr>
+        <p:cNvPr id="1" name=""/>
+        <p:cNvGrpSpPr/>
+        <p:nvPr/>
+      </p:nvGrpSpPr>
+      <p:grpSpPr>
+        <a:xfrm>
+          <a:off x="0" y="0"/>
+          <a:ext cx="0" cy="0"/>
+          <a:chOff x="0" y="0"/>
+          <a:chExt cx="0" cy="0"/>
+        </a:xfrm>
+      </p:grpSpPr>
+      <p:sp>
+        <p:nvSpPr>
+          <p:cNvPr id="2" name="Title 1">
+            <a:extLst>
+              <a:ext uri="{FF2B5EF4-FFF2-40B4-BE49-F238E27FC236}">
                 <a16:creationId xmlns:a16="http://schemas.microsoft.com/office/drawing/2014/main" id="{D8239B82-7EA9-5C9B-3542-132ED34C8B22}"/>
               </a:ext>
             </a:extLst>
@@ -5198,7 +5968,7 @@
 </p:sld>
 </file>
 
-<file path=ppt/slides/slide16.xml><?xml version="1.0" encoding="utf-8"?>
+<file path=ppt/slides/slide18.xml><?xml version="1.0" encoding="utf-8"?>
 <p:sld xmlns:a="http://schemas.openxmlformats.org/drawingml/2006/main" xmlns:r="http://schemas.openxmlformats.org/officeDocument/2006/relationships" xmlns:p="http://schemas.openxmlformats.org/presentationml/2006/main">
   <p:cSld>
     <p:bg>
@@ -5511,410 +6281,6 @@
 </p:sld>
 </file>
 
-<file path=ppt/slides/slide17.xml><?xml version="1.0" encoding="utf-8"?>
-<p:sld xmlns:a="http://schemas.openxmlformats.org/drawingml/2006/main" xmlns:r="http://schemas.openxmlformats.org/officeDocument/2006/relationships" xmlns:p="http://schemas.openxmlformats.org/presentationml/2006/main">
-  <p:cSld>
-    <p:spTree>
-      <p:nvGrpSpPr>
-        <p:cNvPr id="1" name=""/>
-        <p:cNvGrpSpPr/>
-        <p:nvPr/>
-      </p:nvGrpSpPr>
-      <p:grpSpPr>
-        <a:xfrm>
-          <a:off x="0" y="0"/>
-          <a:ext cx="0" cy="0"/>
-          <a:chOff x="0" y="0"/>
-          <a:chExt cx="0" cy="0"/>
-        </a:xfrm>
-      </p:grpSpPr>
-      <p:sp>
-        <p:nvSpPr>
-          <p:cNvPr id="2" name="Title 1">
-            <a:extLst>
-              <a:ext uri="{FF2B5EF4-FFF2-40B4-BE49-F238E27FC236}">
-                <a16:creationId xmlns:a16="http://schemas.microsoft.com/office/drawing/2014/main" id="{9B3B9A98-6151-2923-4C62-FE106DBBCDA0}"/>
-              </a:ext>
-            </a:extLst>
-          </p:cNvPr>
-          <p:cNvSpPr>
-            <a:spLocks noGrp="1"/>
-          </p:cNvSpPr>
-          <p:nvPr>
-            <p:ph type="title"/>
-          </p:nvPr>
-        </p:nvSpPr>
-        <p:spPr/>
-        <p:txBody>
-          <a:bodyPr/>
-          <a:lstStyle/>
-          <a:p>
-            <a:r>
-              <a:rPr lang="en-GB" dirty="0"/>
-              <a:t>Git basic concepts</a:t>
-            </a:r>
-          </a:p>
-        </p:txBody>
-      </p:sp>
-      <p:sp>
-        <p:nvSpPr>
-          <p:cNvPr id="3" name="Content Placeholder 2">
-            <a:extLst>
-              <a:ext uri="{FF2B5EF4-FFF2-40B4-BE49-F238E27FC236}">
-                <a16:creationId xmlns:a16="http://schemas.microsoft.com/office/drawing/2014/main" id="{D9102869-1947-3A8B-FE41-50754E81197C}"/>
-              </a:ext>
-            </a:extLst>
-          </p:cNvPr>
-          <p:cNvSpPr>
-            <a:spLocks noGrp="1"/>
-          </p:cNvSpPr>
-          <p:nvPr>
-            <p:ph idx="1"/>
-          </p:nvPr>
-        </p:nvSpPr>
-        <p:spPr/>
-        <p:txBody>
-          <a:bodyPr>
-            <a:normAutofit fontScale="92500" lnSpcReduction="20000"/>
-          </a:bodyPr>
-          <a:lstStyle/>
-          <a:p>
-            <a:r>
-              <a:rPr lang="en-GB" dirty="0"/>
-              <a:t>A repository can be created locally (i.e. on your laptop or desktop) or remotely (on GitHub or Dev Ops).</a:t>
-            </a:r>
-          </a:p>
-          <a:p>
-            <a:pPr lvl="1"/>
-            <a:r>
-              <a:rPr lang="en-GB" dirty="0"/>
-              <a:t>Most of the work you do on a repository, i.e. developing your code, will be done within the </a:t>
-            </a:r>
-            <a:r>
-              <a:rPr lang="en-GB" b="1" dirty="0"/>
-              <a:t>local</a:t>
-            </a:r>
-            <a:r>
-              <a:rPr lang="en-GB" dirty="0"/>
-              <a:t> copy.</a:t>
-            </a:r>
-          </a:p>
-          <a:p>
-            <a:pPr lvl="1"/>
-            <a:r>
-              <a:rPr lang="en-GB" dirty="0"/>
-              <a:t>The </a:t>
-            </a:r>
-            <a:r>
-              <a:rPr lang="en-GB" b="1" dirty="0"/>
-              <a:t>remote</a:t>
-            </a:r>
-            <a:r>
-              <a:rPr lang="en-GB" dirty="0"/>
-              <a:t> repo is effectively your reliable back-up of your code and somewhere where collaborators can view and get access your code.</a:t>
-            </a:r>
-          </a:p>
-          <a:p>
-            <a:pPr lvl="1"/>
-            <a:r>
-              <a:rPr lang="en-GB" dirty="0"/>
-              <a:t>You’re only going to have a single </a:t>
-            </a:r>
-            <a:r>
-              <a:rPr lang="en-GB" b="1" dirty="0"/>
-              <a:t>remote</a:t>
-            </a:r>
-            <a:r>
-              <a:rPr lang="en-GB" dirty="0"/>
-              <a:t> copy of the repo, but you (and collaborators) can have multiple </a:t>
-            </a:r>
-            <a:r>
-              <a:rPr lang="en-GB" b="1" dirty="0"/>
-              <a:t>local</a:t>
-            </a:r>
-            <a:r>
-              <a:rPr lang="en-GB" dirty="0"/>
-              <a:t> copies.</a:t>
-            </a:r>
-          </a:p>
-          <a:p>
-            <a:pPr lvl="1"/>
-            <a:r>
-              <a:rPr lang="en-GB" dirty="0"/>
-              <a:t>Syncing back and forth between the </a:t>
-            </a:r>
-            <a:r>
-              <a:rPr lang="en-GB" b="1" dirty="0"/>
-              <a:t>remote</a:t>
-            </a:r>
-            <a:r>
-              <a:rPr lang="en-GB" dirty="0"/>
-              <a:t> and </a:t>
-            </a:r>
-            <a:r>
-              <a:rPr lang="en-GB" b="1" dirty="0"/>
-              <a:t>local</a:t>
-            </a:r>
-            <a:r>
-              <a:rPr lang="en-GB" dirty="0"/>
-              <a:t> copies of a repo is done by </a:t>
-            </a:r>
-            <a:r>
-              <a:rPr lang="en-GB" b="1" dirty="0"/>
-              <a:t>Pushing </a:t>
-            </a:r>
-            <a:r>
-              <a:rPr lang="en-GB" dirty="0"/>
-              <a:t>(local to remote) and </a:t>
-            </a:r>
-            <a:r>
-              <a:rPr lang="en-GB" b="1" dirty="0"/>
-              <a:t>Pulling</a:t>
-            </a:r>
-            <a:r>
-              <a:rPr lang="en-GB" dirty="0"/>
-              <a:t> (remote to local).</a:t>
-            </a:r>
-          </a:p>
-          <a:p>
-            <a:r>
-              <a:rPr lang="en-GB" dirty="0"/>
-              <a:t>Recording the changes in your repo is performed using </a:t>
-            </a:r>
-            <a:r>
-              <a:rPr lang="en-GB" b="1" dirty="0"/>
-              <a:t>commits.</a:t>
-            </a:r>
-          </a:p>
-          <a:p>
-            <a:pPr lvl="1"/>
-            <a:r>
-              <a:rPr lang="en-GB" b="1" dirty="0"/>
-              <a:t>Commits</a:t>
-            </a:r>
-            <a:r>
-              <a:rPr lang="en-GB" dirty="0"/>
-              <a:t> record the current state of the repo to log files.</a:t>
-            </a:r>
-          </a:p>
-          <a:p>
-            <a:pPr lvl="1"/>
-            <a:r>
-              <a:rPr lang="en-GB" b="1" dirty="0"/>
-              <a:t>Commits </a:t>
-            </a:r>
-            <a:r>
-              <a:rPr lang="en-GB" dirty="0"/>
-              <a:t>should be made regularly (think of them as being like saving a file in Word – once saved, you’re less likely to lose your progress).</a:t>
-            </a:r>
-          </a:p>
-          <a:p>
-            <a:pPr lvl="1"/>
-            <a:r>
-              <a:rPr lang="en-GB" b="1" dirty="0"/>
-              <a:t>Commits</a:t>
-            </a:r>
-            <a:r>
-              <a:rPr lang="en-GB" dirty="0"/>
-              <a:t> by themselves </a:t>
-            </a:r>
-            <a:r>
-              <a:rPr lang="en-GB" i="1" dirty="0"/>
-              <a:t>do not</a:t>
-            </a:r>
-            <a:r>
-              <a:rPr lang="en-GB" dirty="0"/>
-              <a:t> log changes to the remote or other local repos, only the on that you’re working on.</a:t>
-            </a:r>
-          </a:p>
-          <a:p>
-            <a:pPr lvl="1"/>
-            <a:r>
-              <a:rPr lang="en-GB" dirty="0"/>
-              <a:t>After making a </a:t>
-            </a:r>
-            <a:r>
-              <a:rPr lang="en-GB" b="1" dirty="0"/>
-              <a:t>commit</a:t>
-            </a:r>
-            <a:r>
-              <a:rPr lang="en-GB" dirty="0"/>
-              <a:t>, it’s often worth making a Push to the remote so everything’s backed up.</a:t>
-            </a:r>
-          </a:p>
-          <a:p>
-            <a:pPr lvl="1"/>
-            <a:r>
-              <a:rPr lang="en-GB" dirty="0"/>
-              <a:t>You can undo changes by </a:t>
-            </a:r>
-            <a:r>
-              <a:rPr lang="en-GB" dirty="0" err="1"/>
-              <a:t>reseting</a:t>
-            </a:r>
-            <a:r>
-              <a:rPr lang="en-GB" dirty="0"/>
-              <a:t> to older </a:t>
-            </a:r>
-            <a:r>
-              <a:rPr lang="en-GB" b="1" dirty="0"/>
-              <a:t>commits</a:t>
-            </a:r>
-            <a:r>
-              <a:rPr lang="en-GB" dirty="0"/>
-              <a:t>.</a:t>
-            </a:r>
-          </a:p>
-          <a:p>
-            <a:pPr lvl="1"/>
-            <a:endParaRPr lang="en-GB" dirty="0"/>
-          </a:p>
-          <a:p>
-            <a:endParaRPr lang="en-GB" dirty="0"/>
-          </a:p>
-        </p:txBody>
-      </p:sp>
-    </p:spTree>
-    <p:extLst>
-      <p:ext uri="{BB962C8B-B14F-4D97-AF65-F5344CB8AC3E}">
-        <p14:creationId xmlns:p14="http://schemas.microsoft.com/office/powerpoint/2010/main" val="3408809189"/>
-      </p:ext>
-    </p:extLst>
-  </p:cSld>
-  <p:clrMapOvr>
-    <a:masterClrMapping/>
-  </p:clrMapOvr>
-</p:sld>
-</file>
-
-<file path=ppt/slides/slide18.xml><?xml version="1.0" encoding="utf-8"?>
-<p:sld xmlns:a="http://schemas.openxmlformats.org/drawingml/2006/main" xmlns:r="http://schemas.openxmlformats.org/officeDocument/2006/relationships" xmlns:p="http://schemas.openxmlformats.org/presentationml/2006/main">
-  <p:cSld>
-    <p:spTree>
-      <p:nvGrpSpPr>
-        <p:cNvPr id="1" name=""/>
-        <p:cNvGrpSpPr/>
-        <p:nvPr/>
-      </p:nvGrpSpPr>
-      <p:grpSpPr>
-        <a:xfrm>
-          <a:off x="0" y="0"/>
-          <a:ext cx="0" cy="0"/>
-          <a:chOff x="0" y="0"/>
-          <a:chExt cx="0" cy="0"/>
-        </a:xfrm>
-      </p:grpSpPr>
-      <p:sp>
-        <p:nvSpPr>
-          <p:cNvPr id="2" name="Title 1">
-            <a:extLst>
-              <a:ext uri="{FF2B5EF4-FFF2-40B4-BE49-F238E27FC236}">
-                <a16:creationId xmlns:a16="http://schemas.microsoft.com/office/drawing/2014/main" id="{3E411BA7-F591-20D1-EC9E-57C67251B6A2}"/>
-              </a:ext>
-            </a:extLst>
-          </p:cNvPr>
-          <p:cNvSpPr>
-            <a:spLocks noGrp="1"/>
-          </p:cNvSpPr>
-          <p:nvPr>
-            <p:ph type="title"/>
-          </p:nvPr>
-        </p:nvSpPr>
-        <p:spPr/>
-        <p:txBody>
-          <a:bodyPr/>
-          <a:lstStyle/>
-          <a:p>
-            <a:r>
-              <a:rPr lang="en-GB" dirty="0"/>
-              <a:t>How to work with git</a:t>
-            </a:r>
-          </a:p>
-        </p:txBody>
-      </p:sp>
-      <p:sp>
-        <p:nvSpPr>
-          <p:cNvPr id="3" name="Content Placeholder 2">
-            <a:extLst>
-              <a:ext uri="{FF2B5EF4-FFF2-40B4-BE49-F238E27FC236}">
-                <a16:creationId xmlns:a16="http://schemas.microsoft.com/office/drawing/2014/main" id="{2B695AAE-60D2-925A-54AB-8A450E57F129}"/>
-              </a:ext>
-            </a:extLst>
-          </p:cNvPr>
-          <p:cNvSpPr>
-            <a:spLocks noGrp="1"/>
-          </p:cNvSpPr>
-          <p:nvPr>
-            <p:ph idx="1"/>
-          </p:nvPr>
-        </p:nvSpPr>
-        <p:spPr/>
-        <p:txBody>
-          <a:bodyPr/>
-          <a:lstStyle/>
-          <a:p>
-            <a:r>
-              <a:rPr lang="en-GB" dirty="0"/>
-              <a:t>You’ll likely have two main ways you might work with git on your DfE laptop:</a:t>
-            </a:r>
-          </a:p>
-          <a:p>
-            <a:pPr lvl="1"/>
-            <a:r>
-              <a:rPr lang="en-GB" dirty="0"/>
-              <a:t>Git BASH terminal:</a:t>
-            </a:r>
-          </a:p>
-          <a:p>
-            <a:pPr lvl="2"/>
-            <a:r>
-              <a:rPr lang="en-GB" dirty="0"/>
-              <a:t>text driven</a:t>
-            </a:r>
-          </a:p>
-          <a:p>
-            <a:pPr lvl="2"/>
-            <a:r>
-              <a:rPr lang="en-GB" dirty="0"/>
-              <a:t>Offers the full range of git commands</a:t>
-            </a:r>
-          </a:p>
-          <a:p>
-            <a:pPr lvl="1"/>
-            <a:r>
-              <a:rPr lang="en-GB" dirty="0"/>
-              <a:t>R-Studio git interface</a:t>
-            </a:r>
-          </a:p>
-          <a:p>
-            <a:pPr lvl="2"/>
-            <a:r>
-              <a:rPr lang="en-GB" dirty="0"/>
-              <a:t>graphical user interface</a:t>
-            </a:r>
-          </a:p>
-          <a:p>
-            <a:pPr lvl="2"/>
-            <a:r>
-              <a:rPr lang="en-GB" dirty="0"/>
-              <a:t>Generally limited to commands around committing, pushing and pulling and viewing the history.</a:t>
-            </a:r>
-          </a:p>
-        </p:txBody>
-      </p:sp>
-    </p:spTree>
-    <p:extLst>
-      <p:ext uri="{BB962C8B-B14F-4D97-AF65-F5344CB8AC3E}">
-        <p14:creationId xmlns:p14="http://schemas.microsoft.com/office/powerpoint/2010/main" val="1830327008"/>
-      </p:ext>
-    </p:extLst>
-  </p:cSld>
-  <p:clrMapOvr>
-    <a:masterClrMapping/>
-  </p:clrMapOvr>
-</p:sld>
-</file>
-
 <file path=ppt/slides/slide19.xml><?xml version="1.0" encoding="utf-8"?>
 <p:sld xmlns:a="http://schemas.openxmlformats.org/drawingml/2006/main" xmlns:r="http://schemas.openxmlformats.org/officeDocument/2006/relationships" xmlns:p="http://schemas.openxmlformats.org/presentationml/2006/main">
   <p:cSld>
@@ -5937,7 +6303,7 @@
           <p:cNvPr id="2" name="Title 1">
             <a:extLst>
               <a:ext uri="{FF2B5EF4-FFF2-40B4-BE49-F238E27FC236}">
-                <a16:creationId xmlns:a16="http://schemas.microsoft.com/office/drawing/2014/main" id="{8431DC89-E69D-6C7F-3D17-A950A45DB015}"/>
+                <a16:creationId xmlns:a16="http://schemas.microsoft.com/office/drawing/2014/main" id="{9B3B9A98-6151-2923-4C62-FE106DBBCDA0}"/>
               </a:ext>
             </a:extLst>
           </p:cNvPr>
@@ -5955,7 +6321,7 @@
           <a:p>
             <a:r>
               <a:rPr lang="en-GB" dirty="0"/>
-              <a:t>Start working with git</a:t>
+              <a:t>Git basic concepts</a:t>
             </a:r>
           </a:p>
         </p:txBody>
@@ -5965,7 +6331,7 @@
           <p:cNvPr id="3" name="Content Placeholder 2">
             <a:extLst>
               <a:ext uri="{FF2B5EF4-FFF2-40B4-BE49-F238E27FC236}">
-                <a16:creationId xmlns:a16="http://schemas.microsoft.com/office/drawing/2014/main" id="{1133EE65-1383-3856-4034-0F8270D6284E}"/>
+                <a16:creationId xmlns:a16="http://schemas.microsoft.com/office/drawing/2014/main" id="{D9102869-1947-3A8B-FE41-50754E81197C}"/>
               </a:ext>
             </a:extLst>
           </p:cNvPr>
@@ -5978,32 +6344,210 @@
         </p:nvSpPr>
         <p:spPr/>
         <p:txBody>
-          <a:bodyPr/>
+          <a:bodyPr>
+            <a:normAutofit fontScale="92500" lnSpcReduction="20000"/>
+          </a:bodyPr>
           <a:lstStyle/>
           <a:p>
             <a:r>
               <a:rPr lang="en-GB" dirty="0"/>
-              <a:t>Get in to working groups of about 3</a:t>
-            </a:r>
-          </a:p>
-          <a:p>
-            <a:r>
-              <a:rPr lang="en-GB" dirty="0"/>
-              <a:t>Go to the Setting up the repository section of the pdf and start working through the walkthrough…</a:t>
-            </a:r>
-          </a:p>
-          <a:p>
-            <a:r>
-              <a:rPr lang="en-GB" dirty="0"/>
-              <a:t>Ask questions!</a:t>
-            </a:r>
+              <a:t>A repository can be created locally (i.e. on your laptop or desktop) or remotely (on GitHub or Dev Ops).</a:t>
+            </a:r>
+          </a:p>
+          <a:p>
+            <a:pPr lvl="1"/>
+            <a:r>
+              <a:rPr lang="en-GB" dirty="0"/>
+              <a:t>Most of the work you do on a repository, i.e. developing your code, will be done within the </a:t>
+            </a:r>
+            <a:r>
+              <a:rPr lang="en-GB" b="1" dirty="0"/>
+              <a:t>local</a:t>
+            </a:r>
+            <a:r>
+              <a:rPr lang="en-GB" dirty="0"/>
+              <a:t> copy.</a:t>
+            </a:r>
+          </a:p>
+          <a:p>
+            <a:pPr lvl="1"/>
+            <a:r>
+              <a:rPr lang="en-GB" dirty="0"/>
+              <a:t>The </a:t>
+            </a:r>
+            <a:r>
+              <a:rPr lang="en-GB" b="1" dirty="0"/>
+              <a:t>remote</a:t>
+            </a:r>
+            <a:r>
+              <a:rPr lang="en-GB" dirty="0"/>
+              <a:t> repo is effectively your reliable back-up of your code and somewhere where collaborators can view and get access your code.</a:t>
+            </a:r>
+          </a:p>
+          <a:p>
+            <a:pPr lvl="1"/>
+            <a:r>
+              <a:rPr lang="en-GB" dirty="0"/>
+              <a:t>You’re only going to have a single </a:t>
+            </a:r>
+            <a:r>
+              <a:rPr lang="en-GB" b="1" dirty="0"/>
+              <a:t>remote</a:t>
+            </a:r>
+            <a:r>
+              <a:rPr lang="en-GB" dirty="0"/>
+              <a:t> copy of the repo, but you (and collaborators) can have multiple </a:t>
+            </a:r>
+            <a:r>
+              <a:rPr lang="en-GB" b="1" dirty="0"/>
+              <a:t>local</a:t>
+            </a:r>
+            <a:r>
+              <a:rPr lang="en-GB" dirty="0"/>
+              <a:t> copies.</a:t>
+            </a:r>
+          </a:p>
+          <a:p>
+            <a:pPr lvl="1"/>
+            <a:r>
+              <a:rPr lang="en-GB" dirty="0"/>
+              <a:t>Syncing back and forth between the </a:t>
+            </a:r>
+            <a:r>
+              <a:rPr lang="en-GB" b="1" dirty="0"/>
+              <a:t>remote</a:t>
+            </a:r>
+            <a:r>
+              <a:rPr lang="en-GB" dirty="0"/>
+              <a:t> and </a:t>
+            </a:r>
+            <a:r>
+              <a:rPr lang="en-GB" b="1" dirty="0"/>
+              <a:t>local</a:t>
+            </a:r>
+            <a:r>
+              <a:rPr lang="en-GB" dirty="0"/>
+              <a:t> copies of a repo is done by </a:t>
+            </a:r>
+            <a:r>
+              <a:rPr lang="en-GB" b="1" dirty="0"/>
+              <a:t>Pushing </a:t>
+            </a:r>
+            <a:r>
+              <a:rPr lang="en-GB" dirty="0"/>
+              <a:t>(local to remote) and </a:t>
+            </a:r>
+            <a:r>
+              <a:rPr lang="en-GB" b="1" dirty="0"/>
+              <a:t>Pulling</a:t>
+            </a:r>
+            <a:r>
+              <a:rPr lang="en-GB" dirty="0"/>
+              <a:t> (remote to local).</a:t>
+            </a:r>
+          </a:p>
+          <a:p>
+            <a:r>
+              <a:rPr lang="en-GB" dirty="0"/>
+              <a:t>Recording the changes in your repo is performed using </a:t>
+            </a:r>
+            <a:r>
+              <a:rPr lang="en-GB" b="1" dirty="0"/>
+              <a:t>commits.</a:t>
+            </a:r>
+          </a:p>
+          <a:p>
+            <a:pPr lvl="1"/>
+            <a:r>
+              <a:rPr lang="en-GB" b="1" dirty="0"/>
+              <a:t>Commits</a:t>
+            </a:r>
+            <a:r>
+              <a:rPr lang="en-GB" dirty="0"/>
+              <a:t> record the current state of the repo to log files.</a:t>
+            </a:r>
+          </a:p>
+          <a:p>
+            <a:pPr lvl="1"/>
+            <a:r>
+              <a:rPr lang="en-GB" b="1" dirty="0"/>
+              <a:t>Commits </a:t>
+            </a:r>
+            <a:r>
+              <a:rPr lang="en-GB" dirty="0"/>
+              <a:t>should be made regularly (think of them as being like saving a file in Word – once saved, you’re less likely to lose your progress).</a:t>
+            </a:r>
+          </a:p>
+          <a:p>
+            <a:pPr lvl="1"/>
+            <a:r>
+              <a:rPr lang="en-GB" b="1" dirty="0"/>
+              <a:t>Commits</a:t>
+            </a:r>
+            <a:r>
+              <a:rPr lang="en-GB" dirty="0"/>
+              <a:t> by themselves </a:t>
+            </a:r>
+            <a:r>
+              <a:rPr lang="en-GB" i="1" dirty="0"/>
+              <a:t>do not</a:t>
+            </a:r>
+            <a:r>
+              <a:rPr lang="en-GB" dirty="0"/>
+              <a:t> log changes to the remote or other local repos, only the on that you’re working on.</a:t>
+            </a:r>
+          </a:p>
+          <a:p>
+            <a:pPr lvl="1"/>
+            <a:r>
+              <a:rPr lang="en-GB" dirty="0"/>
+              <a:t>After making a </a:t>
+            </a:r>
+            <a:r>
+              <a:rPr lang="en-GB" b="1" dirty="0"/>
+              <a:t>commit</a:t>
+            </a:r>
+            <a:r>
+              <a:rPr lang="en-GB" dirty="0"/>
+              <a:t>, it’s often worth making a Push to the remote so everything’s backed up.</a:t>
+            </a:r>
+          </a:p>
+          <a:p>
+            <a:pPr lvl="1"/>
+            <a:r>
+              <a:rPr lang="en-GB" dirty="0"/>
+              <a:t>You can undo changes by </a:t>
+            </a:r>
+            <a:r>
+              <a:rPr lang="en-GB" dirty="0" err="1"/>
+              <a:t>reseting</a:t>
+            </a:r>
+            <a:r>
+              <a:rPr lang="en-GB" dirty="0"/>
+              <a:t> to older </a:t>
+            </a:r>
+            <a:r>
+              <a:rPr lang="en-GB" b="1" dirty="0"/>
+              <a:t>commits</a:t>
+            </a:r>
+            <a:r>
+              <a:rPr lang="en-GB" dirty="0"/>
+              <a:t>.</a:t>
+            </a:r>
+          </a:p>
+          <a:p>
+            <a:pPr lvl="1"/>
+            <a:endParaRPr lang="en-GB" dirty="0"/>
+          </a:p>
+          <a:p>
+            <a:endParaRPr lang="en-GB" dirty="0"/>
           </a:p>
         </p:txBody>
       </p:sp>
     </p:spTree>
     <p:extLst>
       <p:ext uri="{BB962C8B-B14F-4D97-AF65-F5344CB8AC3E}">
-        <p14:creationId xmlns:p14="http://schemas.microsoft.com/office/powerpoint/2010/main" val="1058510910"/>
+        <p14:creationId xmlns:p14="http://schemas.microsoft.com/office/powerpoint/2010/main" val="3408809189"/>
       </p:ext>
     </p:extLst>
   </p:cSld>
@@ -6098,6 +6642,232 @@
     <p:extLst>
       <p:ext uri="{BB962C8B-B14F-4D97-AF65-F5344CB8AC3E}">
         <p14:creationId xmlns:p14="http://schemas.microsoft.com/office/powerpoint/2010/main" val="3561758237"/>
+      </p:ext>
+    </p:extLst>
+  </p:cSld>
+  <p:clrMapOvr>
+    <a:masterClrMapping/>
+  </p:clrMapOvr>
+</p:sld>
+</file>
+
+<file path=ppt/slides/slide20.xml><?xml version="1.0" encoding="utf-8"?>
+<p:sld xmlns:a="http://schemas.openxmlformats.org/drawingml/2006/main" xmlns:r="http://schemas.openxmlformats.org/officeDocument/2006/relationships" xmlns:p="http://schemas.openxmlformats.org/presentationml/2006/main">
+  <p:cSld>
+    <p:spTree>
+      <p:nvGrpSpPr>
+        <p:cNvPr id="1" name=""/>
+        <p:cNvGrpSpPr/>
+        <p:nvPr/>
+      </p:nvGrpSpPr>
+      <p:grpSpPr>
+        <a:xfrm>
+          <a:off x="0" y="0"/>
+          <a:ext cx="0" cy="0"/>
+          <a:chOff x="0" y="0"/>
+          <a:chExt cx="0" cy="0"/>
+        </a:xfrm>
+      </p:grpSpPr>
+      <p:sp>
+        <p:nvSpPr>
+          <p:cNvPr id="2" name="Title 1">
+            <a:extLst>
+              <a:ext uri="{FF2B5EF4-FFF2-40B4-BE49-F238E27FC236}">
+                <a16:creationId xmlns:a16="http://schemas.microsoft.com/office/drawing/2014/main" id="{3E411BA7-F591-20D1-EC9E-57C67251B6A2}"/>
+              </a:ext>
+            </a:extLst>
+          </p:cNvPr>
+          <p:cNvSpPr>
+            <a:spLocks noGrp="1"/>
+          </p:cNvSpPr>
+          <p:nvPr>
+            <p:ph type="title"/>
+          </p:nvPr>
+        </p:nvSpPr>
+        <p:spPr/>
+        <p:txBody>
+          <a:bodyPr/>
+          <a:lstStyle/>
+          <a:p>
+            <a:r>
+              <a:rPr lang="en-GB" dirty="0"/>
+              <a:t>How to work with git</a:t>
+            </a:r>
+          </a:p>
+        </p:txBody>
+      </p:sp>
+      <p:sp>
+        <p:nvSpPr>
+          <p:cNvPr id="3" name="Content Placeholder 2">
+            <a:extLst>
+              <a:ext uri="{FF2B5EF4-FFF2-40B4-BE49-F238E27FC236}">
+                <a16:creationId xmlns:a16="http://schemas.microsoft.com/office/drawing/2014/main" id="{2B695AAE-60D2-925A-54AB-8A450E57F129}"/>
+              </a:ext>
+            </a:extLst>
+          </p:cNvPr>
+          <p:cNvSpPr>
+            <a:spLocks noGrp="1"/>
+          </p:cNvSpPr>
+          <p:nvPr>
+            <p:ph idx="1"/>
+          </p:nvPr>
+        </p:nvSpPr>
+        <p:spPr/>
+        <p:txBody>
+          <a:bodyPr/>
+          <a:lstStyle/>
+          <a:p>
+            <a:r>
+              <a:rPr lang="en-GB" dirty="0"/>
+              <a:t>You’ll likely have two main ways you might work with git on your DfE laptop:</a:t>
+            </a:r>
+          </a:p>
+          <a:p>
+            <a:pPr lvl="1"/>
+            <a:r>
+              <a:rPr lang="en-GB" dirty="0"/>
+              <a:t>Git BASH terminal:</a:t>
+            </a:r>
+          </a:p>
+          <a:p>
+            <a:pPr lvl="2"/>
+            <a:r>
+              <a:rPr lang="en-GB" dirty="0"/>
+              <a:t>text driven</a:t>
+            </a:r>
+          </a:p>
+          <a:p>
+            <a:pPr lvl="2"/>
+            <a:r>
+              <a:rPr lang="en-GB" dirty="0"/>
+              <a:t>Offers the full range of git commands</a:t>
+            </a:r>
+          </a:p>
+          <a:p>
+            <a:pPr lvl="1"/>
+            <a:r>
+              <a:rPr lang="en-GB" dirty="0"/>
+              <a:t>R-Studio git interface</a:t>
+            </a:r>
+          </a:p>
+          <a:p>
+            <a:pPr lvl="2"/>
+            <a:r>
+              <a:rPr lang="en-GB" dirty="0"/>
+              <a:t>graphical user interface</a:t>
+            </a:r>
+          </a:p>
+          <a:p>
+            <a:pPr lvl="2"/>
+            <a:r>
+              <a:rPr lang="en-GB" dirty="0"/>
+              <a:t>Generally limited to commands around committing, pushing and pulling and viewing the history.</a:t>
+            </a:r>
+          </a:p>
+        </p:txBody>
+      </p:sp>
+    </p:spTree>
+    <p:extLst>
+      <p:ext uri="{BB962C8B-B14F-4D97-AF65-F5344CB8AC3E}">
+        <p14:creationId xmlns:p14="http://schemas.microsoft.com/office/powerpoint/2010/main" val="1830327008"/>
+      </p:ext>
+    </p:extLst>
+  </p:cSld>
+  <p:clrMapOvr>
+    <a:masterClrMapping/>
+  </p:clrMapOvr>
+</p:sld>
+</file>
+
+<file path=ppt/slides/slide21.xml><?xml version="1.0" encoding="utf-8"?>
+<p:sld xmlns:a="http://schemas.openxmlformats.org/drawingml/2006/main" xmlns:r="http://schemas.openxmlformats.org/officeDocument/2006/relationships" xmlns:p="http://schemas.openxmlformats.org/presentationml/2006/main">
+  <p:cSld>
+    <p:spTree>
+      <p:nvGrpSpPr>
+        <p:cNvPr id="1" name=""/>
+        <p:cNvGrpSpPr/>
+        <p:nvPr/>
+      </p:nvGrpSpPr>
+      <p:grpSpPr>
+        <a:xfrm>
+          <a:off x="0" y="0"/>
+          <a:ext cx="0" cy="0"/>
+          <a:chOff x="0" y="0"/>
+          <a:chExt cx="0" cy="0"/>
+        </a:xfrm>
+      </p:grpSpPr>
+      <p:sp>
+        <p:nvSpPr>
+          <p:cNvPr id="2" name="Title 1">
+            <a:extLst>
+              <a:ext uri="{FF2B5EF4-FFF2-40B4-BE49-F238E27FC236}">
+                <a16:creationId xmlns:a16="http://schemas.microsoft.com/office/drawing/2014/main" id="{8431DC89-E69D-6C7F-3D17-A950A45DB015}"/>
+              </a:ext>
+            </a:extLst>
+          </p:cNvPr>
+          <p:cNvSpPr>
+            <a:spLocks noGrp="1"/>
+          </p:cNvSpPr>
+          <p:nvPr>
+            <p:ph type="title"/>
+          </p:nvPr>
+        </p:nvSpPr>
+        <p:spPr/>
+        <p:txBody>
+          <a:bodyPr/>
+          <a:lstStyle/>
+          <a:p>
+            <a:r>
+              <a:rPr lang="en-GB" dirty="0"/>
+              <a:t>Start working with git</a:t>
+            </a:r>
+          </a:p>
+        </p:txBody>
+      </p:sp>
+      <p:sp>
+        <p:nvSpPr>
+          <p:cNvPr id="3" name="Content Placeholder 2">
+            <a:extLst>
+              <a:ext uri="{FF2B5EF4-FFF2-40B4-BE49-F238E27FC236}">
+                <a16:creationId xmlns:a16="http://schemas.microsoft.com/office/drawing/2014/main" id="{1133EE65-1383-3856-4034-0F8270D6284E}"/>
+              </a:ext>
+            </a:extLst>
+          </p:cNvPr>
+          <p:cNvSpPr>
+            <a:spLocks noGrp="1"/>
+          </p:cNvSpPr>
+          <p:nvPr>
+            <p:ph idx="1"/>
+          </p:nvPr>
+        </p:nvSpPr>
+        <p:spPr/>
+        <p:txBody>
+          <a:bodyPr/>
+          <a:lstStyle/>
+          <a:p>
+            <a:r>
+              <a:rPr lang="en-GB" dirty="0"/>
+              <a:t>Get in to working groups of about 3</a:t>
+            </a:r>
+          </a:p>
+          <a:p>
+            <a:r>
+              <a:rPr lang="en-GB" dirty="0"/>
+              <a:t>Go to the Setting up the repository section of the pdf and start working through the walkthrough…</a:t>
+            </a:r>
+          </a:p>
+          <a:p>
+            <a:r>
+              <a:rPr lang="en-GB" dirty="0"/>
+              <a:t>Ask questions!</a:t>
+            </a:r>
+          </a:p>
+        </p:txBody>
+      </p:sp>
+    </p:spTree>
+    <p:extLst>
+      <p:ext uri="{BB962C8B-B14F-4D97-AF65-F5344CB8AC3E}">
+        <p14:creationId xmlns:p14="http://schemas.microsoft.com/office/powerpoint/2010/main" val="1058510910"/>
       </p:ext>
     </p:extLst>
   </p:cSld>

--- a/slides/workshopslides_quick-git.pptx
+++ b/slides/workshopslides_quick-git.pptx
@@ -20,12 +20,15 @@
     <p:sldId id="274" r:id="rId14"/>
     <p:sldId id="275" r:id="rId15"/>
     <p:sldId id="276" r:id="rId16"/>
-    <p:sldId id="270" r:id="rId17"/>
-    <p:sldId id="266" r:id="rId18"/>
-    <p:sldId id="267" r:id="rId19"/>
-    <p:sldId id="262" r:id="rId20"/>
-    <p:sldId id="263" r:id="rId21"/>
-    <p:sldId id="265" r:id="rId22"/>
+    <p:sldId id="279" r:id="rId17"/>
+    <p:sldId id="270" r:id="rId18"/>
+    <p:sldId id="280" r:id="rId19"/>
+    <p:sldId id="278" r:id="rId20"/>
+    <p:sldId id="281" r:id="rId21"/>
+    <p:sldId id="277" r:id="rId22"/>
+    <p:sldId id="282" r:id="rId23"/>
+    <p:sldId id="283" r:id="rId24"/>
+    <p:sldId id="284" r:id="rId25"/>
   </p:sldIdLst>
   <p:sldSz cx="12192000" cy="6858000"/>
   <p:notesSz cx="6858000" cy="9144000"/>
@@ -152,20 +155,23 @@
             <p14:sldId id="274"/>
             <p14:sldId id="275"/>
             <p14:sldId id="276"/>
-            <p14:sldId id="270"/>
           </p14:sldIdLst>
         </p14:section>
-        <p14:section name="Azure Dev Ops" id="{A31FDB5D-14D9-4895-8591-5B02FF28B1A9}">
+        <p14:section name="IRL" id="{3084BC28-3028-45B7-BD36-4578B14C9F45}">
           <p14:sldIdLst>
-            <p14:sldId id="266"/>
-            <p14:sldId id="267"/>
+            <p14:sldId id="279"/>
+            <p14:sldId id="270"/>
+            <p14:sldId id="280"/>
+            <p14:sldId id="278"/>
           </p14:sldIdLst>
         </p14:section>
-        <p14:section name="git concepts" id="{BC356032-4D23-49D5-9CAA-BDE8D4E56778}">
+        <p14:section name="How do I do actual stuff though?!" id="{BEE8A8B5-60ED-465E-AAC5-92369851F2AB}">
           <p14:sldIdLst>
-            <p14:sldId id="262"/>
-            <p14:sldId id="263"/>
-            <p14:sldId id="265"/>
+            <p14:sldId id="281"/>
+            <p14:sldId id="277"/>
+            <p14:sldId id="282"/>
+            <p14:sldId id="283"/>
+            <p14:sldId id="284"/>
           </p14:sldIdLst>
         </p14:section>
       </p14:sectionLst>
@@ -3559,7 +3565,7 @@
         <p:spPr/>
         <p:txBody>
           <a:bodyPr>
-            <a:normAutofit lnSpcReduction="10000"/>
+            <a:normAutofit fontScale="77500" lnSpcReduction="20000"/>
           </a:bodyPr>
           <a:lstStyle/>
           <a:p>
@@ -3636,6 +3642,16 @@
                 </a:solidFill>
               </a:rPr>
               <a:t> </a:t>
+            </a:r>
+          </a:p>
+          <a:p>
+            <a:r>
+              <a:rPr lang="en-GB" dirty="0">
+                <a:solidFill>
+                  <a:srgbClr val="FFFF00"/>
+                </a:solidFill>
+              </a:rPr>
+              <a:t>And create yourself a GitHub account if you haven’t already got one!</a:t>
             </a:r>
           </a:p>
         </p:txBody>
@@ -5739,7 +5755,7 @@
           <p:cNvPr id="2" name="Title 1">
             <a:extLst>
               <a:ext uri="{FF2B5EF4-FFF2-40B4-BE49-F238E27FC236}">
-                <a16:creationId xmlns:a16="http://schemas.microsoft.com/office/drawing/2014/main" id="{A15822F5-14F8-04A7-9687-2A92683631CA}"/>
+                <a16:creationId xmlns:a16="http://schemas.microsoft.com/office/drawing/2014/main" id="{88A48057-241C-3059-AE60-FC31E249F856}"/>
               </a:ext>
             </a:extLst>
           </p:cNvPr>
@@ -5755,39 +5771,942 @@
           <a:bodyPr/>
           <a:lstStyle/>
           <a:p>
-            <a:endParaRPr lang="en-GB"/>
-          </a:p>
-        </p:txBody>
-      </p:sp>
-      <p:sp>
-        <p:nvSpPr>
-          <p:cNvPr id="3" name="Content Placeholder 2">
+            <a:r>
+              <a:rPr lang="en-GB" dirty="0"/>
+              <a:t>Remote and local repositories</a:t>
+            </a:r>
+          </a:p>
+        </p:txBody>
+      </p:sp>
+      <p:pic>
+        <p:nvPicPr>
+          <p:cNvPr id="5" name="Content Placeholder 4" descr="Internet with solid fill">
             <a:extLst>
               <a:ext uri="{FF2B5EF4-FFF2-40B4-BE49-F238E27FC236}">
-                <a16:creationId xmlns:a16="http://schemas.microsoft.com/office/drawing/2014/main" id="{3021795C-3041-287E-53A7-9DFEBB69C084}"/>
+                <a16:creationId xmlns:a16="http://schemas.microsoft.com/office/drawing/2014/main" id="{C62E482E-7CC3-213A-9102-E2527499BF32}"/>
               </a:ext>
             </a:extLst>
           </p:cNvPr>
-          <p:cNvSpPr>
-            <a:spLocks noGrp="1"/>
-          </p:cNvSpPr>
+          <p:cNvPicPr>
+            <a:picLocks noGrp="1" noChangeAspect="1"/>
+          </p:cNvPicPr>
           <p:nvPr>
             <p:ph idx="1"/>
           </p:nvPr>
-        </p:nvSpPr>
-        <p:spPr/>
-        <p:txBody>
-          <a:bodyPr/>
+        </p:nvPicPr>
+        <p:blipFill>
+          <a:blip r:embed="rId2">
+            <a:extLst>
+              <a:ext uri="{28A0092B-C50C-407E-A947-70E740481C1C}">
+                <a14:useLocalDpi xmlns:a14="http://schemas.microsoft.com/office/drawing/2010/main" val="0"/>
+              </a:ext>
+              <a:ext uri="{96DAC541-7B7A-43D3-8B79-37D633B846F1}">
+                <asvg:svgBlip xmlns:asvg="http://schemas.microsoft.com/office/drawing/2016/SVG/main" r:embed="rId3"/>
+              </a:ext>
+            </a:extLst>
+          </a:blip>
+          <a:stretch>
+            <a:fillRect/>
+          </a:stretch>
+        </p:blipFill>
+        <p:spPr>
+          <a:xfrm>
+            <a:off x="2276025" y="4902245"/>
+            <a:ext cx="914400" cy="914400"/>
+          </a:xfrm>
+        </p:spPr>
+      </p:pic>
+      <p:pic>
+        <p:nvPicPr>
+          <p:cNvPr id="6" name="Content Placeholder 4" descr="Internet with solid fill">
+            <a:extLst>
+              <a:ext uri="{FF2B5EF4-FFF2-40B4-BE49-F238E27FC236}">
+                <a16:creationId xmlns:a16="http://schemas.microsoft.com/office/drawing/2014/main" id="{16442B5B-452E-C976-797E-69DDA34B5665}"/>
+              </a:ext>
+            </a:extLst>
+          </p:cNvPr>
+          <p:cNvPicPr>
+            <a:picLocks noChangeAspect="1"/>
+          </p:cNvPicPr>
+          <p:nvPr/>
+        </p:nvPicPr>
+        <p:blipFill>
+          <a:blip r:embed="rId2">
+            <a:extLst>
+              <a:ext uri="{28A0092B-C50C-407E-A947-70E740481C1C}">
+                <a14:useLocalDpi xmlns:a14="http://schemas.microsoft.com/office/drawing/2010/main" val="0"/>
+              </a:ext>
+              <a:ext uri="{96DAC541-7B7A-43D3-8B79-37D633B846F1}">
+                <asvg:svgBlip xmlns:asvg="http://schemas.microsoft.com/office/drawing/2016/SVG/main" r:embed="rId3"/>
+              </a:ext>
+            </a:extLst>
+          </a:blip>
+          <a:stretch>
+            <a:fillRect/>
+          </a:stretch>
+        </p:blipFill>
+        <p:spPr>
+          <a:xfrm>
+            <a:off x="3637489" y="4902245"/>
+            <a:ext cx="914400" cy="914400"/>
+          </a:xfrm>
+          <a:prstGeom prst="rect">
+            <a:avLst/>
+          </a:prstGeom>
+        </p:spPr>
+      </p:pic>
+      <p:pic>
+        <p:nvPicPr>
+          <p:cNvPr id="7" name="Content Placeholder 4" descr="Internet with solid fill">
+            <a:extLst>
+              <a:ext uri="{FF2B5EF4-FFF2-40B4-BE49-F238E27FC236}">
+                <a16:creationId xmlns:a16="http://schemas.microsoft.com/office/drawing/2014/main" id="{20AD9E65-E5B2-0504-6846-3AC394BCBCEA}"/>
+              </a:ext>
+            </a:extLst>
+          </p:cNvPr>
+          <p:cNvPicPr>
+            <a:picLocks noChangeAspect="1"/>
+          </p:cNvPicPr>
+          <p:nvPr/>
+        </p:nvPicPr>
+        <p:blipFill>
+          <a:blip r:embed="rId2">
+            <a:extLst>
+              <a:ext uri="{28A0092B-C50C-407E-A947-70E740481C1C}">
+                <a14:useLocalDpi xmlns:a14="http://schemas.microsoft.com/office/drawing/2010/main" val="0"/>
+              </a:ext>
+              <a:ext uri="{96DAC541-7B7A-43D3-8B79-37D633B846F1}">
+                <asvg:svgBlip xmlns:asvg="http://schemas.microsoft.com/office/drawing/2016/SVG/main" r:embed="rId3"/>
+              </a:ext>
+            </a:extLst>
+          </a:blip>
+          <a:stretch>
+            <a:fillRect/>
+          </a:stretch>
+        </p:blipFill>
+        <p:spPr>
+          <a:xfrm>
+            <a:off x="4998953" y="4902245"/>
+            <a:ext cx="914400" cy="914400"/>
+          </a:xfrm>
+          <a:prstGeom prst="rect">
+            <a:avLst/>
+          </a:prstGeom>
+        </p:spPr>
+      </p:pic>
+      <p:pic>
+        <p:nvPicPr>
+          <p:cNvPr id="9" name="Graphic 8" descr="Database outline">
+            <a:extLst>
+              <a:ext uri="{FF2B5EF4-FFF2-40B4-BE49-F238E27FC236}">
+                <a16:creationId xmlns:a16="http://schemas.microsoft.com/office/drawing/2014/main" id="{2F954069-AA6D-8BF8-C71D-349ADECA35AB}"/>
+              </a:ext>
+            </a:extLst>
+          </p:cNvPr>
+          <p:cNvPicPr>
+            <a:picLocks noChangeAspect="1"/>
+          </p:cNvPicPr>
+          <p:nvPr/>
+        </p:nvPicPr>
+        <p:blipFill>
+          <a:blip r:embed="rId4">
+            <a:extLst>
+              <a:ext uri="{28A0092B-C50C-407E-A947-70E740481C1C}">
+                <a14:useLocalDpi xmlns:a14="http://schemas.microsoft.com/office/drawing/2010/main" val="0"/>
+              </a:ext>
+              <a:ext uri="{96DAC541-7B7A-43D3-8B79-37D633B846F1}">
+                <asvg:svgBlip xmlns:asvg="http://schemas.microsoft.com/office/drawing/2016/SVG/main" r:embed="rId5"/>
+              </a:ext>
+            </a:extLst>
+          </a:blip>
+          <a:stretch>
+            <a:fillRect/>
+          </a:stretch>
+        </p:blipFill>
+        <p:spPr>
+          <a:xfrm>
+            <a:off x="3452866" y="2358115"/>
+            <a:ext cx="1283646" cy="1283646"/>
+          </a:xfrm>
+          <a:prstGeom prst="rect">
+            <a:avLst/>
+          </a:prstGeom>
+        </p:spPr>
+      </p:pic>
+      <p:pic>
+        <p:nvPicPr>
+          <p:cNvPr id="10" name="Content Placeholder 4" descr="Internet with solid fill">
+            <a:extLst>
+              <a:ext uri="{FF2B5EF4-FFF2-40B4-BE49-F238E27FC236}">
+                <a16:creationId xmlns:a16="http://schemas.microsoft.com/office/drawing/2014/main" id="{F1F3E2EE-DEEF-BB59-0024-30B388AF4F44}"/>
+              </a:ext>
+            </a:extLst>
+          </p:cNvPr>
+          <p:cNvPicPr>
+            <a:picLocks noChangeAspect="1"/>
+          </p:cNvPicPr>
+          <p:nvPr/>
+        </p:nvPicPr>
+        <p:blipFill>
+          <a:blip r:embed="rId2">
+            <a:extLst>
+              <a:ext uri="{28A0092B-C50C-407E-A947-70E740481C1C}">
+                <a14:useLocalDpi xmlns:a14="http://schemas.microsoft.com/office/drawing/2010/main" val="0"/>
+              </a:ext>
+              <a:ext uri="{96DAC541-7B7A-43D3-8B79-37D633B846F1}">
+                <asvg:svgBlip xmlns:asvg="http://schemas.microsoft.com/office/drawing/2016/SVG/main" r:embed="rId3"/>
+              </a:ext>
+            </a:extLst>
+          </a:blip>
+          <a:stretch>
+            <a:fillRect/>
+          </a:stretch>
+        </p:blipFill>
+        <p:spPr>
+          <a:xfrm>
+            <a:off x="7058614" y="4902245"/>
+            <a:ext cx="914400" cy="914400"/>
+          </a:xfrm>
+          <a:prstGeom prst="rect">
+            <a:avLst/>
+          </a:prstGeom>
+        </p:spPr>
+      </p:pic>
+      <p:pic>
+        <p:nvPicPr>
+          <p:cNvPr id="11" name="Content Placeholder 4" descr="Internet with solid fill">
+            <a:extLst>
+              <a:ext uri="{FF2B5EF4-FFF2-40B4-BE49-F238E27FC236}">
+                <a16:creationId xmlns:a16="http://schemas.microsoft.com/office/drawing/2014/main" id="{4A0B3B68-3362-70A9-6EF2-FFF2E39D02CA}"/>
+              </a:ext>
+            </a:extLst>
+          </p:cNvPr>
+          <p:cNvPicPr>
+            <a:picLocks noChangeAspect="1"/>
+          </p:cNvPicPr>
+          <p:nvPr/>
+        </p:nvPicPr>
+        <p:blipFill>
+          <a:blip r:embed="rId2">
+            <a:extLst>
+              <a:ext uri="{28A0092B-C50C-407E-A947-70E740481C1C}">
+                <a14:useLocalDpi xmlns:a14="http://schemas.microsoft.com/office/drawing/2010/main" val="0"/>
+              </a:ext>
+              <a:ext uri="{96DAC541-7B7A-43D3-8B79-37D633B846F1}">
+                <asvg:svgBlip xmlns:asvg="http://schemas.microsoft.com/office/drawing/2016/SVG/main" r:embed="rId3"/>
+              </a:ext>
+            </a:extLst>
+          </a:blip>
+          <a:stretch>
+            <a:fillRect/>
+          </a:stretch>
+        </p:blipFill>
+        <p:spPr>
+          <a:xfrm>
+            <a:off x="8420078" y="4902245"/>
+            <a:ext cx="914400" cy="914400"/>
+          </a:xfrm>
+          <a:prstGeom prst="rect">
+            <a:avLst/>
+          </a:prstGeom>
+        </p:spPr>
+      </p:pic>
+      <p:pic>
+        <p:nvPicPr>
+          <p:cNvPr id="12" name="Content Placeholder 4" descr="Internet with solid fill">
+            <a:extLst>
+              <a:ext uri="{FF2B5EF4-FFF2-40B4-BE49-F238E27FC236}">
+                <a16:creationId xmlns:a16="http://schemas.microsoft.com/office/drawing/2014/main" id="{ABFC07AD-9A3B-585D-A4B8-0B3FEA25B862}"/>
+              </a:ext>
+            </a:extLst>
+          </p:cNvPr>
+          <p:cNvPicPr>
+            <a:picLocks noChangeAspect="1"/>
+          </p:cNvPicPr>
+          <p:nvPr/>
+        </p:nvPicPr>
+        <p:blipFill>
+          <a:blip r:embed="rId2">
+            <a:extLst>
+              <a:ext uri="{28A0092B-C50C-407E-A947-70E740481C1C}">
+                <a14:useLocalDpi xmlns:a14="http://schemas.microsoft.com/office/drawing/2010/main" val="0"/>
+              </a:ext>
+              <a:ext uri="{96DAC541-7B7A-43D3-8B79-37D633B846F1}">
+                <asvg:svgBlip xmlns:asvg="http://schemas.microsoft.com/office/drawing/2016/SVG/main" r:embed="rId3"/>
+              </a:ext>
+            </a:extLst>
+          </a:blip>
+          <a:stretch>
+            <a:fillRect/>
+          </a:stretch>
+        </p:blipFill>
+        <p:spPr>
+          <a:xfrm>
+            <a:off x="9781542" y="4902245"/>
+            <a:ext cx="914400" cy="914400"/>
+          </a:xfrm>
+          <a:prstGeom prst="rect">
+            <a:avLst/>
+          </a:prstGeom>
+        </p:spPr>
+      </p:pic>
+      <p:pic>
+        <p:nvPicPr>
+          <p:cNvPr id="13" name="Graphic 12" descr="Database outline">
+            <a:extLst>
+              <a:ext uri="{FF2B5EF4-FFF2-40B4-BE49-F238E27FC236}">
+                <a16:creationId xmlns:a16="http://schemas.microsoft.com/office/drawing/2014/main" id="{08037E39-567C-CD6C-90DC-975FEAEA57D2}"/>
+              </a:ext>
+            </a:extLst>
+          </p:cNvPr>
+          <p:cNvPicPr>
+            <a:picLocks noChangeAspect="1"/>
+          </p:cNvPicPr>
+          <p:nvPr/>
+        </p:nvPicPr>
+        <p:blipFill>
+          <a:blip r:embed="rId4">
+            <a:extLst>
+              <a:ext uri="{28A0092B-C50C-407E-A947-70E740481C1C}">
+                <a14:useLocalDpi xmlns:a14="http://schemas.microsoft.com/office/drawing/2010/main" val="0"/>
+              </a:ext>
+              <a:ext uri="{96DAC541-7B7A-43D3-8B79-37D633B846F1}">
+                <asvg:svgBlip xmlns:asvg="http://schemas.microsoft.com/office/drawing/2016/SVG/main" r:embed="rId5"/>
+              </a:ext>
+            </a:extLst>
+          </a:blip>
+          <a:stretch>
+            <a:fillRect/>
+          </a:stretch>
+        </p:blipFill>
+        <p:spPr>
+          <a:xfrm>
+            <a:off x="8235455" y="2358115"/>
+            <a:ext cx="1283646" cy="1283646"/>
+          </a:xfrm>
+          <a:prstGeom prst="rect">
+            <a:avLst/>
+          </a:prstGeom>
+        </p:spPr>
+      </p:pic>
+      <p:sp>
+        <p:nvSpPr>
+          <p:cNvPr id="14" name="TextBox 13">
+            <a:extLst>
+              <a:ext uri="{FF2B5EF4-FFF2-40B4-BE49-F238E27FC236}">
+                <a16:creationId xmlns:a16="http://schemas.microsoft.com/office/drawing/2014/main" id="{BB522AE0-E416-A936-9E89-189B88A56E29}"/>
+              </a:ext>
+            </a:extLst>
+          </p:cNvPr>
+          <p:cNvSpPr txBox="1"/>
+          <p:nvPr/>
+        </p:nvSpPr>
+        <p:spPr>
+          <a:xfrm>
+            <a:off x="2816134" y="1988783"/>
+            <a:ext cx="2557110" cy="369332"/>
+          </a:xfrm>
+          <a:prstGeom prst="rect">
+            <a:avLst/>
+          </a:prstGeom>
+          <a:noFill/>
+        </p:spPr>
+        <p:txBody>
+          <a:bodyPr wrap="none" rtlCol="0">
+            <a:spAutoFit/>
+          </a:bodyPr>
           <a:lstStyle/>
           <a:p>
-            <a:endParaRPr lang="en-GB"/>
+            <a:r>
+              <a:rPr lang="en-GB" dirty="0"/>
+              <a:t>DfE Dev Ops (private)</a:t>
+            </a:r>
+          </a:p>
+        </p:txBody>
+      </p:sp>
+      <p:sp>
+        <p:nvSpPr>
+          <p:cNvPr id="15" name="TextBox 14">
+            <a:extLst>
+              <a:ext uri="{FF2B5EF4-FFF2-40B4-BE49-F238E27FC236}">
+                <a16:creationId xmlns:a16="http://schemas.microsoft.com/office/drawing/2014/main" id="{9354FA87-40E1-17AE-B9D5-673083B636F0}"/>
+              </a:ext>
+            </a:extLst>
+          </p:cNvPr>
+          <p:cNvSpPr txBox="1"/>
+          <p:nvPr/>
+        </p:nvSpPr>
+        <p:spPr>
+          <a:xfrm>
+            <a:off x="7706124" y="1986306"/>
+            <a:ext cx="2342308" cy="369332"/>
+          </a:xfrm>
+          <a:prstGeom prst="rect">
+            <a:avLst/>
+          </a:prstGeom>
+          <a:noFill/>
+        </p:spPr>
+        <p:txBody>
+          <a:bodyPr wrap="none" rtlCol="0">
+            <a:spAutoFit/>
+          </a:bodyPr>
+          <a:lstStyle/>
+          <a:p>
+            <a:r>
+              <a:rPr lang="en-GB" dirty="0"/>
+              <a:t>DfE GitHub (public)</a:t>
+            </a:r>
+          </a:p>
+        </p:txBody>
+      </p:sp>
+      <p:cxnSp>
+        <p:nvCxnSpPr>
+          <p:cNvPr id="17" name="Connector: Elbow 16">
+            <a:extLst>
+              <a:ext uri="{FF2B5EF4-FFF2-40B4-BE49-F238E27FC236}">
+                <a16:creationId xmlns:a16="http://schemas.microsoft.com/office/drawing/2014/main" id="{49D00EDA-4DB9-2932-DF20-A6DC56118D55}"/>
+              </a:ext>
+            </a:extLst>
+          </p:cNvPr>
+          <p:cNvCxnSpPr>
+            <a:stCxn id="13" idx="2"/>
+            <a:endCxn id="12" idx="0"/>
+          </p:cNvCxnSpPr>
+          <p:nvPr/>
+        </p:nvCxnSpPr>
+        <p:spPr>
+          <a:xfrm rot="16200000" flipH="1">
+            <a:off x="8927768" y="3591271"/>
+            <a:ext cx="1260484" cy="1361464"/>
+          </a:xfrm>
+          <a:prstGeom prst="bentConnector3">
+            <a:avLst/>
+          </a:prstGeom>
+          <a:ln w="57150">
+            <a:tailEnd type="triangle"/>
+          </a:ln>
+        </p:spPr>
+        <p:style>
+          <a:lnRef idx="1">
+            <a:schemeClr val="accent1"/>
+          </a:lnRef>
+          <a:fillRef idx="0">
+            <a:schemeClr val="accent1"/>
+          </a:fillRef>
+          <a:effectRef idx="0">
+            <a:schemeClr val="accent1"/>
+          </a:effectRef>
+          <a:fontRef idx="minor">
+            <a:schemeClr val="tx1"/>
+          </a:fontRef>
+        </p:style>
+      </p:cxnSp>
+      <p:cxnSp>
+        <p:nvCxnSpPr>
+          <p:cNvPr id="18" name="Connector: Elbow 17">
+            <a:extLst>
+              <a:ext uri="{FF2B5EF4-FFF2-40B4-BE49-F238E27FC236}">
+                <a16:creationId xmlns:a16="http://schemas.microsoft.com/office/drawing/2014/main" id="{C8ACF3BA-69B4-84DA-2028-DCA1A3AE1160}"/>
+              </a:ext>
+            </a:extLst>
+          </p:cNvPr>
+          <p:cNvCxnSpPr>
+            <a:cxnSpLocks/>
+            <a:stCxn id="13" idx="2"/>
+            <a:endCxn id="10" idx="0"/>
+          </p:cNvCxnSpPr>
+          <p:nvPr/>
+        </p:nvCxnSpPr>
+        <p:spPr>
+          <a:xfrm rot="5400000">
+            <a:off x="7566304" y="3591271"/>
+            <a:ext cx="1260484" cy="1361464"/>
+          </a:xfrm>
+          <a:prstGeom prst="bentConnector3">
+            <a:avLst>
+              <a:gd name="adj1" fmla="val 50000"/>
+            </a:avLst>
+          </a:prstGeom>
+          <a:ln w="57150">
+            <a:tailEnd type="triangle"/>
+          </a:ln>
+        </p:spPr>
+        <p:style>
+          <a:lnRef idx="1">
+            <a:schemeClr val="accent1"/>
+          </a:lnRef>
+          <a:fillRef idx="0">
+            <a:schemeClr val="accent1"/>
+          </a:fillRef>
+          <a:effectRef idx="0">
+            <a:schemeClr val="accent1"/>
+          </a:effectRef>
+          <a:fontRef idx="minor">
+            <a:schemeClr val="tx1"/>
+          </a:fontRef>
+        </p:style>
+      </p:cxnSp>
+      <p:cxnSp>
+        <p:nvCxnSpPr>
+          <p:cNvPr id="21" name="Connector: Elbow 20">
+            <a:extLst>
+              <a:ext uri="{FF2B5EF4-FFF2-40B4-BE49-F238E27FC236}">
+                <a16:creationId xmlns:a16="http://schemas.microsoft.com/office/drawing/2014/main" id="{E810D5ED-B3B9-C7F9-235E-86FCFBDE96F6}"/>
+              </a:ext>
+            </a:extLst>
+          </p:cNvPr>
+          <p:cNvCxnSpPr>
+            <a:cxnSpLocks/>
+            <a:endCxn id="11" idx="0"/>
+          </p:cNvCxnSpPr>
+          <p:nvPr/>
+        </p:nvCxnSpPr>
+        <p:spPr>
+          <a:xfrm rot="5400000">
+            <a:off x="8252148" y="4270764"/>
+            <a:ext cx="1256612" cy="6351"/>
+          </a:xfrm>
+          <a:prstGeom prst="bentConnector3">
+            <a:avLst/>
+          </a:prstGeom>
+          <a:ln w="57150">
+            <a:tailEnd type="triangle"/>
+          </a:ln>
+        </p:spPr>
+        <p:style>
+          <a:lnRef idx="1">
+            <a:schemeClr val="accent1"/>
+          </a:lnRef>
+          <a:fillRef idx="0">
+            <a:schemeClr val="accent1"/>
+          </a:fillRef>
+          <a:effectRef idx="0">
+            <a:schemeClr val="accent1"/>
+          </a:effectRef>
+          <a:fontRef idx="minor">
+            <a:schemeClr val="tx1"/>
+          </a:fontRef>
+        </p:style>
+      </p:cxnSp>
+      <p:cxnSp>
+        <p:nvCxnSpPr>
+          <p:cNvPr id="23" name="Connector: Elbow 22">
+            <a:extLst>
+              <a:ext uri="{FF2B5EF4-FFF2-40B4-BE49-F238E27FC236}">
+                <a16:creationId xmlns:a16="http://schemas.microsoft.com/office/drawing/2014/main" id="{5B373C18-697B-368E-67B3-580F5EDC65A3}"/>
+              </a:ext>
+            </a:extLst>
+          </p:cNvPr>
+          <p:cNvCxnSpPr/>
+          <p:nvPr/>
+        </p:nvCxnSpPr>
+        <p:spPr>
+          <a:xfrm rot="16200000" flipH="1">
+            <a:off x="4151531" y="3591271"/>
+            <a:ext cx="1260484" cy="1361464"/>
+          </a:xfrm>
+          <a:prstGeom prst="bentConnector3">
+            <a:avLst/>
+          </a:prstGeom>
+          <a:ln w="57150">
+            <a:tailEnd type="triangle"/>
+          </a:ln>
+        </p:spPr>
+        <p:style>
+          <a:lnRef idx="1">
+            <a:schemeClr val="accent1"/>
+          </a:lnRef>
+          <a:fillRef idx="0">
+            <a:schemeClr val="accent1"/>
+          </a:fillRef>
+          <a:effectRef idx="0">
+            <a:schemeClr val="accent1"/>
+          </a:effectRef>
+          <a:fontRef idx="minor">
+            <a:schemeClr val="tx1"/>
+          </a:fontRef>
+        </p:style>
+      </p:cxnSp>
+      <p:cxnSp>
+        <p:nvCxnSpPr>
+          <p:cNvPr id="24" name="Connector: Elbow 23">
+            <a:extLst>
+              <a:ext uri="{FF2B5EF4-FFF2-40B4-BE49-F238E27FC236}">
+                <a16:creationId xmlns:a16="http://schemas.microsoft.com/office/drawing/2014/main" id="{217120D2-B74A-8E04-0A99-1F21A3903CA0}"/>
+              </a:ext>
+            </a:extLst>
+          </p:cNvPr>
+          <p:cNvCxnSpPr>
+            <a:cxnSpLocks/>
+          </p:cNvCxnSpPr>
+          <p:nvPr/>
+        </p:nvCxnSpPr>
+        <p:spPr>
+          <a:xfrm rot="5400000">
+            <a:off x="2790067" y="3591271"/>
+            <a:ext cx="1260484" cy="1361464"/>
+          </a:xfrm>
+          <a:prstGeom prst="bentConnector3">
+            <a:avLst>
+              <a:gd name="adj1" fmla="val 50000"/>
+            </a:avLst>
+          </a:prstGeom>
+          <a:ln w="57150">
+            <a:tailEnd type="triangle"/>
+          </a:ln>
+        </p:spPr>
+        <p:style>
+          <a:lnRef idx="1">
+            <a:schemeClr val="accent1"/>
+          </a:lnRef>
+          <a:fillRef idx="0">
+            <a:schemeClr val="accent1"/>
+          </a:fillRef>
+          <a:effectRef idx="0">
+            <a:schemeClr val="accent1"/>
+          </a:effectRef>
+          <a:fontRef idx="minor">
+            <a:schemeClr val="tx1"/>
+          </a:fontRef>
+        </p:style>
+      </p:cxnSp>
+      <p:cxnSp>
+        <p:nvCxnSpPr>
+          <p:cNvPr id="25" name="Connector: Elbow 24">
+            <a:extLst>
+              <a:ext uri="{FF2B5EF4-FFF2-40B4-BE49-F238E27FC236}">
+                <a16:creationId xmlns:a16="http://schemas.microsoft.com/office/drawing/2014/main" id="{2F0DF07D-2CCF-D48C-C9E5-C5C0C9C3C8E4}"/>
+              </a:ext>
+            </a:extLst>
+          </p:cNvPr>
+          <p:cNvCxnSpPr>
+            <a:cxnSpLocks/>
+          </p:cNvCxnSpPr>
+          <p:nvPr/>
+        </p:nvCxnSpPr>
+        <p:spPr>
+          <a:xfrm rot="5400000">
+            <a:off x="3475911" y="4270764"/>
+            <a:ext cx="1256612" cy="6351"/>
+          </a:xfrm>
+          <a:prstGeom prst="bentConnector3">
+            <a:avLst/>
+          </a:prstGeom>
+          <a:ln w="57150">
+            <a:tailEnd type="triangle"/>
+          </a:ln>
+        </p:spPr>
+        <p:style>
+          <a:lnRef idx="1">
+            <a:schemeClr val="accent1"/>
+          </a:lnRef>
+          <a:fillRef idx="0">
+            <a:schemeClr val="accent1"/>
+          </a:fillRef>
+          <a:effectRef idx="0">
+            <a:schemeClr val="accent1"/>
+          </a:effectRef>
+          <a:fontRef idx="minor">
+            <a:schemeClr val="tx1"/>
+          </a:fontRef>
+        </p:style>
+      </p:cxnSp>
+      <p:sp>
+        <p:nvSpPr>
+          <p:cNvPr id="26" name="TextBox 25">
+            <a:extLst>
+              <a:ext uri="{FF2B5EF4-FFF2-40B4-BE49-F238E27FC236}">
+                <a16:creationId xmlns:a16="http://schemas.microsoft.com/office/drawing/2014/main" id="{78148E63-AA6F-7757-F793-46643A14C527}"/>
+              </a:ext>
+            </a:extLst>
+          </p:cNvPr>
+          <p:cNvSpPr txBox="1"/>
+          <p:nvPr/>
+        </p:nvSpPr>
+        <p:spPr>
+          <a:xfrm>
+            <a:off x="483254" y="2763705"/>
+            <a:ext cx="1261884" cy="646331"/>
+          </a:xfrm>
+          <a:prstGeom prst="rect">
+            <a:avLst/>
+          </a:prstGeom>
+          <a:noFill/>
+        </p:spPr>
+        <p:txBody>
+          <a:bodyPr wrap="none" rtlCol="0">
+            <a:spAutoFit/>
+          </a:bodyPr>
+          <a:lstStyle/>
+          <a:p>
+            <a:r>
+              <a:rPr lang="en-GB" dirty="0"/>
+              <a:t>Remote</a:t>
+            </a:r>
+          </a:p>
+          <a:p>
+            <a:r>
+              <a:rPr lang="en-GB" dirty="0"/>
+              <a:t>repository</a:t>
+            </a:r>
+          </a:p>
+        </p:txBody>
+      </p:sp>
+      <p:sp>
+        <p:nvSpPr>
+          <p:cNvPr id="27" name="TextBox 26">
+            <a:extLst>
+              <a:ext uri="{FF2B5EF4-FFF2-40B4-BE49-F238E27FC236}">
+                <a16:creationId xmlns:a16="http://schemas.microsoft.com/office/drawing/2014/main" id="{49BB7BC8-D95B-C75D-DBD7-780A4600434D}"/>
+              </a:ext>
+            </a:extLst>
+          </p:cNvPr>
+          <p:cNvSpPr txBox="1"/>
+          <p:nvPr/>
+        </p:nvSpPr>
+        <p:spPr>
+          <a:xfrm>
+            <a:off x="483254" y="4902245"/>
+            <a:ext cx="838691" cy="646331"/>
+          </a:xfrm>
+          <a:prstGeom prst="rect">
+            <a:avLst/>
+          </a:prstGeom>
+          <a:noFill/>
+        </p:spPr>
+        <p:txBody>
+          <a:bodyPr wrap="none" rtlCol="0">
+            <a:spAutoFit/>
+          </a:bodyPr>
+          <a:lstStyle/>
+          <a:p>
+            <a:r>
+              <a:rPr lang="en-GB" dirty="0"/>
+              <a:t>Local</a:t>
+            </a:r>
+          </a:p>
+          <a:p>
+            <a:r>
+              <a:rPr lang="en-GB" dirty="0"/>
+              <a:t>clones</a:t>
+            </a:r>
+          </a:p>
+        </p:txBody>
+      </p:sp>
+      <p:sp>
+        <p:nvSpPr>
+          <p:cNvPr id="28" name="TextBox 27">
+            <a:extLst>
+              <a:ext uri="{FF2B5EF4-FFF2-40B4-BE49-F238E27FC236}">
+                <a16:creationId xmlns:a16="http://schemas.microsoft.com/office/drawing/2014/main" id="{CE2FABF4-6461-68B0-E12D-148E2A65A29D}"/>
+              </a:ext>
+            </a:extLst>
+          </p:cNvPr>
+          <p:cNvSpPr txBox="1"/>
+          <p:nvPr/>
+        </p:nvSpPr>
+        <p:spPr>
+          <a:xfrm>
+            <a:off x="2358763" y="5793398"/>
+            <a:ext cx="748923" cy="369332"/>
+          </a:xfrm>
+          <a:prstGeom prst="rect">
+            <a:avLst/>
+          </a:prstGeom>
+          <a:noFill/>
+        </p:spPr>
+        <p:txBody>
+          <a:bodyPr wrap="none" rtlCol="0">
+            <a:spAutoFit/>
+          </a:bodyPr>
+          <a:lstStyle/>
+          <a:p>
+            <a:r>
+              <a:rPr lang="en-GB" dirty="0"/>
+              <a:t>Geoff</a:t>
+            </a:r>
+          </a:p>
+        </p:txBody>
+      </p:sp>
+      <p:sp>
+        <p:nvSpPr>
+          <p:cNvPr id="29" name="TextBox 28">
+            <a:extLst>
+              <a:ext uri="{FF2B5EF4-FFF2-40B4-BE49-F238E27FC236}">
+                <a16:creationId xmlns:a16="http://schemas.microsoft.com/office/drawing/2014/main" id="{EC923B6D-20F6-0898-F44F-3994351CB5CF}"/>
+              </a:ext>
+            </a:extLst>
+          </p:cNvPr>
+          <p:cNvSpPr txBox="1"/>
+          <p:nvPr/>
+        </p:nvSpPr>
+        <p:spPr>
+          <a:xfrm>
+            <a:off x="3545500" y="5811243"/>
+            <a:ext cx="1098378" cy="369332"/>
+          </a:xfrm>
+          <a:prstGeom prst="rect">
+            <a:avLst/>
+          </a:prstGeom>
+          <a:noFill/>
+        </p:spPr>
+        <p:txBody>
+          <a:bodyPr wrap="none" rtlCol="0">
+            <a:spAutoFit/>
+          </a:bodyPr>
+          <a:lstStyle/>
+          <a:p>
+            <a:r>
+              <a:rPr lang="en-GB" dirty="0"/>
+              <a:t>Caroline</a:t>
+            </a:r>
+          </a:p>
+        </p:txBody>
+      </p:sp>
+      <p:sp>
+        <p:nvSpPr>
+          <p:cNvPr id="30" name="TextBox 29">
+            <a:extLst>
+              <a:ext uri="{FF2B5EF4-FFF2-40B4-BE49-F238E27FC236}">
+                <a16:creationId xmlns:a16="http://schemas.microsoft.com/office/drawing/2014/main" id="{372B4D9F-0794-51C8-F13B-743C27630C0B}"/>
+              </a:ext>
+            </a:extLst>
+          </p:cNvPr>
+          <p:cNvSpPr txBox="1"/>
+          <p:nvPr/>
+        </p:nvSpPr>
+        <p:spPr>
+          <a:xfrm>
+            <a:off x="5168995" y="5811243"/>
+            <a:ext cx="587020" cy="369332"/>
+          </a:xfrm>
+          <a:prstGeom prst="rect">
+            <a:avLst/>
+          </a:prstGeom>
+          <a:noFill/>
+        </p:spPr>
+        <p:txBody>
+          <a:bodyPr wrap="none" rtlCol="0">
+            <a:spAutoFit/>
+          </a:bodyPr>
+          <a:lstStyle/>
+          <a:p>
+            <a:r>
+              <a:rPr lang="en-GB" dirty="0"/>
+              <a:t>Sue</a:t>
+            </a:r>
+          </a:p>
+        </p:txBody>
+      </p:sp>
+      <p:sp>
+        <p:nvSpPr>
+          <p:cNvPr id="31" name="TextBox 30">
+            <a:extLst>
+              <a:ext uri="{FF2B5EF4-FFF2-40B4-BE49-F238E27FC236}">
+                <a16:creationId xmlns:a16="http://schemas.microsoft.com/office/drawing/2014/main" id="{B3AF183B-7BFA-CD7A-070F-B59C3AE63344}"/>
+              </a:ext>
+            </a:extLst>
+          </p:cNvPr>
+          <p:cNvSpPr txBox="1"/>
+          <p:nvPr/>
+        </p:nvSpPr>
+        <p:spPr>
+          <a:xfrm>
+            <a:off x="7141352" y="5819036"/>
+            <a:ext cx="595035" cy="369332"/>
+          </a:xfrm>
+          <a:prstGeom prst="rect">
+            <a:avLst/>
+          </a:prstGeom>
+          <a:noFill/>
+        </p:spPr>
+        <p:txBody>
+          <a:bodyPr wrap="none" rtlCol="0">
+            <a:spAutoFit/>
+          </a:bodyPr>
+          <a:lstStyle/>
+          <a:p>
+            <a:r>
+              <a:rPr lang="en-GB" dirty="0"/>
+              <a:t>Lou</a:t>
+            </a:r>
+          </a:p>
+        </p:txBody>
+      </p:sp>
+      <p:sp>
+        <p:nvSpPr>
+          <p:cNvPr id="32" name="TextBox 31">
+            <a:extLst>
+              <a:ext uri="{FF2B5EF4-FFF2-40B4-BE49-F238E27FC236}">
+                <a16:creationId xmlns:a16="http://schemas.microsoft.com/office/drawing/2014/main" id="{5A3495F0-EC34-2574-9DEF-749BFCA5BF53}"/>
+              </a:ext>
+            </a:extLst>
+          </p:cNvPr>
+          <p:cNvSpPr txBox="1"/>
+          <p:nvPr/>
+        </p:nvSpPr>
+        <p:spPr>
+          <a:xfrm>
+            <a:off x="8509168" y="5811243"/>
+            <a:ext cx="663964" cy="369332"/>
+          </a:xfrm>
+          <a:prstGeom prst="rect">
+            <a:avLst/>
+          </a:prstGeom>
+          <a:noFill/>
+        </p:spPr>
+        <p:txBody>
+          <a:bodyPr wrap="none" rtlCol="0">
+            <a:spAutoFit/>
+          </a:bodyPr>
+          <a:lstStyle/>
+          <a:p>
+            <a:r>
+              <a:rPr lang="en-GB" dirty="0"/>
+              <a:t>Sam</a:t>
+            </a:r>
+          </a:p>
+        </p:txBody>
+      </p:sp>
+      <p:sp>
+        <p:nvSpPr>
+          <p:cNvPr id="33" name="TextBox 32">
+            <a:extLst>
+              <a:ext uri="{FF2B5EF4-FFF2-40B4-BE49-F238E27FC236}">
+                <a16:creationId xmlns:a16="http://schemas.microsoft.com/office/drawing/2014/main" id="{333A1DA3-B203-AD03-BEF1-17361650A083}"/>
+              </a:ext>
+            </a:extLst>
+          </p:cNvPr>
+          <p:cNvSpPr txBox="1"/>
+          <p:nvPr/>
+        </p:nvSpPr>
+        <p:spPr>
+          <a:xfrm>
+            <a:off x="9833237" y="5819036"/>
+            <a:ext cx="821059" cy="369332"/>
+          </a:xfrm>
+          <a:prstGeom prst="rect">
+            <a:avLst/>
+          </a:prstGeom>
+          <a:noFill/>
+        </p:spPr>
+        <p:txBody>
+          <a:bodyPr wrap="none" rtlCol="0">
+            <a:spAutoFit/>
+          </a:bodyPr>
+          <a:lstStyle/>
+          <a:p>
+            <a:r>
+              <a:rPr lang="en-GB" dirty="0"/>
+              <a:t>David</a:t>
+            </a:r>
           </a:p>
         </p:txBody>
       </p:sp>
     </p:spTree>
     <p:extLst>
       <p:ext uri="{BB962C8B-B14F-4D97-AF65-F5344CB8AC3E}">
-        <p14:creationId xmlns:p14="http://schemas.microsoft.com/office/powerpoint/2010/main" val="2565230527"/>
+        <p14:creationId xmlns:p14="http://schemas.microsoft.com/office/powerpoint/2010/main" val="2224006293"/>
       </p:ext>
     </p:extLst>
   </p:cSld>
@@ -5819,7 +6738,7 @@
           <p:cNvPr id="2" name="Title 1">
             <a:extLst>
               <a:ext uri="{FF2B5EF4-FFF2-40B4-BE49-F238E27FC236}">
-                <a16:creationId xmlns:a16="http://schemas.microsoft.com/office/drawing/2014/main" id="{D8239B82-7EA9-5C9B-3542-132ED34C8B22}"/>
+                <a16:creationId xmlns:a16="http://schemas.microsoft.com/office/drawing/2014/main" id="{A15822F5-14F8-04A7-9687-2A92683631CA}"/>
               </a:ext>
             </a:extLst>
           </p:cNvPr>
@@ -5837,7 +6756,7 @@
           <a:p>
             <a:r>
               <a:rPr lang="en-GB" dirty="0"/>
-              <a:t>What is Azure Dev Ops?</a:t>
+              <a:t>What does this look like IRL though?</a:t>
             </a:r>
           </a:p>
         </p:txBody>
@@ -5847,7 +6766,7 @@
           <p:cNvPr id="3" name="Content Placeholder 2">
             <a:extLst>
               <a:ext uri="{FF2B5EF4-FFF2-40B4-BE49-F238E27FC236}">
-                <a16:creationId xmlns:a16="http://schemas.microsoft.com/office/drawing/2014/main" id="{230E8A6D-4AB3-E61B-8B61-D14F0175DDCC}"/>
+                <a16:creationId xmlns:a16="http://schemas.microsoft.com/office/drawing/2014/main" id="{3021795C-3041-287E-53A7-9DFEBB69C084}"/>
               </a:ext>
             </a:extLst>
           </p:cNvPr>
@@ -5858,107 +6777,110 @@
             <p:ph idx="1"/>
           </p:nvPr>
         </p:nvSpPr>
-        <p:spPr/>
-        <p:txBody>
-          <a:bodyPr>
-            <a:normAutofit fontScale="92500" lnSpcReduction="20000"/>
-          </a:bodyPr>
+        <p:spPr>
+          <a:xfrm>
+            <a:off x="1261872" y="1828800"/>
+            <a:ext cx="4433848" cy="4351337"/>
+          </a:xfrm>
+        </p:spPr>
+        <p:txBody>
+          <a:bodyPr/>
           <a:lstStyle/>
           <a:p>
             <a:r>
               <a:rPr lang="en-GB" dirty="0"/>
-              <a:t>A place to manage projects involving code development, e.g.</a:t>
+              <a:t>To the right is the git history of our DfE R-Shiny template on </a:t>
+            </a:r>
+            <a:r>
+              <a:rPr lang="en-GB" i="1" dirty="0"/>
+              <a:t>GitHub</a:t>
+            </a:r>
+            <a:r>
+              <a:rPr lang="en-GB" dirty="0"/>
+              <a:t>.</a:t>
             </a:r>
           </a:p>
           <a:p>
             <a:pPr lvl="1"/>
             <a:r>
+              <a:rPr lang="en-GB" dirty="0">
+                <a:hlinkClick r:id="rId2"/>
+              </a:rPr>
+              <a:t>DfE R-Shiny template history on GitHub</a:t>
+            </a:r>
+            <a:endParaRPr lang="en-GB" dirty="0"/>
+          </a:p>
+          <a:p>
+            <a:pPr lvl="1"/>
+            <a:r>
               <a:rPr lang="en-GB" dirty="0"/>
-              <a:t>Reproducible analytical pipelines</a:t>
+              <a:t>This is the remote (central back-up) of the repository.</a:t>
             </a:r>
           </a:p>
           <a:p>
             <a:pPr lvl="1"/>
             <a:r>
               <a:rPr lang="en-GB" dirty="0"/>
-              <a:t>R-Shiny dashboards</a:t>
-            </a:r>
-          </a:p>
-          <a:p>
+              <a:t>Each commit lists: </a:t>
+            </a:r>
+          </a:p>
+          <a:p>
+            <a:pPr lvl="2"/>
             <a:r>
               <a:rPr lang="en-GB" dirty="0"/>
-              <a:t>This includes:</a:t>
-            </a:r>
-          </a:p>
-          <a:p>
-            <a:pPr lvl="1"/>
+              <a:t>A clear commit message explaining what it does</a:t>
+            </a:r>
+          </a:p>
+          <a:p>
+            <a:pPr lvl="2"/>
             <a:r>
               <a:rPr lang="en-GB" dirty="0"/>
-              <a:t>Team task/</a:t>
-            </a:r>
-            <a:r>
-              <a:rPr lang="en-GB" dirty="0" err="1"/>
-              <a:t>Kambam</a:t>
-            </a:r>
+              <a:t>The username of the person who created the commit</a:t>
+            </a:r>
+          </a:p>
+          <a:p>
+            <a:pPr lvl="2"/>
             <a:r>
               <a:rPr lang="en-GB" dirty="0"/>
-              <a:t> boards</a:t>
-            </a:r>
-          </a:p>
-          <a:p>
-            <a:pPr lvl="1"/>
-            <a:r>
-              <a:rPr lang="en-GB" dirty="0"/>
-              <a:t>Remote repository storage</a:t>
-            </a:r>
-          </a:p>
-          <a:p>
-            <a:pPr lvl="1"/>
-            <a:r>
-              <a:rPr lang="en-GB" dirty="0"/>
-              <a:t>Remote repository management – create branches, pull requests, change tracking, collaboration…</a:t>
-            </a:r>
-          </a:p>
-          <a:p>
-            <a:pPr lvl="1"/>
-            <a:r>
-              <a:rPr lang="en-GB" dirty="0"/>
-              <a:t>Deployment pipelines (e.g. for deploying R-Shiny apps to </a:t>
-            </a:r>
-            <a:r>
-              <a:rPr lang="en-GB" dirty="0" err="1"/>
-              <a:t>rsconnect</a:t>
-            </a:r>
-            <a:r>
-              <a:rPr lang="en-GB" dirty="0"/>
-              <a:t>)</a:t>
-            </a:r>
-          </a:p>
-          <a:p>
-            <a:pPr lvl="1"/>
-            <a:r>
-              <a:rPr lang="en-GB" dirty="0"/>
-              <a:t>Plenty more besides, but the above are probably the extent of what you’re likely to need</a:t>
-            </a:r>
-          </a:p>
-          <a:p>
-            <a:r>
-              <a:rPr lang="en-GB" dirty="0"/>
-              <a:t>The above has a lot of overlap with GitHub. The key benefit of Dev Ops over GitHub is that it’s private.</a:t>
-            </a:r>
-          </a:p>
-          <a:p>
-            <a:r>
-              <a:rPr lang="en-GB" dirty="0"/>
-              <a:t>The Statistics Development Team manages the Official Statistics Production project on Dev Ops where many of the department’s publication oriented repositories (i.e. RAP and dashboards) are kept. We can help you get set up and manage your repo.</a:t>
-            </a:r>
-          </a:p>
-        </p:txBody>
-      </p:sp>
+              <a:t>A commit code which can be used to undo changes back to the point of that commit</a:t>
+            </a:r>
+          </a:p>
+        </p:txBody>
+      </p:sp>
+      <p:pic>
+        <p:nvPicPr>
+          <p:cNvPr id="7" name="Picture 6">
+            <a:extLst>
+              <a:ext uri="{FF2B5EF4-FFF2-40B4-BE49-F238E27FC236}">
+                <a16:creationId xmlns:a16="http://schemas.microsoft.com/office/drawing/2014/main" id="{9743A53C-6BA0-1D4B-D5CA-D189423996E8}"/>
+              </a:ext>
+            </a:extLst>
+          </p:cNvPr>
+          <p:cNvPicPr>
+            <a:picLocks noChangeAspect="1"/>
+          </p:cNvPicPr>
+          <p:nvPr/>
+        </p:nvPicPr>
+        <p:blipFill>
+          <a:blip r:embed="rId3"/>
+          <a:stretch>
+            <a:fillRect/>
+          </a:stretch>
+        </p:blipFill>
+        <p:spPr>
+          <a:xfrm>
+            <a:off x="6150721" y="1691322"/>
+            <a:ext cx="4711914" cy="4625384"/>
+          </a:xfrm>
+          <a:prstGeom prst="rect">
+            <a:avLst/>
+          </a:prstGeom>
+        </p:spPr>
+      </p:pic>
     </p:spTree>
     <p:extLst>
       <p:ext uri="{BB962C8B-B14F-4D97-AF65-F5344CB8AC3E}">
-        <p14:creationId xmlns:p14="http://schemas.microsoft.com/office/powerpoint/2010/main" val="2849779731"/>
+        <p14:creationId xmlns:p14="http://schemas.microsoft.com/office/powerpoint/2010/main" val="2565230527"/>
       </p:ext>
     </p:extLst>
   </p:cSld>
@@ -5971,14 +6893,6 @@
 <file path=ppt/slides/slide18.xml><?xml version="1.0" encoding="utf-8"?>
 <p:sld xmlns:a="http://schemas.openxmlformats.org/drawingml/2006/main" xmlns:r="http://schemas.openxmlformats.org/officeDocument/2006/relationships" xmlns:p="http://schemas.openxmlformats.org/presentationml/2006/main">
   <p:cSld>
-    <p:bg>
-      <p:bgPr>
-        <a:solidFill>
-          <a:schemeClr val="bg1"/>
-        </a:solidFill>
-        <a:effectLst/>
-      </p:bgPr>
-    </p:bg>
     <p:spTree>
       <p:nvGrpSpPr>
         <p:cNvPr id="1" name=""/>
@@ -5995,134 +6909,10 @@
       </p:grpSpPr>
       <p:sp>
         <p:nvSpPr>
-          <p:cNvPr id="1031" name="Rectangle 1030">
-            <a:extLst>
-              <a:ext uri="{FF2B5EF4-FFF2-40B4-BE49-F238E27FC236}">
-                <a16:creationId xmlns:a16="http://schemas.microsoft.com/office/drawing/2014/main" id="{F0FD769F-BDEE-4149-8C98-A92F1F8A145F}"/>
-              </a:ext>
-              <a:ext uri="{C183D7F6-B498-43B3-948B-1728B52AA6E4}">
-                <adec:decorative xmlns:adec="http://schemas.microsoft.com/office/drawing/2017/decorative" val="1"/>
-              </a:ext>
-            </a:extLst>
-          </p:cNvPr>
-          <p:cNvSpPr>
-            <a:spLocks noGrp="1" noRot="1" noChangeAspect="1" noMove="1" noResize="1" noEditPoints="1" noAdjustHandles="1" noChangeArrowheads="1" noChangeShapeType="1" noTextEdit="1"/>
-          </p:cNvSpPr>
-          <p:nvPr>
-            <p:extLst>
-              <p:ext uri="{386F3935-93C4-4BCD-93E2-E3B085C9AB24}">
-                <p16:designElem xmlns:p16="http://schemas.microsoft.com/office/powerpoint/2015/main" val="1"/>
-              </p:ext>
-            </p:extLst>
-          </p:nvPr>
-        </p:nvSpPr>
-        <p:spPr>
-          <a:xfrm>
-            <a:off x="11292840" y="0"/>
-            <a:ext cx="914400" cy="6858000"/>
-          </a:xfrm>
-          <a:prstGeom prst="rect">
-            <a:avLst/>
-          </a:prstGeom>
-          <a:solidFill>
-            <a:srgbClr val="303030"/>
-          </a:solidFill>
-          <a:ln>
-            <a:noFill/>
-          </a:ln>
-        </p:spPr>
-        <p:style>
-          <a:lnRef idx="2">
-            <a:schemeClr val="accent1">
-              <a:shade val="50000"/>
-            </a:schemeClr>
-          </a:lnRef>
-          <a:fillRef idx="1">
-            <a:schemeClr val="accent1"/>
-          </a:fillRef>
-          <a:effectRef idx="0">
-            <a:schemeClr val="accent1"/>
-          </a:effectRef>
-          <a:fontRef idx="minor">
-            <a:schemeClr val="lt1"/>
-          </a:fontRef>
-        </p:style>
-        <p:txBody>
-          <a:bodyPr/>
-          <a:lstStyle/>
-          <a:p>
-            <a:endParaRPr lang="en-GB"/>
-          </a:p>
-        </p:txBody>
-      </p:sp>
-      <p:sp>
-        <p:nvSpPr>
-          <p:cNvPr id="1033" name="Rectangle 1032">
-            <a:extLst>
-              <a:ext uri="{FF2B5EF4-FFF2-40B4-BE49-F238E27FC236}">
-                <a16:creationId xmlns:a16="http://schemas.microsoft.com/office/drawing/2014/main" id="{DC00EF3B-797F-4060-9460-6EEF08B1B150}"/>
-              </a:ext>
-              <a:ext uri="{C183D7F6-B498-43B3-948B-1728B52AA6E4}">
-                <adec:decorative xmlns:adec="http://schemas.microsoft.com/office/drawing/2017/decorative" val="1"/>
-              </a:ext>
-            </a:extLst>
-          </p:cNvPr>
-          <p:cNvSpPr>
-            <a:spLocks noGrp="1" noRot="1" noChangeAspect="1" noMove="1" noResize="1" noEditPoints="1" noAdjustHandles="1" noChangeArrowheads="1" noChangeShapeType="1" noTextEdit="1"/>
-          </p:cNvSpPr>
-          <p:nvPr>
-            <p:extLst>
-              <p:ext uri="{386F3935-93C4-4BCD-93E2-E3B085C9AB24}">
-                <p16:designElem xmlns:p16="http://schemas.microsoft.com/office/powerpoint/2015/main" val="1"/>
-              </p:ext>
-            </p:extLst>
-          </p:nvPr>
-        </p:nvSpPr>
-        <p:spPr>
-          <a:xfrm>
-            <a:off x="0" y="0"/>
-            <a:ext cx="457200" cy="6858000"/>
-          </a:xfrm>
-          <a:prstGeom prst="rect">
-            <a:avLst/>
-          </a:prstGeom>
-          <a:solidFill>
-            <a:srgbClr val="303030"/>
-          </a:solidFill>
-          <a:ln>
-            <a:noFill/>
-          </a:ln>
-        </p:spPr>
-        <p:style>
-          <a:lnRef idx="2">
-            <a:schemeClr val="accent1">
-              <a:shade val="50000"/>
-            </a:schemeClr>
-          </a:lnRef>
-          <a:fillRef idx="1">
-            <a:schemeClr val="accent1"/>
-          </a:fillRef>
-          <a:effectRef idx="0">
-            <a:schemeClr val="accent1"/>
-          </a:effectRef>
-          <a:fontRef idx="minor">
-            <a:schemeClr val="lt1"/>
-          </a:fontRef>
-        </p:style>
-        <p:txBody>
-          <a:bodyPr/>
-          <a:lstStyle/>
-          <a:p>
-            <a:endParaRPr lang="en-GB"/>
-          </a:p>
-        </p:txBody>
-      </p:sp>
-      <p:sp>
-        <p:nvSpPr>
           <p:cNvPr id="2" name="Title 1">
             <a:extLst>
               <a:ext uri="{FF2B5EF4-FFF2-40B4-BE49-F238E27FC236}">
-                <a16:creationId xmlns:a16="http://schemas.microsoft.com/office/drawing/2014/main" id="{6BDF09C9-80C5-19DB-A94E-F4BC5BC2629F}"/>
+                <a16:creationId xmlns:a16="http://schemas.microsoft.com/office/drawing/2014/main" id="{A15822F5-14F8-04A7-9687-2A92683631CA}"/>
               </a:ext>
             </a:extLst>
           </p:cNvPr>
@@ -6133,145 +6923,143 @@
             <p:ph type="title"/>
           </p:nvPr>
         </p:nvSpPr>
-        <p:spPr>
-          <a:xfrm>
-            <a:off x="8318090" y="758952"/>
-            <a:ext cx="2715353" cy="4041648"/>
-          </a:xfrm>
-        </p:spPr>
-        <p:txBody>
-          <a:bodyPr vert="horz" lIns="91440" tIns="45720" rIns="91440" bIns="45720" rtlCol="0" anchor="b">
-            <a:normAutofit/>
-          </a:bodyPr>
+        <p:spPr/>
+        <p:txBody>
+          <a:bodyPr/>
           <a:lstStyle/>
           <a:p>
-            <a:pPr>
-              <a:lnSpc>
-                <a:spcPct val="85000"/>
-              </a:lnSpc>
-            </a:pPr>
-            <a:r>
-              <a:rPr lang="en-US" sz="3800"/>
-              <a:t>Interactive session on Dev Ops…</a:t>
-            </a:r>
-          </a:p>
-        </p:txBody>
-      </p:sp>
-      <p:sp>
-        <p:nvSpPr>
-          <p:cNvPr id="1035" name="Rectangle 1034">
+            <a:r>
+              <a:rPr lang="en-GB" dirty="0"/>
+              <a:t>What does this look like IRL though?</a:t>
+            </a:r>
+          </a:p>
+        </p:txBody>
+      </p:sp>
+      <p:sp>
+        <p:nvSpPr>
+          <p:cNvPr id="3" name="Content Placeholder 2">
             <a:extLst>
               <a:ext uri="{FF2B5EF4-FFF2-40B4-BE49-F238E27FC236}">
-                <a16:creationId xmlns:a16="http://schemas.microsoft.com/office/drawing/2014/main" id="{AD1D8824-ADDE-4D07-8C6A-A88D1A27AA10}"/>
-              </a:ext>
-              <a:ext uri="{C183D7F6-B498-43B3-948B-1728B52AA6E4}">
-                <adec:decorative xmlns:adec="http://schemas.microsoft.com/office/drawing/2017/decorative" val="1"/>
+                <a16:creationId xmlns:a16="http://schemas.microsoft.com/office/drawing/2014/main" id="{3021795C-3041-287E-53A7-9DFEBB69C084}"/>
               </a:ext>
             </a:extLst>
           </p:cNvPr>
           <p:cNvSpPr>
-            <a:spLocks noGrp="1" noRot="1" noChangeAspect="1" noMove="1" noResize="1" noEditPoints="1" noAdjustHandles="1" noChangeArrowheads="1" noChangeShapeType="1" noTextEdit="1"/>
+            <a:spLocks noGrp="1"/>
           </p:cNvSpPr>
           <p:nvPr>
-            <p:extLst>
-              <p:ext uri="{386F3935-93C4-4BCD-93E2-E3B085C9AB24}">
-                <p16:designElem xmlns:p16="http://schemas.microsoft.com/office/powerpoint/2015/main" val="1"/>
-              </p:ext>
-            </p:extLst>
+            <p:ph idx="1"/>
           </p:nvPr>
         </p:nvSpPr>
         <p:spPr>
           <a:xfrm>
-            <a:off x="452283" y="0"/>
-            <a:ext cx="7561007" cy="6858000"/>
+            <a:off x="1261872" y="1828800"/>
+            <a:ext cx="4433848" cy="4351337"/>
+          </a:xfrm>
+        </p:spPr>
+        <p:txBody>
+          <a:bodyPr/>
+          <a:lstStyle/>
+          <a:p>
+            <a:r>
+              <a:rPr lang="en-GB" dirty="0"/>
+              <a:t>To the right is the git history of our DfE git workshop repo on </a:t>
+            </a:r>
+            <a:r>
+              <a:rPr lang="en-GB" i="1" dirty="0"/>
+              <a:t>DevOps</a:t>
+            </a:r>
+            <a:r>
+              <a:rPr lang="en-GB" dirty="0"/>
+              <a:t>.</a:t>
+            </a:r>
+          </a:p>
+          <a:p>
+            <a:pPr lvl="1"/>
+            <a:r>
+              <a:rPr lang="en-GB" dirty="0">
+                <a:hlinkClick r:id="rId2"/>
+              </a:rPr>
+              <a:t>DfE DevOps Workshop sandbox repository</a:t>
+            </a:r>
+            <a:endParaRPr lang="en-GB" dirty="0"/>
+          </a:p>
+          <a:p>
+            <a:pPr lvl="1"/>
+            <a:r>
+              <a:rPr lang="en-GB" dirty="0"/>
+              <a:t>This is the remote (central back-up) of the repository.</a:t>
+            </a:r>
+          </a:p>
+          <a:p>
+            <a:pPr lvl="1"/>
+            <a:r>
+              <a:rPr lang="en-GB" dirty="0"/>
+              <a:t>Each commit lists: </a:t>
+            </a:r>
+          </a:p>
+          <a:p>
+            <a:pPr lvl="2"/>
+            <a:r>
+              <a:rPr lang="en-GB" dirty="0"/>
+              <a:t>A clear commit message explaining what it does</a:t>
+            </a:r>
+          </a:p>
+          <a:p>
+            <a:pPr lvl="2"/>
+            <a:r>
+              <a:rPr lang="en-GB" dirty="0"/>
+              <a:t>The username of the person who created the commit</a:t>
+            </a:r>
+          </a:p>
+          <a:p>
+            <a:pPr lvl="2"/>
+            <a:r>
+              <a:rPr lang="en-GB" dirty="0"/>
+              <a:t>A commit code which can be used to undo changes back to the point of that commit</a:t>
+            </a:r>
+          </a:p>
+        </p:txBody>
+      </p:sp>
+      <p:pic>
+        <p:nvPicPr>
+          <p:cNvPr id="7" name="Picture 6">
+            <a:extLst>
+              <a:ext uri="{FF2B5EF4-FFF2-40B4-BE49-F238E27FC236}">
+                <a16:creationId xmlns:a16="http://schemas.microsoft.com/office/drawing/2014/main" id="{9743A53C-6BA0-1D4B-D5CA-D189423996E8}"/>
+              </a:ext>
+            </a:extLst>
+          </p:cNvPr>
+          <p:cNvPicPr>
+            <a:picLocks noChangeAspect="1"/>
+          </p:cNvPicPr>
+          <p:nvPr/>
+        </p:nvPicPr>
+        <p:blipFill>
+          <a:blip r:embed="rId3">
+            <a:extLst>
+              <a:ext uri="{28A0092B-C50C-407E-A947-70E740481C1C}">
+                <a14:useLocalDpi xmlns:a14="http://schemas.microsoft.com/office/drawing/2010/main" val="0"/>
+              </a:ext>
+            </a:extLst>
+          </a:blip>
+          <a:srcRect/>
+          <a:stretch/>
+        </p:blipFill>
+        <p:spPr>
+          <a:xfrm>
+            <a:off x="6108192" y="1691322"/>
+            <a:ext cx="5479750" cy="5023737"/>
           </a:xfrm>
           <a:prstGeom prst="rect">
             <a:avLst/>
           </a:prstGeom>
-          <a:solidFill>
-            <a:srgbClr val="FFFFFF"/>
-          </a:solidFill>
-          <a:ln>
-            <a:noFill/>
-          </a:ln>
-        </p:spPr>
-        <p:style>
-          <a:lnRef idx="2">
-            <a:schemeClr val="accent1">
-              <a:shade val="50000"/>
-            </a:schemeClr>
-          </a:lnRef>
-          <a:fillRef idx="1">
-            <a:schemeClr val="accent1"/>
-          </a:fillRef>
-          <a:effectRef idx="0">
-            <a:schemeClr val="accent1"/>
-          </a:effectRef>
-          <a:fontRef idx="minor">
-            <a:schemeClr val="lt1"/>
-          </a:fontRef>
-        </p:style>
-        <p:txBody>
-          <a:bodyPr rtlCol="0" anchor="ctr"/>
-          <a:lstStyle/>
-          <a:p>
-            <a:pPr algn="ctr"/>
-            <a:endParaRPr lang="en-US"/>
-          </a:p>
-        </p:txBody>
-      </p:sp>
-      <p:pic>
-        <p:nvPicPr>
-          <p:cNvPr id="1026" name="Picture 2">
-            <a:extLst>
-              <a:ext uri="{FF2B5EF4-FFF2-40B4-BE49-F238E27FC236}">
-                <a16:creationId xmlns:a16="http://schemas.microsoft.com/office/drawing/2014/main" id="{585E2A1D-7C20-24CC-1405-B4D2D47A50B4}"/>
-              </a:ext>
-            </a:extLst>
-          </p:cNvPr>
-          <p:cNvPicPr>
-            <a:picLocks noGrp="1" noChangeAspect="1" noChangeArrowheads="1"/>
-          </p:cNvPicPr>
-          <p:nvPr>
-            <p:ph idx="1"/>
-          </p:nvPr>
-        </p:nvPicPr>
-        <p:blipFill>
-          <a:blip r:embed="rId2">
-            <a:extLst>
-              <a:ext uri="{28A0092B-C50C-407E-A947-70E740481C1C}">
-                <a14:useLocalDpi xmlns:a14="http://schemas.microsoft.com/office/drawing/2010/main" val="0"/>
-              </a:ext>
-            </a:extLst>
-          </a:blip>
-          <a:stretch>
-            <a:fillRect/>
-          </a:stretch>
-        </p:blipFill>
-        <p:spPr bwMode="auto">
-          <a:xfrm>
-            <a:off x="944183" y="1422862"/>
-            <a:ext cx="6616823" cy="4003177"/>
-          </a:xfrm>
-          <a:prstGeom prst="rect">
-            <a:avLst/>
-          </a:prstGeom>
-          <a:noFill/>
-          <a:extLst>
-            <a:ext uri="{909E8E84-426E-40DD-AFC4-6F175D3DCCD1}">
-              <a14:hiddenFill xmlns:a14="http://schemas.microsoft.com/office/drawing/2010/main">
-                <a:solidFill>
-                  <a:srgbClr val="FFFFFF"/>
-                </a:solidFill>
-              </a14:hiddenFill>
-            </a:ext>
-          </a:extLst>
         </p:spPr>
       </p:pic>
     </p:spTree>
     <p:extLst>
       <p:ext uri="{BB962C8B-B14F-4D97-AF65-F5344CB8AC3E}">
-        <p14:creationId xmlns:p14="http://schemas.microsoft.com/office/powerpoint/2010/main" val="3797565326"/>
+        <p14:creationId xmlns:p14="http://schemas.microsoft.com/office/powerpoint/2010/main" val="3620550337"/>
       </p:ext>
     </p:extLst>
   </p:cSld>
@@ -6303,7 +7091,7 @@
           <p:cNvPr id="2" name="Title 1">
             <a:extLst>
               <a:ext uri="{FF2B5EF4-FFF2-40B4-BE49-F238E27FC236}">
-                <a16:creationId xmlns:a16="http://schemas.microsoft.com/office/drawing/2014/main" id="{9B3B9A98-6151-2923-4C62-FE106DBBCDA0}"/>
+                <a16:creationId xmlns:a16="http://schemas.microsoft.com/office/drawing/2014/main" id="{A15822F5-14F8-04A7-9687-2A92683631CA}"/>
               </a:ext>
             </a:extLst>
           </p:cNvPr>
@@ -6321,7 +7109,7 @@
           <a:p>
             <a:r>
               <a:rPr lang="en-GB" dirty="0"/>
-              <a:t>Git basic concepts</a:t>
+              <a:t>What does this look like IRL though?</a:t>
             </a:r>
           </a:p>
         </p:txBody>
@@ -6331,7 +7119,7 @@
           <p:cNvPr id="3" name="Content Placeholder 2">
             <a:extLst>
               <a:ext uri="{FF2B5EF4-FFF2-40B4-BE49-F238E27FC236}">
-                <a16:creationId xmlns:a16="http://schemas.microsoft.com/office/drawing/2014/main" id="{D9102869-1947-3A8B-FE41-50754E81197C}"/>
+                <a16:creationId xmlns:a16="http://schemas.microsoft.com/office/drawing/2014/main" id="{3021795C-3041-287E-53A7-9DFEBB69C084}"/>
               </a:ext>
             </a:extLst>
           </p:cNvPr>
@@ -6342,193 +7130,23 @@
             <p:ph idx="1"/>
           </p:nvPr>
         </p:nvSpPr>
-        <p:spPr/>
-        <p:txBody>
-          <a:bodyPr>
-            <a:normAutofit fontScale="92500" lnSpcReduction="20000"/>
-          </a:bodyPr>
+        <p:spPr>
+          <a:xfrm>
+            <a:off x="1261872" y="1828800"/>
+            <a:ext cx="4433848" cy="4351337"/>
+          </a:xfrm>
+        </p:spPr>
+        <p:txBody>
+          <a:bodyPr/>
           <a:lstStyle/>
           <a:p>
             <a:r>
               <a:rPr lang="en-GB" dirty="0"/>
-              <a:t>A repository can be created locally (i.e. on your laptop or desktop) or remotely (on GitHub or Dev Ops).</a:t>
-            </a:r>
-          </a:p>
-          <a:p>
-            <a:pPr lvl="1"/>
-            <a:r>
-              <a:rPr lang="en-GB" dirty="0"/>
-              <a:t>Most of the work you do on a repository, i.e. developing your code, will be done within the </a:t>
-            </a:r>
-            <a:r>
-              <a:rPr lang="en-GB" b="1" dirty="0"/>
-              <a:t>local</a:t>
-            </a:r>
-            <a:r>
-              <a:rPr lang="en-GB" dirty="0"/>
-              <a:t> copy.</a:t>
-            </a:r>
-          </a:p>
-          <a:p>
-            <a:pPr lvl="1"/>
-            <a:r>
-              <a:rPr lang="en-GB" dirty="0"/>
-              <a:t>The </a:t>
-            </a:r>
-            <a:r>
-              <a:rPr lang="en-GB" b="1" dirty="0"/>
-              <a:t>remote</a:t>
-            </a:r>
-            <a:r>
-              <a:rPr lang="en-GB" dirty="0"/>
-              <a:t> repo is effectively your reliable back-up of your code and somewhere where collaborators can view and get access your code.</a:t>
-            </a:r>
-          </a:p>
-          <a:p>
-            <a:pPr lvl="1"/>
-            <a:r>
-              <a:rPr lang="en-GB" dirty="0"/>
-              <a:t>You’re only going to have a single </a:t>
-            </a:r>
-            <a:r>
-              <a:rPr lang="en-GB" b="1" dirty="0"/>
-              <a:t>remote</a:t>
-            </a:r>
-            <a:r>
-              <a:rPr lang="en-GB" dirty="0"/>
-              <a:t> copy of the repo, but you (and collaborators) can have multiple </a:t>
-            </a:r>
-            <a:r>
-              <a:rPr lang="en-GB" b="1" dirty="0"/>
-              <a:t>local</a:t>
-            </a:r>
-            <a:r>
-              <a:rPr lang="en-GB" dirty="0"/>
-              <a:t> copies.</a:t>
-            </a:r>
-          </a:p>
-          <a:p>
-            <a:pPr lvl="1"/>
-            <a:r>
-              <a:rPr lang="en-GB" dirty="0"/>
-              <a:t>Syncing back and forth between the </a:t>
-            </a:r>
-            <a:r>
-              <a:rPr lang="en-GB" b="1" dirty="0"/>
-              <a:t>remote</a:t>
-            </a:r>
-            <a:r>
-              <a:rPr lang="en-GB" dirty="0"/>
-              <a:t> and </a:t>
-            </a:r>
-            <a:r>
-              <a:rPr lang="en-GB" b="1" dirty="0"/>
-              <a:t>local</a:t>
-            </a:r>
-            <a:r>
-              <a:rPr lang="en-GB" dirty="0"/>
-              <a:t> copies of a repo is done by </a:t>
-            </a:r>
-            <a:r>
-              <a:rPr lang="en-GB" b="1" dirty="0"/>
-              <a:t>Pushing </a:t>
-            </a:r>
-            <a:r>
-              <a:rPr lang="en-GB" dirty="0"/>
-              <a:t>(local to remote) and </a:t>
-            </a:r>
-            <a:r>
-              <a:rPr lang="en-GB" b="1" dirty="0"/>
-              <a:t>Pulling</a:t>
-            </a:r>
-            <a:r>
-              <a:rPr lang="en-GB" dirty="0"/>
-              <a:t> (remote to local).</a:t>
-            </a:r>
-          </a:p>
-          <a:p>
-            <a:r>
-              <a:rPr lang="en-GB" dirty="0"/>
-              <a:t>Recording the changes in your repo is performed using </a:t>
-            </a:r>
-            <a:r>
-              <a:rPr lang="en-GB" b="1" dirty="0"/>
-              <a:t>commits.</a:t>
-            </a:r>
-          </a:p>
-          <a:p>
-            <a:pPr lvl="1"/>
-            <a:r>
-              <a:rPr lang="en-GB" b="1" dirty="0"/>
-              <a:t>Commits</a:t>
-            </a:r>
-            <a:r>
-              <a:rPr lang="en-GB" dirty="0"/>
-              <a:t> record the current state of the repo to log files.</a:t>
-            </a:r>
-          </a:p>
-          <a:p>
-            <a:pPr lvl="1"/>
-            <a:r>
-              <a:rPr lang="en-GB" b="1" dirty="0"/>
-              <a:t>Commits </a:t>
-            </a:r>
-            <a:r>
-              <a:rPr lang="en-GB" dirty="0"/>
-              <a:t>should be made regularly (think of them as being like saving a file in Word – once saved, you’re less likely to lose your progress).</a:t>
-            </a:r>
-          </a:p>
-          <a:p>
-            <a:pPr lvl="1"/>
-            <a:r>
-              <a:rPr lang="en-GB" b="1" dirty="0"/>
-              <a:t>Commits</a:t>
-            </a:r>
-            <a:r>
-              <a:rPr lang="en-GB" dirty="0"/>
-              <a:t> by themselves </a:t>
+              <a:t>To the right is the git history of our DfE R-Shiny template in </a:t>
             </a:r>
             <a:r>
               <a:rPr lang="en-GB" i="1" dirty="0"/>
-              <a:t>do not</a:t>
-            </a:r>
-            <a:r>
-              <a:rPr lang="en-GB" dirty="0"/>
-              <a:t> log changes to the remote or other local repos, only the on that you’re working on.</a:t>
-            </a:r>
-          </a:p>
-          <a:p>
-            <a:pPr lvl="1"/>
-            <a:r>
-              <a:rPr lang="en-GB" dirty="0"/>
-              <a:t>After making a </a:t>
-            </a:r>
-            <a:r>
-              <a:rPr lang="en-GB" b="1" dirty="0"/>
-              <a:t>commit</a:t>
-            </a:r>
-            <a:r>
-              <a:rPr lang="en-GB" dirty="0"/>
-              <a:t>, it’s often worth making a Push to the remote so everything’s backed up.</a:t>
-            </a:r>
-          </a:p>
-          <a:p>
-            <a:pPr lvl="1"/>
-            <a:r>
-              <a:rPr lang="en-GB" dirty="0"/>
-              <a:t>You can undo changes by </a:t>
-            </a:r>
-            <a:r>
-              <a:rPr lang="en-GB" dirty="0" err="1"/>
-              <a:t>reseting</a:t>
-            </a:r>
-            <a:r>
-              <a:rPr lang="en-GB" dirty="0"/>
-              <a:t> to older </a:t>
-            </a:r>
-            <a:r>
-              <a:rPr lang="en-GB" b="1" dirty="0"/>
-              <a:t>commits</a:t>
+              <a:t>git bash</a:t>
             </a:r>
             <a:r>
               <a:rPr lang="en-GB" dirty="0"/>
@@ -6537,17 +7155,123 @@
           </a:p>
           <a:p>
             <a:pPr lvl="1"/>
-            <a:endParaRPr lang="en-GB" dirty="0"/>
-          </a:p>
-          <a:p>
-            <a:endParaRPr lang="en-GB" dirty="0"/>
-          </a:p>
-        </p:txBody>
-      </p:sp>
+            <a:r>
+              <a:rPr lang="en-GB" dirty="0">
+                <a:solidFill>
+                  <a:srgbClr val="00B0F0"/>
+                </a:solidFill>
+              </a:rPr>
+              <a:t>git log --</a:t>
+            </a:r>
+            <a:r>
+              <a:rPr lang="en-GB" dirty="0" err="1">
+                <a:solidFill>
+                  <a:srgbClr val="00B0F0"/>
+                </a:solidFill>
+              </a:rPr>
+              <a:t>oneline</a:t>
+            </a:r>
+            <a:r>
+              <a:rPr lang="en-GB" dirty="0">
+                <a:solidFill>
+                  <a:srgbClr val="00B0F0"/>
+                </a:solidFill>
+              </a:rPr>
+              <a:t> --graph --</a:t>
+            </a:r>
+            <a:r>
+              <a:rPr lang="en-GB" dirty="0" err="1">
+                <a:solidFill>
+                  <a:srgbClr val="00B0F0"/>
+                </a:solidFill>
+              </a:rPr>
+              <a:t>color</a:t>
+            </a:r>
+            <a:r>
+              <a:rPr lang="en-GB" dirty="0">
+                <a:solidFill>
+                  <a:srgbClr val="00B0F0"/>
+                </a:solidFill>
+              </a:rPr>
+              <a:t> --all --decorate</a:t>
+            </a:r>
+          </a:p>
+          <a:p>
+            <a:pPr lvl="1"/>
+            <a:r>
+              <a:rPr lang="en-GB" dirty="0"/>
+              <a:t>This is the on the local (working copy) of the repository.</a:t>
+            </a:r>
+          </a:p>
+          <a:p>
+            <a:pPr lvl="1"/>
+            <a:r>
+              <a:rPr lang="en-GB" dirty="0"/>
+              <a:t>Each commit lists: </a:t>
+            </a:r>
+          </a:p>
+          <a:p>
+            <a:pPr lvl="2"/>
+            <a:r>
+              <a:rPr lang="en-GB" dirty="0"/>
+              <a:t>A clear commit message explaining what it does</a:t>
+            </a:r>
+          </a:p>
+          <a:p>
+            <a:pPr lvl="2"/>
+            <a:r>
+              <a:rPr lang="en-GB" dirty="0"/>
+              <a:t>The username of the person who created the commit</a:t>
+            </a:r>
+          </a:p>
+          <a:p>
+            <a:pPr lvl="2"/>
+            <a:r>
+              <a:rPr lang="en-GB" dirty="0"/>
+              <a:t>A commit code which can be used to undo changes back to the point of that commit</a:t>
+            </a:r>
+          </a:p>
+        </p:txBody>
+      </p:sp>
+      <p:pic>
+        <p:nvPicPr>
+          <p:cNvPr id="7" name="Picture 6">
+            <a:extLst>
+              <a:ext uri="{FF2B5EF4-FFF2-40B4-BE49-F238E27FC236}">
+                <a16:creationId xmlns:a16="http://schemas.microsoft.com/office/drawing/2014/main" id="{9743A53C-6BA0-1D4B-D5CA-D189423996E8}"/>
+              </a:ext>
+            </a:extLst>
+          </p:cNvPr>
+          <p:cNvPicPr>
+            <a:picLocks noChangeAspect="1"/>
+          </p:cNvPicPr>
+          <p:nvPr/>
+        </p:nvPicPr>
+        <p:blipFill>
+          <a:blip r:embed="rId2">
+            <a:extLst>
+              <a:ext uri="{28A0092B-C50C-407E-A947-70E740481C1C}">
+                <a14:useLocalDpi xmlns:a14="http://schemas.microsoft.com/office/drawing/2010/main" val="0"/>
+              </a:ext>
+            </a:extLst>
+          </a:blip>
+          <a:srcRect/>
+          <a:stretch/>
+        </p:blipFill>
+        <p:spPr>
+          <a:xfrm>
+            <a:off x="5959527" y="1691322"/>
+            <a:ext cx="6093927" cy="5050179"/>
+          </a:xfrm>
+          <a:prstGeom prst="rect">
+            <a:avLst/>
+          </a:prstGeom>
+        </p:spPr>
+      </p:pic>
     </p:spTree>
     <p:extLst>
       <p:ext uri="{BB962C8B-B14F-4D97-AF65-F5344CB8AC3E}">
-        <p14:creationId xmlns:p14="http://schemas.microsoft.com/office/powerpoint/2010/main" val="3408809189"/>
+        <p14:creationId xmlns:p14="http://schemas.microsoft.com/office/powerpoint/2010/main" val="1360731420"/>
       </p:ext>
     </p:extLst>
   </p:cSld>
@@ -6673,7 +7397,7 @@
           <p:cNvPr id="2" name="Title 1">
             <a:extLst>
               <a:ext uri="{FF2B5EF4-FFF2-40B4-BE49-F238E27FC236}">
-                <a16:creationId xmlns:a16="http://schemas.microsoft.com/office/drawing/2014/main" id="{3E411BA7-F591-20D1-EC9E-57C67251B6A2}"/>
+                <a16:creationId xmlns:a16="http://schemas.microsoft.com/office/drawing/2014/main" id="{A15822F5-14F8-04A7-9687-2A92683631CA}"/>
               </a:ext>
             </a:extLst>
           </p:cNvPr>
@@ -6691,7 +7415,7 @@
           <a:p>
             <a:r>
               <a:rPr lang="en-GB" dirty="0"/>
-              <a:t>How to work with git</a:t>
+              <a:t>How do I use git on my DfE laptop?</a:t>
             </a:r>
           </a:p>
         </p:txBody>
@@ -6701,7 +7425,7 @@
           <p:cNvPr id="3" name="Content Placeholder 2">
             <a:extLst>
               <a:ext uri="{FF2B5EF4-FFF2-40B4-BE49-F238E27FC236}">
-                <a16:creationId xmlns:a16="http://schemas.microsoft.com/office/drawing/2014/main" id="{2B695AAE-60D2-925A-54AB-8A450E57F129}"/>
+                <a16:creationId xmlns:a16="http://schemas.microsoft.com/office/drawing/2014/main" id="{3021795C-3041-287E-53A7-9DFEBB69C084}"/>
               </a:ext>
             </a:extLst>
           </p:cNvPr>
@@ -6712,64 +7436,52 @@
             <p:ph idx="1"/>
           </p:nvPr>
         </p:nvSpPr>
-        <p:spPr/>
+        <p:spPr>
+          <a:xfrm>
+            <a:off x="1261872" y="1828800"/>
+            <a:ext cx="6036703" cy="4351337"/>
+          </a:xfrm>
+        </p:spPr>
         <p:txBody>
           <a:bodyPr/>
           <a:lstStyle/>
           <a:p>
             <a:r>
               <a:rPr lang="en-GB" dirty="0"/>
-              <a:t>You’ll likely have two main ways you might work with git on your DfE laptop:</a:t>
+              <a:t>Lots of software can be used to run the git commands:</a:t>
             </a:r>
           </a:p>
           <a:p>
             <a:pPr lvl="1"/>
             <a:r>
               <a:rPr lang="en-GB" dirty="0"/>
-              <a:t>Git BASH terminal:</a:t>
-            </a:r>
-          </a:p>
-          <a:p>
-            <a:pPr lvl="2"/>
+              <a:t>The git download comes with the git bash terminal where you can run git commands like the ones that we’ve seen in this session.</a:t>
+            </a:r>
+          </a:p>
+          <a:p>
+            <a:pPr lvl="1"/>
             <a:r>
               <a:rPr lang="en-GB" dirty="0"/>
-              <a:t>text driven</a:t>
-            </a:r>
-          </a:p>
-          <a:p>
-            <a:pPr lvl="2"/>
+              <a:t>For day-to-day coding, most IDEs will have built in git functionality, e.g. R-Studio, PyCharm, Visual Studio Code, etc. Most will have GUI and command line (bash) options.</a:t>
+            </a:r>
+          </a:p>
+          <a:p>
+            <a:pPr lvl="1"/>
             <a:r>
               <a:rPr lang="en-GB" dirty="0"/>
-              <a:t>Offers the full range of git commands</a:t>
+              <a:t>GitHub Desktop can be used with GitHub and configured to communicate with the DevOps platform.</a:t>
             </a:r>
           </a:p>
           <a:p>
             <a:pPr lvl="1"/>
-            <a:r>
-              <a:rPr lang="en-GB" dirty="0"/>
-              <a:t>R-Studio git interface</a:t>
-            </a:r>
-          </a:p>
-          <a:p>
-            <a:pPr lvl="2"/>
-            <a:r>
-              <a:rPr lang="en-GB" dirty="0"/>
-              <a:t>graphical user interface</a:t>
-            </a:r>
-          </a:p>
-          <a:p>
-            <a:pPr lvl="2"/>
-            <a:r>
-              <a:rPr lang="en-GB" dirty="0"/>
-              <a:t>Generally limited to commands around committing, pushing and pulling and viewing the history.</a:t>
-            </a:r>
+            <a:endParaRPr lang="en-GB" dirty="0"/>
           </a:p>
         </p:txBody>
       </p:sp>
     </p:spTree>
     <p:extLst>
       <p:ext uri="{BB962C8B-B14F-4D97-AF65-F5344CB8AC3E}">
-        <p14:creationId xmlns:p14="http://schemas.microsoft.com/office/powerpoint/2010/main" val="1830327008"/>
+        <p14:creationId xmlns:p14="http://schemas.microsoft.com/office/powerpoint/2010/main" val="3430055599"/>
       </p:ext>
     </p:extLst>
   </p:cSld>
@@ -6801,7 +7513,7 @@
           <p:cNvPr id="2" name="Title 1">
             <a:extLst>
               <a:ext uri="{FF2B5EF4-FFF2-40B4-BE49-F238E27FC236}">
-                <a16:creationId xmlns:a16="http://schemas.microsoft.com/office/drawing/2014/main" id="{8431DC89-E69D-6C7F-3D17-A950A45DB015}"/>
+                <a16:creationId xmlns:a16="http://schemas.microsoft.com/office/drawing/2014/main" id="{A15822F5-14F8-04A7-9687-2A92683631CA}"/>
               </a:ext>
             </a:extLst>
           </p:cNvPr>
@@ -6819,7 +7531,7 @@
           <a:p>
             <a:r>
               <a:rPr lang="en-GB" dirty="0"/>
-              <a:t>Start working with git</a:t>
+              <a:t>How do I get a repository?</a:t>
             </a:r>
           </a:p>
         </p:txBody>
@@ -6829,7 +7541,7 @@
           <p:cNvPr id="3" name="Content Placeholder 2">
             <a:extLst>
               <a:ext uri="{FF2B5EF4-FFF2-40B4-BE49-F238E27FC236}">
-                <a16:creationId xmlns:a16="http://schemas.microsoft.com/office/drawing/2014/main" id="{1133EE65-1383-3856-4034-0F8270D6284E}"/>
+                <a16:creationId xmlns:a16="http://schemas.microsoft.com/office/drawing/2014/main" id="{3021795C-3041-287E-53A7-9DFEBB69C084}"/>
               </a:ext>
             </a:extLst>
           </p:cNvPr>
@@ -6847,19 +7559,19 @@
           <a:p>
             <a:r>
               <a:rPr lang="en-GB" dirty="0"/>
-              <a:t>Get in to working groups of about 3</a:t>
+              <a:t>If you just want to have a local repo without creating a remote, then you can create a new repo on your laptop in git bash, R-Studio, GitHub Desktop etc.</a:t>
             </a:r>
           </a:p>
           <a:p>
             <a:r>
               <a:rPr lang="en-GB" dirty="0"/>
-              <a:t>Go to the Setting up the repository section of the pdf and start working through the walkthrough…</a:t>
+              <a:t>If you want a remote repo on DevOps, you’ll need your team, unit or division to have it’s own DevOps Project set up and then ask an admin of that Project to create a new repo for you.</a:t>
             </a:r>
           </a:p>
           <a:p>
             <a:r>
               <a:rPr lang="en-GB" dirty="0"/>
-              <a:t>Ask questions!</a:t>
+              <a:t>If you want a remote repo on GitHub for official (public facing) DfE purposes, then get in touch with us and we can create you one on DfE-Analytical-Services (provided appropriate assurances are provided around suitability for the repo contents to be in the public domain).</a:t>
             </a:r>
           </a:p>
         </p:txBody>
@@ -6867,7 +7579,741 @@
     </p:spTree>
     <p:extLst>
       <p:ext uri="{BB962C8B-B14F-4D97-AF65-F5344CB8AC3E}">
-        <p14:creationId xmlns:p14="http://schemas.microsoft.com/office/powerpoint/2010/main" val="1058510910"/>
+        <p14:creationId xmlns:p14="http://schemas.microsoft.com/office/powerpoint/2010/main" val="2839895223"/>
+      </p:ext>
+    </p:extLst>
+  </p:cSld>
+  <p:clrMapOvr>
+    <a:masterClrMapping/>
+  </p:clrMapOvr>
+</p:sld>
+</file>
+
+<file path=ppt/slides/slide22.xml><?xml version="1.0" encoding="utf-8"?>
+<p:sld xmlns:a="http://schemas.openxmlformats.org/drawingml/2006/main" xmlns:r="http://schemas.openxmlformats.org/officeDocument/2006/relationships" xmlns:p="http://schemas.openxmlformats.org/presentationml/2006/main">
+  <p:cSld>
+    <p:spTree>
+      <p:nvGrpSpPr>
+        <p:cNvPr id="1" name=""/>
+        <p:cNvGrpSpPr/>
+        <p:nvPr/>
+      </p:nvGrpSpPr>
+      <p:grpSpPr>
+        <a:xfrm>
+          <a:off x="0" y="0"/>
+          <a:ext cx="0" cy="0"/>
+          <a:chOff x="0" y="0"/>
+          <a:chExt cx="0" cy="0"/>
+        </a:xfrm>
+      </p:grpSpPr>
+      <p:sp>
+        <p:nvSpPr>
+          <p:cNvPr id="2" name="Title 1">
+            <a:extLst>
+              <a:ext uri="{FF2B5EF4-FFF2-40B4-BE49-F238E27FC236}">
+                <a16:creationId xmlns:a16="http://schemas.microsoft.com/office/drawing/2014/main" id="{A15822F5-14F8-04A7-9687-2A92683631CA}"/>
+              </a:ext>
+            </a:extLst>
+          </p:cNvPr>
+          <p:cNvSpPr>
+            <a:spLocks noGrp="1"/>
+          </p:cNvSpPr>
+          <p:nvPr>
+            <p:ph type="title"/>
+          </p:nvPr>
+        </p:nvSpPr>
+        <p:spPr>
+          <a:xfrm>
+            <a:off x="1261872" y="365760"/>
+            <a:ext cx="9692640" cy="839585"/>
+          </a:xfrm>
+        </p:spPr>
+        <p:txBody>
+          <a:bodyPr/>
+          <a:lstStyle/>
+          <a:p>
+            <a:r>
+              <a:rPr lang="en-GB" dirty="0"/>
+              <a:t>How do I get a repository?</a:t>
+            </a:r>
+          </a:p>
+        </p:txBody>
+      </p:sp>
+      <p:sp>
+        <p:nvSpPr>
+          <p:cNvPr id="3" name="Content Placeholder 2">
+            <a:extLst>
+              <a:ext uri="{FF2B5EF4-FFF2-40B4-BE49-F238E27FC236}">
+                <a16:creationId xmlns:a16="http://schemas.microsoft.com/office/drawing/2014/main" id="{3021795C-3041-287E-53A7-9DFEBB69C084}"/>
+              </a:ext>
+            </a:extLst>
+          </p:cNvPr>
+          <p:cNvSpPr>
+            <a:spLocks noGrp="1"/>
+          </p:cNvSpPr>
+          <p:nvPr>
+            <p:ph idx="1"/>
+          </p:nvPr>
+        </p:nvSpPr>
+        <p:spPr>
+          <a:xfrm>
+            <a:off x="1261872" y="1341796"/>
+            <a:ext cx="8595360" cy="1463040"/>
+          </a:xfrm>
+        </p:spPr>
+        <p:txBody>
+          <a:bodyPr>
+            <a:normAutofit lnSpcReduction="10000"/>
+          </a:bodyPr>
+          <a:lstStyle/>
+          <a:p>
+            <a:r>
+              <a:rPr lang="en-GB" sz="1600" dirty="0"/>
+              <a:t>Once you’ve got a remote repository, you can create a local working copy by cloning a repository using its URL.</a:t>
+            </a:r>
+          </a:p>
+          <a:p>
+            <a:r>
+              <a:rPr lang="en-GB" sz="1600" dirty="0"/>
+              <a:t>If you managed to install git and GitHub Desktop, then give one of the following methods a try with this url:</a:t>
+            </a:r>
+          </a:p>
+          <a:p>
+            <a:pPr lvl="1"/>
+            <a:r>
+              <a:rPr lang="en-GB" sz="1400" dirty="0">
+                <a:hlinkClick r:id="rId2"/>
+              </a:rPr>
+              <a:t>https://github.com/dfe-analytical-services/learning-git-sandbox</a:t>
+            </a:r>
+            <a:r>
+              <a:rPr lang="en-GB" sz="1400" dirty="0"/>
+              <a:t> </a:t>
+            </a:r>
+          </a:p>
+          <a:p>
+            <a:pPr lvl="1"/>
+            <a:endParaRPr lang="en-GB" sz="1400" dirty="0"/>
+          </a:p>
+        </p:txBody>
+      </p:sp>
+      <p:sp>
+        <p:nvSpPr>
+          <p:cNvPr id="4" name="TextBox 3">
+            <a:extLst>
+              <a:ext uri="{FF2B5EF4-FFF2-40B4-BE49-F238E27FC236}">
+                <a16:creationId xmlns:a16="http://schemas.microsoft.com/office/drawing/2014/main" id="{51AB64E4-E10A-405F-C970-98033683B1FD}"/>
+              </a:ext>
+            </a:extLst>
+          </p:cNvPr>
+          <p:cNvSpPr txBox="1"/>
+          <p:nvPr/>
+        </p:nvSpPr>
+        <p:spPr>
+          <a:xfrm>
+            <a:off x="490452" y="2803603"/>
+            <a:ext cx="6277681" cy="1384995"/>
+          </a:xfrm>
+          <a:prstGeom prst="rect">
+            <a:avLst/>
+          </a:prstGeom>
+          <a:noFill/>
+        </p:spPr>
+        <p:txBody>
+          <a:bodyPr wrap="none" rtlCol="0">
+            <a:spAutoFit/>
+          </a:bodyPr>
+          <a:lstStyle/>
+          <a:p>
+            <a:r>
+              <a:rPr lang="en-GB" sz="1400" b="1" dirty="0"/>
+              <a:t>git bash</a:t>
+            </a:r>
+          </a:p>
+          <a:p>
+            <a:r>
+              <a:rPr lang="en-GB" sz="1400" i="1" dirty="0"/>
+              <a:t>cd</a:t>
+            </a:r>
+          </a:p>
+          <a:p>
+            <a:r>
+              <a:rPr lang="en-GB" sz="1400" i="1" dirty="0" err="1"/>
+              <a:t>mkdir</a:t>
+            </a:r>
+            <a:r>
+              <a:rPr lang="en-GB" sz="1400" i="1" dirty="0"/>
+              <a:t> repos/</a:t>
+            </a:r>
+          </a:p>
+          <a:p>
+            <a:r>
+              <a:rPr lang="en-GB" sz="1400" i="1" dirty="0"/>
+              <a:t>cd repos/</a:t>
+            </a:r>
+          </a:p>
+          <a:p>
+            <a:r>
+              <a:rPr lang="en-GB" sz="1400" i="1" dirty="0"/>
+              <a:t>git clone </a:t>
+            </a:r>
+            <a:r>
+              <a:rPr lang="en-GB" sz="1400" i="1" dirty="0">
+                <a:hlinkClick r:id="rId2"/>
+              </a:rPr>
+              <a:t>https://github.com/dfe-analytical-services/learning-git-sandbox</a:t>
+            </a:r>
+            <a:endParaRPr lang="en-GB" sz="1400" i="1" dirty="0"/>
+          </a:p>
+          <a:p>
+            <a:r>
+              <a:rPr lang="en-GB" sz="1400" i="1" dirty="0"/>
+              <a:t>cd learning-git-sandbox</a:t>
+            </a:r>
+          </a:p>
+        </p:txBody>
+      </p:sp>
+      <p:pic>
+        <p:nvPicPr>
+          <p:cNvPr id="6" name="Picture 5">
+            <a:extLst>
+              <a:ext uri="{FF2B5EF4-FFF2-40B4-BE49-F238E27FC236}">
+                <a16:creationId xmlns:a16="http://schemas.microsoft.com/office/drawing/2014/main" id="{F01ED29F-60DF-6875-8869-4BABD128547E}"/>
+              </a:ext>
+            </a:extLst>
+          </p:cNvPr>
+          <p:cNvPicPr>
+            <a:picLocks noChangeAspect="1"/>
+          </p:cNvPicPr>
+          <p:nvPr/>
+        </p:nvPicPr>
+        <p:blipFill>
+          <a:blip r:embed="rId3"/>
+          <a:stretch>
+            <a:fillRect/>
+          </a:stretch>
+        </p:blipFill>
+        <p:spPr>
+          <a:xfrm>
+            <a:off x="4136664" y="4590195"/>
+            <a:ext cx="3326979" cy="2111433"/>
+          </a:xfrm>
+          <a:prstGeom prst="rect">
+            <a:avLst/>
+          </a:prstGeom>
+        </p:spPr>
+      </p:pic>
+      <p:pic>
+        <p:nvPicPr>
+          <p:cNvPr id="8" name="Picture 7">
+            <a:extLst>
+              <a:ext uri="{FF2B5EF4-FFF2-40B4-BE49-F238E27FC236}">
+                <a16:creationId xmlns:a16="http://schemas.microsoft.com/office/drawing/2014/main" id="{BA3D78C7-609A-9CF2-5B75-2693A620C638}"/>
+              </a:ext>
+            </a:extLst>
+          </p:cNvPr>
+          <p:cNvPicPr>
+            <a:picLocks noChangeAspect="1"/>
+          </p:cNvPicPr>
+          <p:nvPr/>
+        </p:nvPicPr>
+        <p:blipFill>
+          <a:blip r:embed="rId4"/>
+          <a:stretch>
+            <a:fillRect/>
+          </a:stretch>
+        </p:blipFill>
+        <p:spPr>
+          <a:xfrm>
+            <a:off x="906809" y="4739375"/>
+            <a:ext cx="2550264" cy="1982325"/>
+          </a:xfrm>
+          <a:prstGeom prst="rect">
+            <a:avLst/>
+          </a:prstGeom>
+        </p:spPr>
+      </p:pic>
+      <p:sp>
+        <p:nvSpPr>
+          <p:cNvPr id="9" name="TextBox 8">
+            <a:extLst>
+              <a:ext uri="{FF2B5EF4-FFF2-40B4-BE49-F238E27FC236}">
+                <a16:creationId xmlns:a16="http://schemas.microsoft.com/office/drawing/2014/main" id="{29838DC8-357F-20E0-7850-EF64C3A4A9F6}"/>
+              </a:ext>
+            </a:extLst>
+          </p:cNvPr>
+          <p:cNvSpPr txBox="1"/>
+          <p:nvPr/>
+        </p:nvSpPr>
+        <p:spPr>
+          <a:xfrm>
+            <a:off x="490452" y="4302490"/>
+            <a:ext cx="1691489" cy="307777"/>
+          </a:xfrm>
+          <a:prstGeom prst="rect">
+            <a:avLst/>
+          </a:prstGeom>
+          <a:noFill/>
+        </p:spPr>
+        <p:txBody>
+          <a:bodyPr wrap="none" rtlCol="0">
+            <a:spAutoFit/>
+          </a:bodyPr>
+          <a:lstStyle/>
+          <a:p>
+            <a:r>
+              <a:rPr lang="en-GB" sz="1400" b="1" dirty="0"/>
+              <a:t>GitHub Desktop</a:t>
+            </a:r>
+          </a:p>
+        </p:txBody>
+      </p:sp>
+      <p:pic>
+        <p:nvPicPr>
+          <p:cNvPr id="11" name="Picture 10">
+            <a:extLst>
+              <a:ext uri="{FF2B5EF4-FFF2-40B4-BE49-F238E27FC236}">
+                <a16:creationId xmlns:a16="http://schemas.microsoft.com/office/drawing/2014/main" id="{94C3DC62-7C9E-62B3-5D6F-23C2AAE1F438}"/>
+              </a:ext>
+            </a:extLst>
+          </p:cNvPr>
+          <p:cNvPicPr>
+            <a:picLocks noChangeAspect="1"/>
+          </p:cNvPicPr>
+          <p:nvPr/>
+        </p:nvPicPr>
+        <p:blipFill>
+          <a:blip r:embed="rId5"/>
+          <a:stretch>
+            <a:fillRect/>
+          </a:stretch>
+        </p:blipFill>
+        <p:spPr>
+          <a:xfrm>
+            <a:off x="8143235" y="4610267"/>
+            <a:ext cx="4197294" cy="1933872"/>
+          </a:xfrm>
+          <a:prstGeom prst="rect">
+            <a:avLst/>
+          </a:prstGeom>
+        </p:spPr>
+      </p:pic>
+      <p:cxnSp>
+        <p:nvCxnSpPr>
+          <p:cNvPr id="13" name="Straight Connector 12">
+            <a:extLst>
+              <a:ext uri="{FF2B5EF4-FFF2-40B4-BE49-F238E27FC236}">
+                <a16:creationId xmlns:a16="http://schemas.microsoft.com/office/drawing/2014/main" id="{33E17021-7423-554E-70EC-9BAB3158A9CA}"/>
+              </a:ext>
+            </a:extLst>
+          </p:cNvPr>
+          <p:cNvCxnSpPr/>
+          <p:nvPr/>
+        </p:nvCxnSpPr>
+        <p:spPr>
+          <a:xfrm flipH="1">
+            <a:off x="1720735" y="4227673"/>
+            <a:ext cx="7481454" cy="0"/>
+          </a:xfrm>
+          <a:prstGeom prst="line">
+            <a:avLst/>
+          </a:prstGeom>
+          <a:ln w="38100">
+            <a:prstDash val="lgDash"/>
+          </a:ln>
+        </p:spPr>
+        <p:style>
+          <a:lnRef idx="1">
+            <a:schemeClr val="accent1"/>
+          </a:lnRef>
+          <a:fillRef idx="0">
+            <a:schemeClr val="accent1"/>
+          </a:fillRef>
+          <a:effectRef idx="0">
+            <a:schemeClr val="accent1"/>
+          </a:effectRef>
+          <a:fontRef idx="minor">
+            <a:schemeClr val="tx1"/>
+          </a:fontRef>
+        </p:style>
+      </p:cxnSp>
+      <p:cxnSp>
+        <p:nvCxnSpPr>
+          <p:cNvPr id="14" name="Straight Connector 13">
+            <a:extLst>
+              <a:ext uri="{FF2B5EF4-FFF2-40B4-BE49-F238E27FC236}">
+                <a16:creationId xmlns:a16="http://schemas.microsoft.com/office/drawing/2014/main" id="{C72847CF-FB6B-12FA-916D-33B05B079057}"/>
+              </a:ext>
+            </a:extLst>
+          </p:cNvPr>
+          <p:cNvCxnSpPr/>
+          <p:nvPr/>
+        </p:nvCxnSpPr>
+        <p:spPr>
+          <a:xfrm flipH="1">
+            <a:off x="1720735" y="2819495"/>
+            <a:ext cx="7481454" cy="0"/>
+          </a:xfrm>
+          <a:prstGeom prst="line">
+            <a:avLst/>
+          </a:prstGeom>
+          <a:ln w="38100">
+            <a:prstDash val="lgDash"/>
+          </a:ln>
+        </p:spPr>
+        <p:style>
+          <a:lnRef idx="1">
+            <a:schemeClr val="accent1"/>
+          </a:lnRef>
+          <a:fillRef idx="0">
+            <a:schemeClr val="accent1"/>
+          </a:fillRef>
+          <a:effectRef idx="0">
+            <a:schemeClr val="accent1"/>
+          </a:effectRef>
+          <a:fontRef idx="minor">
+            <a:schemeClr val="tx1"/>
+          </a:fontRef>
+        </p:style>
+      </p:cxnSp>
+    </p:spTree>
+    <p:extLst>
+      <p:ext uri="{BB962C8B-B14F-4D97-AF65-F5344CB8AC3E}">
+        <p14:creationId xmlns:p14="http://schemas.microsoft.com/office/powerpoint/2010/main" val="3324698747"/>
+      </p:ext>
+    </p:extLst>
+  </p:cSld>
+  <p:clrMapOvr>
+    <a:masterClrMapping/>
+  </p:clrMapOvr>
+</p:sld>
+</file>
+
+<file path=ppt/slides/slide23.xml><?xml version="1.0" encoding="utf-8"?>
+<p:sld xmlns:a="http://schemas.openxmlformats.org/drawingml/2006/main" xmlns:r="http://schemas.openxmlformats.org/officeDocument/2006/relationships" xmlns:p="http://schemas.openxmlformats.org/presentationml/2006/main">
+  <p:cSld>
+    <p:spTree>
+      <p:nvGrpSpPr>
+        <p:cNvPr id="1" name=""/>
+        <p:cNvGrpSpPr/>
+        <p:nvPr/>
+      </p:nvGrpSpPr>
+      <p:grpSpPr>
+        <a:xfrm>
+          <a:off x="0" y="0"/>
+          <a:ext cx="0" cy="0"/>
+          <a:chOff x="0" y="0"/>
+          <a:chExt cx="0" cy="0"/>
+        </a:xfrm>
+      </p:grpSpPr>
+      <p:sp>
+        <p:nvSpPr>
+          <p:cNvPr id="2" name="Title 1">
+            <a:extLst>
+              <a:ext uri="{FF2B5EF4-FFF2-40B4-BE49-F238E27FC236}">
+                <a16:creationId xmlns:a16="http://schemas.microsoft.com/office/drawing/2014/main" id="{A15822F5-14F8-04A7-9687-2A92683631CA}"/>
+              </a:ext>
+            </a:extLst>
+          </p:cNvPr>
+          <p:cNvSpPr>
+            <a:spLocks noGrp="1"/>
+          </p:cNvSpPr>
+          <p:nvPr>
+            <p:ph type="title"/>
+          </p:nvPr>
+        </p:nvSpPr>
+        <p:spPr>
+          <a:xfrm>
+            <a:off x="1261872" y="365760"/>
+            <a:ext cx="9692640" cy="839585"/>
+          </a:xfrm>
+        </p:spPr>
+        <p:txBody>
+          <a:bodyPr>
+            <a:normAutofit fontScale="90000"/>
+          </a:bodyPr>
+          <a:lstStyle/>
+          <a:p>
+            <a:r>
+              <a:rPr lang="en-GB" dirty="0"/>
+              <a:t>How do I make changes in a repository?</a:t>
+            </a:r>
+          </a:p>
+        </p:txBody>
+      </p:sp>
+      <p:sp>
+        <p:nvSpPr>
+          <p:cNvPr id="3" name="Content Placeholder 2">
+            <a:extLst>
+              <a:ext uri="{FF2B5EF4-FFF2-40B4-BE49-F238E27FC236}">
+                <a16:creationId xmlns:a16="http://schemas.microsoft.com/office/drawing/2014/main" id="{3021795C-3041-287E-53A7-9DFEBB69C084}"/>
+              </a:ext>
+            </a:extLst>
+          </p:cNvPr>
+          <p:cNvSpPr>
+            <a:spLocks noGrp="1"/>
+          </p:cNvSpPr>
+          <p:nvPr>
+            <p:ph idx="1"/>
+          </p:nvPr>
+        </p:nvSpPr>
+        <p:spPr>
+          <a:xfrm>
+            <a:off x="1261872" y="1341794"/>
+            <a:ext cx="8595360" cy="4901063"/>
+          </a:xfrm>
+        </p:spPr>
+        <p:txBody>
+          <a:bodyPr>
+            <a:normAutofit fontScale="70000" lnSpcReduction="20000"/>
+          </a:bodyPr>
+          <a:lstStyle/>
+          <a:p>
+            <a:pPr marL="0" indent="0">
+              <a:buNone/>
+            </a:pPr>
+            <a:r>
+              <a:rPr lang="en-GB" b="1" dirty="0"/>
+              <a:t>git bash</a:t>
+            </a:r>
+          </a:p>
+          <a:p>
+            <a:r>
+              <a:rPr lang="en-GB" dirty="0"/>
+              <a:t>Start by making a new branch in the learning-git-sandbox repo:</a:t>
+            </a:r>
+          </a:p>
+          <a:p>
+            <a:pPr lvl="1"/>
+            <a:r>
+              <a:rPr lang="en-GB" dirty="0">
+                <a:latin typeface="Courier New" panose="02070309020205020404" pitchFamily="49" charset="0"/>
+                <a:cs typeface="Courier New" panose="02070309020205020404" pitchFamily="49" charset="0"/>
+              </a:rPr>
+              <a:t>git checkout –b add-song-YOURINITIALS</a:t>
+            </a:r>
+          </a:p>
+          <a:p>
+            <a:r>
+              <a:rPr lang="en-GB" dirty="0"/>
+              <a:t>Open the file playlist.csv in whatever editor you choose.</a:t>
+            </a:r>
+          </a:p>
+          <a:p>
+            <a:pPr lvl="1"/>
+            <a:r>
+              <a:rPr lang="en-GB" dirty="0"/>
+              <a:t>Add a song and artist separated by a comma.</a:t>
+            </a:r>
+          </a:p>
+          <a:p>
+            <a:r>
+              <a:rPr lang="en-GB" dirty="0"/>
+              <a:t>Now stage and commit the file:</a:t>
+            </a:r>
+          </a:p>
+          <a:p>
+            <a:pPr lvl="1"/>
+            <a:r>
+              <a:rPr lang="en-GB" dirty="0">
+                <a:latin typeface="Courier New" panose="02070309020205020404" pitchFamily="49" charset="0"/>
+                <a:cs typeface="Courier New" panose="02070309020205020404" pitchFamily="49" charset="0"/>
+              </a:rPr>
+              <a:t>git add playlist.csv</a:t>
+            </a:r>
+          </a:p>
+          <a:p>
+            <a:pPr lvl="1"/>
+            <a:r>
+              <a:rPr lang="en-GB" dirty="0">
+                <a:latin typeface="Courier New" panose="02070309020205020404" pitchFamily="49" charset="0"/>
+                <a:cs typeface="Courier New" panose="02070309020205020404" pitchFamily="49" charset="0"/>
+              </a:rPr>
+              <a:t>git commit –m “Added my song to the playlist”</a:t>
+            </a:r>
+          </a:p>
+          <a:p>
+            <a:r>
+              <a:rPr lang="en-GB" dirty="0"/>
+              <a:t>Now, provided you’ve told us your GitHub username and we’ve given you write access, you can push to the remote repo:</a:t>
+            </a:r>
+          </a:p>
+          <a:p>
+            <a:pPr lvl="1"/>
+            <a:r>
+              <a:rPr lang="en-GB" dirty="0">
+                <a:latin typeface="Courier New" panose="02070309020205020404" pitchFamily="49" charset="0"/>
+                <a:cs typeface="Courier New" panose="02070309020205020404" pitchFamily="49" charset="0"/>
+              </a:rPr>
+              <a:t>git push</a:t>
+            </a:r>
+          </a:p>
+          <a:p>
+            <a:r>
+              <a:rPr lang="en-GB" dirty="0">
+                <a:cs typeface="Courier New" panose="02070309020205020404" pitchFamily="49" charset="0"/>
+              </a:rPr>
+              <a:t>Then go to the repo on GitHub in the browser and have a look for your branch and the updated file.</a:t>
+            </a:r>
+          </a:p>
+          <a:p>
+            <a:r>
+              <a:rPr lang="en-GB" dirty="0">
+                <a:cs typeface="Courier New" panose="02070309020205020404" pitchFamily="49" charset="0"/>
+              </a:rPr>
+              <a:t>If you want to merge your changes into the main branch, you can either create a pull request on GitHub or run the following commands in git bash:</a:t>
+            </a:r>
+          </a:p>
+          <a:p>
+            <a:pPr lvl="1"/>
+            <a:r>
+              <a:rPr lang="en-GB" dirty="0">
+                <a:latin typeface="Courier New" panose="02070309020205020404" pitchFamily="49" charset="0"/>
+                <a:cs typeface="Courier New" panose="02070309020205020404" pitchFamily="49" charset="0"/>
+              </a:rPr>
+              <a:t>git switch main</a:t>
+            </a:r>
+          </a:p>
+          <a:p>
+            <a:pPr lvl="1"/>
+            <a:r>
+              <a:rPr lang="en-GB" dirty="0">
+                <a:latin typeface="Courier New" panose="02070309020205020404" pitchFamily="49" charset="0"/>
+                <a:cs typeface="Courier New" panose="02070309020205020404" pitchFamily="49" charset="0"/>
+              </a:rPr>
+              <a:t>git merge add-song-YOURINITIALS</a:t>
+            </a:r>
+          </a:p>
+          <a:p>
+            <a:pPr lvl="1"/>
+            <a:r>
+              <a:rPr lang="en-GB" dirty="0">
+                <a:latin typeface="Courier New" panose="02070309020205020404" pitchFamily="49" charset="0"/>
+                <a:cs typeface="Courier New" panose="02070309020205020404" pitchFamily="49" charset="0"/>
+              </a:rPr>
+              <a:t>git pull</a:t>
+            </a:r>
+          </a:p>
+          <a:p>
+            <a:pPr lvl="1"/>
+            <a:r>
+              <a:rPr lang="en-GB" dirty="0">
+                <a:latin typeface="Courier New" panose="02070309020205020404" pitchFamily="49" charset="0"/>
+                <a:cs typeface="Courier New" panose="02070309020205020404" pitchFamily="49" charset="0"/>
+              </a:rPr>
+              <a:t>git push</a:t>
+            </a:r>
+          </a:p>
+          <a:p>
+            <a:pPr marL="274320" lvl="1" indent="0">
+              <a:buNone/>
+            </a:pPr>
+            <a:r>
+              <a:rPr lang="en-GB" dirty="0">
+                <a:latin typeface="Courier New" panose="02070309020205020404" pitchFamily="49" charset="0"/>
+                <a:cs typeface="Courier New" panose="02070309020205020404" pitchFamily="49" charset="0"/>
+              </a:rPr>
+              <a:t>(Although those last steps may get a little messy if there’s a few of you trying it simultaneously!)</a:t>
+            </a:r>
+          </a:p>
+        </p:txBody>
+      </p:sp>
+    </p:spTree>
+    <p:extLst>
+      <p:ext uri="{BB962C8B-B14F-4D97-AF65-F5344CB8AC3E}">
+        <p14:creationId xmlns:p14="http://schemas.microsoft.com/office/powerpoint/2010/main" val="4207979057"/>
+      </p:ext>
+    </p:extLst>
+  </p:cSld>
+  <p:clrMapOvr>
+    <a:masterClrMapping/>
+  </p:clrMapOvr>
+</p:sld>
+</file>
+
+<file path=ppt/slides/slide24.xml><?xml version="1.0" encoding="utf-8"?>
+<p:sld xmlns:a="http://schemas.openxmlformats.org/drawingml/2006/main" xmlns:r="http://schemas.openxmlformats.org/officeDocument/2006/relationships" xmlns:p="http://schemas.openxmlformats.org/presentationml/2006/main">
+  <p:cSld>
+    <p:spTree>
+      <p:nvGrpSpPr>
+        <p:cNvPr id="1" name=""/>
+        <p:cNvGrpSpPr/>
+        <p:nvPr/>
+      </p:nvGrpSpPr>
+      <p:grpSpPr>
+        <a:xfrm>
+          <a:off x="0" y="0"/>
+          <a:ext cx="0" cy="0"/>
+          <a:chOff x="0" y="0"/>
+          <a:chExt cx="0" cy="0"/>
+        </a:xfrm>
+      </p:grpSpPr>
+      <p:sp>
+        <p:nvSpPr>
+          <p:cNvPr id="2" name="Title 1">
+            <a:extLst>
+              <a:ext uri="{FF2B5EF4-FFF2-40B4-BE49-F238E27FC236}">
+                <a16:creationId xmlns:a16="http://schemas.microsoft.com/office/drawing/2014/main" id="{639F6E01-2D4A-7F85-D6AC-57E5F00EE165}"/>
+              </a:ext>
+            </a:extLst>
+          </p:cNvPr>
+          <p:cNvSpPr>
+            <a:spLocks noGrp="1"/>
+          </p:cNvSpPr>
+          <p:nvPr>
+            <p:ph type="title"/>
+          </p:nvPr>
+        </p:nvSpPr>
+        <p:spPr/>
+        <p:txBody>
+          <a:bodyPr/>
+          <a:lstStyle/>
+          <a:p>
+            <a:r>
+              <a:rPr lang="en-GB" dirty="0"/>
+              <a:t>The wrap up!</a:t>
+            </a:r>
+          </a:p>
+        </p:txBody>
+      </p:sp>
+      <p:sp>
+        <p:nvSpPr>
+          <p:cNvPr id="3" name="Content Placeholder 2">
+            <a:extLst>
+              <a:ext uri="{FF2B5EF4-FFF2-40B4-BE49-F238E27FC236}">
+                <a16:creationId xmlns:a16="http://schemas.microsoft.com/office/drawing/2014/main" id="{D4DED814-E6CB-FCA7-FDF0-7391BEA613BB}"/>
+              </a:ext>
+            </a:extLst>
+          </p:cNvPr>
+          <p:cNvSpPr>
+            <a:spLocks noGrp="1"/>
+          </p:cNvSpPr>
+          <p:nvPr>
+            <p:ph idx="1"/>
+          </p:nvPr>
+        </p:nvSpPr>
+        <p:spPr/>
+        <p:txBody>
+          <a:bodyPr/>
+          <a:lstStyle/>
+          <a:p>
+            <a:r>
+              <a:rPr lang="en-GB" dirty="0"/>
+              <a:t>Thanks for joining the session!</a:t>
+            </a:r>
+          </a:p>
+          <a:p>
+            <a:r>
+              <a:rPr lang="en-GB" dirty="0"/>
+              <a:t>Any questions?!</a:t>
+            </a:r>
+          </a:p>
+        </p:txBody>
+      </p:sp>
+    </p:spTree>
+    <p:extLst>
+      <p:ext uri="{BB962C8B-B14F-4D97-AF65-F5344CB8AC3E}">
+        <p14:creationId xmlns:p14="http://schemas.microsoft.com/office/powerpoint/2010/main" val="1582339638"/>
       </p:ext>
     </p:extLst>
   </p:cSld>

--- a/slides/workshopslides_quick-git.pptx
+++ b/slides/workshopslides_quick-git.pptx
@@ -20,15 +20,21 @@
     <p:sldId id="274" r:id="rId14"/>
     <p:sldId id="275" r:id="rId15"/>
     <p:sldId id="276" r:id="rId16"/>
-    <p:sldId id="279" r:id="rId17"/>
-    <p:sldId id="270" r:id="rId18"/>
-    <p:sldId id="280" r:id="rId19"/>
-    <p:sldId id="278" r:id="rId20"/>
-    <p:sldId id="281" r:id="rId21"/>
-    <p:sldId id="277" r:id="rId22"/>
-    <p:sldId id="282" r:id="rId23"/>
-    <p:sldId id="283" r:id="rId24"/>
-    <p:sldId id="284" r:id="rId25"/>
+    <p:sldId id="285" r:id="rId17"/>
+    <p:sldId id="287" r:id="rId18"/>
+    <p:sldId id="288" r:id="rId19"/>
+    <p:sldId id="289" r:id="rId20"/>
+    <p:sldId id="291" r:id="rId21"/>
+    <p:sldId id="286" r:id="rId22"/>
+    <p:sldId id="279" r:id="rId23"/>
+    <p:sldId id="270" r:id="rId24"/>
+    <p:sldId id="280" r:id="rId25"/>
+    <p:sldId id="278" r:id="rId26"/>
+    <p:sldId id="281" r:id="rId27"/>
+    <p:sldId id="277" r:id="rId28"/>
+    <p:sldId id="282" r:id="rId29"/>
+    <p:sldId id="283" r:id="rId30"/>
+    <p:sldId id="284" r:id="rId31"/>
   </p:sldIdLst>
   <p:sldSz cx="12192000" cy="6858000"/>
   <p:notesSz cx="6858000" cy="9144000"/>
@@ -155,6 +161,12 @@
             <p14:sldId id="274"/>
             <p14:sldId id="275"/>
             <p14:sldId id="276"/>
+            <p14:sldId id="285"/>
+            <p14:sldId id="287"/>
+            <p14:sldId id="288"/>
+            <p14:sldId id="289"/>
+            <p14:sldId id="291"/>
+            <p14:sldId id="286"/>
           </p14:sldIdLst>
         </p14:section>
         <p14:section name="IRL" id="{3084BC28-3028-45B7-BD36-4578B14C9F45}">
@@ -379,7 +391,7 @@
           <a:p>
             <a:fld id="{7E3A1397-DDBE-4990-A86F-207B0B9A1F2C}" type="datetimeFigureOut">
               <a:rPr lang="en-GB" smtClean="0"/>
-              <a:t>19/09/2023</a:t>
+              <a:t>20/09/2023</a:t>
             </a:fld>
             <a:endParaRPr lang="en-GB"/>
           </a:p>
@@ -603,7 +615,7 @@
           <a:p>
             <a:fld id="{7E3A1397-DDBE-4990-A86F-207B0B9A1F2C}" type="datetimeFigureOut">
               <a:rPr lang="en-GB" smtClean="0"/>
-              <a:t>19/09/2023</a:t>
+              <a:t>20/09/2023</a:t>
             </a:fld>
             <a:endParaRPr lang="en-GB"/>
           </a:p>
@@ -783,7 +795,7 @@
           <a:p>
             <a:fld id="{7E3A1397-DDBE-4990-A86F-207B0B9A1F2C}" type="datetimeFigureOut">
               <a:rPr lang="en-GB" smtClean="0"/>
-              <a:t>19/09/2023</a:t>
+              <a:t>20/09/2023</a:t>
             </a:fld>
             <a:endParaRPr lang="en-GB"/>
           </a:p>
@@ -953,7 +965,7 @@
           <a:p>
             <a:fld id="{7E3A1397-DDBE-4990-A86F-207B0B9A1F2C}" type="datetimeFigureOut">
               <a:rPr lang="en-GB" smtClean="0"/>
-              <a:t>19/09/2023</a:t>
+              <a:t>20/09/2023</a:t>
             </a:fld>
             <a:endParaRPr lang="en-GB"/>
           </a:p>
@@ -1244,7 +1256,7 @@
           <a:p>
             <a:fld id="{7E3A1397-DDBE-4990-A86F-207B0B9A1F2C}" type="datetimeFigureOut">
               <a:rPr lang="en-GB" smtClean="0"/>
-              <a:t>19/09/2023</a:t>
+              <a:t>20/09/2023</a:t>
             </a:fld>
             <a:endParaRPr lang="en-GB"/>
           </a:p>
@@ -1570,7 +1582,7 @@
           <a:p>
             <a:fld id="{7E3A1397-DDBE-4990-A86F-207B0B9A1F2C}" type="datetimeFigureOut">
               <a:rPr lang="en-GB" smtClean="0"/>
-              <a:t>19/09/2023</a:t>
+              <a:t>20/09/2023</a:t>
             </a:fld>
             <a:endParaRPr lang="en-GB"/>
           </a:p>
@@ -1982,7 +1994,7 @@
           <a:p>
             <a:fld id="{7E3A1397-DDBE-4990-A86F-207B0B9A1F2C}" type="datetimeFigureOut">
               <a:rPr lang="en-GB" smtClean="0"/>
-              <a:t>19/09/2023</a:t>
+              <a:t>20/09/2023</a:t>
             </a:fld>
             <a:endParaRPr lang="en-GB"/>
           </a:p>
@@ -2100,7 +2112,7 @@
           <a:p>
             <a:fld id="{7E3A1397-DDBE-4990-A86F-207B0B9A1F2C}" type="datetimeFigureOut">
               <a:rPr lang="en-GB" smtClean="0"/>
-              <a:t>19/09/2023</a:t>
+              <a:t>20/09/2023</a:t>
             </a:fld>
             <a:endParaRPr lang="en-GB"/>
           </a:p>
@@ -2195,7 +2207,7 @@
           <a:p>
             <a:fld id="{7E3A1397-DDBE-4990-A86F-207B0B9A1F2C}" type="datetimeFigureOut">
               <a:rPr lang="en-GB" smtClean="0"/>
-              <a:t>19/09/2023</a:t>
+              <a:t>20/09/2023</a:t>
             </a:fld>
             <a:endParaRPr lang="en-GB"/>
           </a:p>
@@ -2482,7 +2494,7 @@
           <a:p>
             <a:fld id="{7E3A1397-DDBE-4990-A86F-207B0B9A1F2C}" type="datetimeFigureOut">
               <a:rPr lang="en-GB" smtClean="0"/>
-              <a:t>19/09/2023</a:t>
+              <a:t>20/09/2023</a:t>
             </a:fld>
             <a:endParaRPr lang="en-GB"/>
           </a:p>
@@ -2759,7 +2771,7 @@
           <a:p>
             <a:fld id="{7E3A1397-DDBE-4990-A86F-207B0B9A1F2C}" type="datetimeFigureOut">
               <a:rPr lang="en-GB" smtClean="0"/>
-              <a:t>19/09/2023</a:t>
+              <a:t>20/09/2023</a:t>
             </a:fld>
             <a:endParaRPr lang="en-GB"/>
           </a:p>
@@ -3010,7 +3022,7 @@
           <a:p>
             <a:fld id="{7E3A1397-DDBE-4990-A86F-207B0B9A1F2C}" type="datetimeFigureOut">
               <a:rPr lang="en-GB" smtClean="0"/>
-              <a:t>19/09/2023</a:t>
+              <a:t>20/09/2023</a:t>
             </a:fld>
             <a:endParaRPr lang="en-GB"/>
           </a:p>
@@ -3541,7 +3553,7 @@
             </a:br>
             <a:r>
               <a:rPr lang="en-GB" dirty="0"/>
-              <a:t>A quick intro to git</a:t>
+              <a:t>A quick intro to Git</a:t>
             </a:r>
           </a:p>
         </p:txBody>
@@ -5755,6 +5767,2540 @@
           <p:cNvPr id="2" name="Title 1">
             <a:extLst>
               <a:ext uri="{FF2B5EF4-FFF2-40B4-BE49-F238E27FC236}">
+                <a16:creationId xmlns:a16="http://schemas.microsoft.com/office/drawing/2014/main" id="{D047F8EF-BECC-CB05-2042-8E1A2F6D1C1A}"/>
+              </a:ext>
+            </a:extLst>
+          </p:cNvPr>
+          <p:cNvSpPr>
+            <a:spLocks noGrp="1"/>
+          </p:cNvSpPr>
+          <p:nvPr>
+            <p:ph type="title"/>
+          </p:nvPr>
+        </p:nvSpPr>
+        <p:spPr>
+          <a:xfrm>
+            <a:off x="643831" y="640080"/>
+            <a:ext cx="3690425" cy="1325562"/>
+          </a:xfrm>
+        </p:spPr>
+        <p:txBody>
+          <a:bodyPr>
+            <a:normAutofit/>
+          </a:bodyPr>
+          <a:lstStyle/>
+          <a:p>
+            <a:r>
+              <a:rPr lang="en-GB" sz="3200" dirty="0"/>
+              <a:t>Navigating around commits</a:t>
+            </a:r>
+          </a:p>
+        </p:txBody>
+      </p:sp>
+      <p:sp>
+        <p:nvSpPr>
+          <p:cNvPr id="3" name="Content Placeholder 2">
+            <a:extLst>
+              <a:ext uri="{FF2B5EF4-FFF2-40B4-BE49-F238E27FC236}">
+                <a16:creationId xmlns:a16="http://schemas.microsoft.com/office/drawing/2014/main" id="{476F0551-B6E7-9358-79EA-9B20DDC8DAF3}"/>
+              </a:ext>
+            </a:extLst>
+          </p:cNvPr>
+          <p:cNvSpPr>
+            <a:spLocks noGrp="1"/>
+          </p:cNvSpPr>
+          <p:nvPr>
+            <p:ph idx="1"/>
+          </p:nvPr>
+        </p:nvSpPr>
+        <p:spPr>
+          <a:xfrm>
+            <a:off x="643831" y="1936955"/>
+            <a:ext cx="3690425" cy="4243182"/>
+          </a:xfrm>
+        </p:spPr>
+        <p:txBody>
+          <a:bodyPr>
+            <a:normAutofit/>
+          </a:bodyPr>
+          <a:lstStyle/>
+          <a:p>
+            <a:r>
+              <a:rPr lang="en-GB" sz="1600" dirty="0"/>
+              <a:t>Try working through tasks 5-7 quickly:</a:t>
+            </a:r>
+          </a:p>
+          <a:p>
+            <a:pPr lvl="1"/>
+            <a:r>
+              <a:rPr lang="en-GB" sz="1400" dirty="0"/>
+              <a:t>Task 5 (rampup1) - “Detach </a:t>
+            </a:r>
+            <a:r>
+              <a:rPr lang="en-GB" sz="1400" dirty="0" err="1"/>
+              <a:t>yo</a:t>
+            </a:r>
+            <a:r>
+              <a:rPr lang="en-GB" sz="1400" dirty="0"/>
+              <a:t>’ HEAD”</a:t>
+            </a:r>
+            <a:endParaRPr lang="en-GB" dirty="0"/>
+          </a:p>
+        </p:txBody>
+      </p:sp>
+      <p:pic>
+        <p:nvPicPr>
+          <p:cNvPr id="5" name="Picture 4">
+            <a:extLst>
+              <a:ext uri="{FF2B5EF4-FFF2-40B4-BE49-F238E27FC236}">
+                <a16:creationId xmlns:a16="http://schemas.microsoft.com/office/drawing/2014/main" id="{685F5EBE-F77B-5283-ADF8-524FA77773C4}"/>
+              </a:ext>
+            </a:extLst>
+          </p:cNvPr>
+          <p:cNvPicPr>
+            <a:picLocks noChangeAspect="1"/>
+          </p:cNvPicPr>
+          <p:nvPr/>
+        </p:nvPicPr>
+        <p:blipFill>
+          <a:blip r:embed="rId2">
+            <a:extLst>
+              <a:ext uri="{28A0092B-C50C-407E-A947-70E740481C1C}">
+                <a14:useLocalDpi xmlns:a14="http://schemas.microsoft.com/office/drawing/2010/main" val="0"/>
+              </a:ext>
+            </a:extLst>
+          </a:blip>
+          <a:srcRect/>
+          <a:stretch/>
+        </p:blipFill>
+        <p:spPr>
+          <a:xfrm>
+            <a:off x="4878778" y="1267220"/>
+            <a:ext cx="5706771" cy="4333818"/>
+          </a:xfrm>
+          <a:prstGeom prst="rect">
+            <a:avLst/>
+          </a:prstGeom>
+        </p:spPr>
+      </p:pic>
+      <p:pic>
+        <p:nvPicPr>
+          <p:cNvPr id="7" name="Picture 6">
+            <a:extLst>
+              <a:ext uri="{FF2B5EF4-FFF2-40B4-BE49-F238E27FC236}">
+                <a16:creationId xmlns:a16="http://schemas.microsoft.com/office/drawing/2014/main" id="{2BCF6774-B92C-7836-786A-79A8C0612D8B}"/>
+              </a:ext>
+            </a:extLst>
+          </p:cNvPr>
+          <p:cNvPicPr>
+            <a:picLocks noChangeAspect="1"/>
+          </p:cNvPicPr>
+          <p:nvPr/>
+        </p:nvPicPr>
+        <p:blipFill>
+          <a:blip r:embed="rId3">
+            <a:extLst>
+              <a:ext uri="{28A0092B-C50C-407E-A947-70E740481C1C}">
+                <a14:useLocalDpi xmlns:a14="http://schemas.microsoft.com/office/drawing/2010/main" val="0"/>
+              </a:ext>
+            </a:extLst>
+          </a:blip>
+          <a:srcRect/>
+          <a:stretch/>
+        </p:blipFill>
+        <p:spPr>
+          <a:xfrm>
+            <a:off x="779896" y="3141567"/>
+            <a:ext cx="3214014" cy="1750792"/>
+          </a:xfrm>
+          <a:prstGeom prst="rect">
+            <a:avLst/>
+          </a:prstGeom>
+        </p:spPr>
+      </p:pic>
+    </p:spTree>
+    <p:extLst>
+      <p:ext uri="{BB962C8B-B14F-4D97-AF65-F5344CB8AC3E}">
+        <p14:creationId xmlns:p14="http://schemas.microsoft.com/office/powerpoint/2010/main" val="1414791164"/>
+      </p:ext>
+    </p:extLst>
+  </p:cSld>
+  <p:clrMapOvr>
+    <a:masterClrMapping/>
+  </p:clrMapOvr>
+  <p:timing>
+    <p:tnLst>
+      <p:par>
+        <p:cTn id="1" dur="indefinite" restart="never" nodeType="tmRoot">
+          <p:childTnLst>
+            <p:seq concurrent="1" nextAc="seek">
+              <p:cTn id="2" dur="indefinite" nodeType="mainSeq">
+                <p:childTnLst>
+                  <p:par>
+                    <p:cTn id="3" fill="hold">
+                      <p:stCondLst>
+                        <p:cond delay="indefinite"/>
+                      </p:stCondLst>
+                      <p:childTnLst>
+                        <p:par>
+                          <p:cTn id="4" fill="hold">
+                            <p:stCondLst>
+                              <p:cond delay="0"/>
+                            </p:stCondLst>
+                            <p:childTnLst>
+                              <p:par>
+                                <p:cTn id="5" presetID="26" presetClass="entr" presetSubtype="0" fill="hold" nodeType="clickEffect">
+                                  <p:stCondLst>
+                                    <p:cond delay="0"/>
+                                  </p:stCondLst>
+                                  <p:childTnLst>
+                                    <p:set>
+                                      <p:cBhvr>
+                                        <p:cTn id="6" dur="1" fill="hold">
+                                          <p:stCondLst>
+                                            <p:cond delay="0"/>
+                                          </p:stCondLst>
+                                        </p:cTn>
+                                        <p:tgtEl>
+                                          <p:spTgt spid="7"/>
+                                        </p:tgtEl>
+                                        <p:attrNameLst>
+                                          <p:attrName>style.visibility</p:attrName>
+                                        </p:attrNameLst>
+                                      </p:cBhvr>
+                                      <p:to>
+                                        <p:strVal val="visible"/>
+                                      </p:to>
+                                    </p:set>
+                                    <p:animEffect transition="in" filter="wipe(down)">
+                                      <p:cBhvr>
+                                        <p:cTn id="7" dur="580">
+                                          <p:stCondLst>
+                                            <p:cond delay="0"/>
+                                          </p:stCondLst>
+                                        </p:cTn>
+                                        <p:tgtEl>
+                                          <p:spTgt spid="7"/>
+                                        </p:tgtEl>
+                                      </p:cBhvr>
+                                    </p:animEffect>
+                                    <p:anim calcmode="lin" valueType="num">
+                                      <p:cBhvr>
+                                        <p:cTn id="8" dur="1822" tmFilter="0,0; 0.14,0.36; 0.43,0.73; 0.71,0.91; 1.0,1.0">
+                                          <p:stCondLst>
+                                            <p:cond delay="0"/>
+                                          </p:stCondLst>
+                                        </p:cTn>
+                                        <p:tgtEl>
+                                          <p:spTgt spid="7"/>
+                                        </p:tgtEl>
+                                        <p:attrNameLst>
+                                          <p:attrName>ppt_x</p:attrName>
+                                        </p:attrNameLst>
+                                      </p:cBhvr>
+                                      <p:tavLst>
+                                        <p:tav tm="0">
+                                          <p:val>
+                                            <p:strVal val="#ppt_x-0.25"/>
+                                          </p:val>
+                                        </p:tav>
+                                        <p:tav tm="100000">
+                                          <p:val>
+                                            <p:strVal val="#ppt_x"/>
+                                          </p:val>
+                                        </p:tav>
+                                      </p:tavLst>
+                                    </p:anim>
+                                    <p:anim calcmode="lin" valueType="num">
+                                      <p:cBhvr>
+                                        <p:cTn id="9" dur="664" tmFilter="0.0,0.0; 0.25,0.07; 0.50,0.2; 0.75,0.467; 1.0,1.0">
+                                          <p:stCondLst>
+                                            <p:cond delay="0"/>
+                                          </p:stCondLst>
+                                        </p:cTn>
+                                        <p:tgtEl>
+                                          <p:spTgt spid="7"/>
+                                        </p:tgtEl>
+                                        <p:attrNameLst>
+                                          <p:attrName>ppt_y</p:attrName>
+                                        </p:attrNameLst>
+                                      </p:cBhvr>
+                                      <p:tavLst>
+                                        <p:tav tm="0" fmla="#ppt_y-sin(pi*$)/3">
+                                          <p:val>
+                                            <p:fltVal val="0.5"/>
+                                          </p:val>
+                                        </p:tav>
+                                        <p:tav tm="100000">
+                                          <p:val>
+                                            <p:fltVal val="1"/>
+                                          </p:val>
+                                        </p:tav>
+                                      </p:tavLst>
+                                    </p:anim>
+                                    <p:anim calcmode="lin" valueType="num">
+                                      <p:cBhvr>
+                                        <p:cTn id="10" dur="664" tmFilter="0, 0; 0.125,0.2665; 0.25,0.4; 0.375,0.465; 0.5,0.5;  0.625,0.535; 0.75,0.6; 0.875,0.7335; 1,1">
+                                          <p:stCondLst>
+                                            <p:cond delay="664"/>
+                                          </p:stCondLst>
+                                        </p:cTn>
+                                        <p:tgtEl>
+                                          <p:spTgt spid="7"/>
+                                        </p:tgtEl>
+                                        <p:attrNameLst>
+                                          <p:attrName>ppt_y</p:attrName>
+                                        </p:attrNameLst>
+                                      </p:cBhvr>
+                                      <p:tavLst>
+                                        <p:tav tm="0" fmla="#ppt_y-sin(pi*$)/9">
+                                          <p:val>
+                                            <p:fltVal val="0"/>
+                                          </p:val>
+                                        </p:tav>
+                                        <p:tav tm="100000">
+                                          <p:val>
+                                            <p:fltVal val="1"/>
+                                          </p:val>
+                                        </p:tav>
+                                      </p:tavLst>
+                                    </p:anim>
+                                    <p:anim calcmode="lin" valueType="num">
+                                      <p:cBhvr>
+                                        <p:cTn id="11" dur="332" tmFilter="0, 0; 0.125,0.2665; 0.25,0.4; 0.375,0.465; 0.5,0.5;  0.625,0.535; 0.75,0.6; 0.875,0.7335; 1,1">
+                                          <p:stCondLst>
+                                            <p:cond delay="1324"/>
+                                          </p:stCondLst>
+                                        </p:cTn>
+                                        <p:tgtEl>
+                                          <p:spTgt spid="7"/>
+                                        </p:tgtEl>
+                                        <p:attrNameLst>
+                                          <p:attrName>ppt_y</p:attrName>
+                                        </p:attrNameLst>
+                                      </p:cBhvr>
+                                      <p:tavLst>
+                                        <p:tav tm="0" fmla="#ppt_y-sin(pi*$)/27">
+                                          <p:val>
+                                            <p:fltVal val="0"/>
+                                          </p:val>
+                                        </p:tav>
+                                        <p:tav tm="100000">
+                                          <p:val>
+                                            <p:fltVal val="1"/>
+                                          </p:val>
+                                        </p:tav>
+                                      </p:tavLst>
+                                    </p:anim>
+                                    <p:anim calcmode="lin" valueType="num">
+                                      <p:cBhvr>
+                                        <p:cTn id="12" dur="164" tmFilter="0, 0; 0.125,0.2665; 0.25,0.4; 0.375,0.465; 0.5,0.5;  0.625,0.535; 0.75,0.6; 0.875,0.7335; 1,1">
+                                          <p:stCondLst>
+                                            <p:cond delay="1656"/>
+                                          </p:stCondLst>
+                                        </p:cTn>
+                                        <p:tgtEl>
+                                          <p:spTgt spid="7"/>
+                                        </p:tgtEl>
+                                        <p:attrNameLst>
+                                          <p:attrName>ppt_y</p:attrName>
+                                        </p:attrNameLst>
+                                      </p:cBhvr>
+                                      <p:tavLst>
+                                        <p:tav tm="0" fmla="#ppt_y-sin(pi*$)/81">
+                                          <p:val>
+                                            <p:fltVal val="0"/>
+                                          </p:val>
+                                        </p:tav>
+                                        <p:tav tm="100000">
+                                          <p:val>
+                                            <p:fltVal val="1"/>
+                                          </p:val>
+                                        </p:tav>
+                                      </p:tavLst>
+                                    </p:anim>
+                                    <p:animScale>
+                                      <p:cBhvr>
+                                        <p:cTn id="13" dur="26">
+                                          <p:stCondLst>
+                                            <p:cond delay="650"/>
+                                          </p:stCondLst>
+                                        </p:cTn>
+                                        <p:tgtEl>
+                                          <p:spTgt spid="7"/>
+                                        </p:tgtEl>
+                                      </p:cBhvr>
+                                      <p:to x="100000" y="60000"/>
+                                    </p:animScale>
+                                    <p:animScale>
+                                      <p:cBhvr>
+                                        <p:cTn id="14" dur="166" decel="50000">
+                                          <p:stCondLst>
+                                            <p:cond delay="676"/>
+                                          </p:stCondLst>
+                                        </p:cTn>
+                                        <p:tgtEl>
+                                          <p:spTgt spid="7"/>
+                                        </p:tgtEl>
+                                      </p:cBhvr>
+                                      <p:to x="100000" y="100000"/>
+                                    </p:animScale>
+                                    <p:animScale>
+                                      <p:cBhvr>
+                                        <p:cTn id="15" dur="26">
+                                          <p:stCondLst>
+                                            <p:cond delay="1312"/>
+                                          </p:stCondLst>
+                                        </p:cTn>
+                                        <p:tgtEl>
+                                          <p:spTgt spid="7"/>
+                                        </p:tgtEl>
+                                      </p:cBhvr>
+                                      <p:to x="100000" y="80000"/>
+                                    </p:animScale>
+                                    <p:animScale>
+                                      <p:cBhvr>
+                                        <p:cTn id="16" dur="166" decel="50000">
+                                          <p:stCondLst>
+                                            <p:cond delay="1338"/>
+                                          </p:stCondLst>
+                                        </p:cTn>
+                                        <p:tgtEl>
+                                          <p:spTgt spid="7"/>
+                                        </p:tgtEl>
+                                      </p:cBhvr>
+                                      <p:to x="100000" y="100000"/>
+                                    </p:animScale>
+                                    <p:animScale>
+                                      <p:cBhvr>
+                                        <p:cTn id="17" dur="26">
+                                          <p:stCondLst>
+                                            <p:cond delay="1642"/>
+                                          </p:stCondLst>
+                                        </p:cTn>
+                                        <p:tgtEl>
+                                          <p:spTgt spid="7"/>
+                                        </p:tgtEl>
+                                      </p:cBhvr>
+                                      <p:to x="100000" y="90000"/>
+                                    </p:animScale>
+                                    <p:animScale>
+                                      <p:cBhvr>
+                                        <p:cTn id="18" dur="166" decel="50000">
+                                          <p:stCondLst>
+                                            <p:cond delay="1668"/>
+                                          </p:stCondLst>
+                                        </p:cTn>
+                                        <p:tgtEl>
+                                          <p:spTgt spid="7"/>
+                                        </p:tgtEl>
+                                      </p:cBhvr>
+                                      <p:to x="100000" y="100000"/>
+                                    </p:animScale>
+                                    <p:animScale>
+                                      <p:cBhvr>
+                                        <p:cTn id="19" dur="26">
+                                          <p:stCondLst>
+                                            <p:cond delay="1808"/>
+                                          </p:stCondLst>
+                                        </p:cTn>
+                                        <p:tgtEl>
+                                          <p:spTgt spid="7"/>
+                                        </p:tgtEl>
+                                      </p:cBhvr>
+                                      <p:to x="100000" y="95000"/>
+                                    </p:animScale>
+                                    <p:animScale>
+                                      <p:cBhvr>
+                                        <p:cTn id="20" dur="166" decel="50000">
+                                          <p:stCondLst>
+                                            <p:cond delay="1834"/>
+                                          </p:stCondLst>
+                                        </p:cTn>
+                                        <p:tgtEl>
+                                          <p:spTgt spid="7"/>
+                                        </p:tgtEl>
+                                      </p:cBhvr>
+                                      <p:to x="100000" y="100000"/>
+                                    </p:animScale>
+                                  </p:childTnLst>
+                                </p:cTn>
+                              </p:par>
+                            </p:childTnLst>
+                          </p:cTn>
+                        </p:par>
+                      </p:childTnLst>
+                    </p:cTn>
+                  </p:par>
+                </p:childTnLst>
+              </p:cTn>
+              <p:prevCondLst>
+                <p:cond evt="onPrev" delay="0">
+                  <p:tgtEl>
+                    <p:sldTgt/>
+                  </p:tgtEl>
+                </p:cond>
+              </p:prevCondLst>
+              <p:nextCondLst>
+                <p:cond evt="onNext" delay="0">
+                  <p:tgtEl>
+                    <p:sldTgt/>
+                  </p:tgtEl>
+                </p:cond>
+              </p:nextCondLst>
+            </p:seq>
+          </p:childTnLst>
+        </p:cTn>
+      </p:par>
+    </p:tnLst>
+  </p:timing>
+</p:sld>
+</file>
+
+<file path=ppt/slides/slide17.xml><?xml version="1.0" encoding="utf-8"?>
+<p:sld xmlns:a="http://schemas.openxmlformats.org/drawingml/2006/main" xmlns:r="http://schemas.openxmlformats.org/officeDocument/2006/relationships" xmlns:p="http://schemas.openxmlformats.org/presentationml/2006/main">
+  <p:cSld>
+    <p:spTree>
+      <p:nvGrpSpPr>
+        <p:cNvPr id="1" name=""/>
+        <p:cNvGrpSpPr/>
+        <p:nvPr/>
+      </p:nvGrpSpPr>
+      <p:grpSpPr>
+        <a:xfrm>
+          <a:off x="0" y="0"/>
+          <a:ext cx="0" cy="0"/>
+          <a:chOff x="0" y="0"/>
+          <a:chExt cx="0" cy="0"/>
+        </a:xfrm>
+      </p:grpSpPr>
+      <p:sp>
+        <p:nvSpPr>
+          <p:cNvPr id="2" name="Title 1">
+            <a:extLst>
+              <a:ext uri="{FF2B5EF4-FFF2-40B4-BE49-F238E27FC236}">
+                <a16:creationId xmlns:a16="http://schemas.microsoft.com/office/drawing/2014/main" id="{D047F8EF-BECC-CB05-2042-8E1A2F6D1C1A}"/>
+              </a:ext>
+            </a:extLst>
+          </p:cNvPr>
+          <p:cNvSpPr>
+            <a:spLocks noGrp="1"/>
+          </p:cNvSpPr>
+          <p:nvPr>
+            <p:ph type="title"/>
+          </p:nvPr>
+        </p:nvSpPr>
+        <p:spPr>
+          <a:xfrm>
+            <a:off x="643831" y="640080"/>
+            <a:ext cx="3690425" cy="1325562"/>
+          </a:xfrm>
+        </p:spPr>
+        <p:txBody>
+          <a:bodyPr>
+            <a:normAutofit/>
+          </a:bodyPr>
+          <a:lstStyle/>
+          <a:p>
+            <a:r>
+              <a:rPr lang="en-GB" sz="3200" dirty="0"/>
+              <a:t>Navigating around commits</a:t>
+            </a:r>
+          </a:p>
+        </p:txBody>
+      </p:sp>
+      <p:sp>
+        <p:nvSpPr>
+          <p:cNvPr id="3" name="Content Placeholder 2">
+            <a:extLst>
+              <a:ext uri="{FF2B5EF4-FFF2-40B4-BE49-F238E27FC236}">
+                <a16:creationId xmlns:a16="http://schemas.microsoft.com/office/drawing/2014/main" id="{476F0551-B6E7-9358-79EA-9B20DDC8DAF3}"/>
+              </a:ext>
+            </a:extLst>
+          </p:cNvPr>
+          <p:cNvSpPr>
+            <a:spLocks noGrp="1"/>
+          </p:cNvSpPr>
+          <p:nvPr>
+            <p:ph idx="1"/>
+          </p:nvPr>
+        </p:nvSpPr>
+        <p:spPr>
+          <a:xfrm>
+            <a:off x="643831" y="1936955"/>
+            <a:ext cx="3690425" cy="4243182"/>
+          </a:xfrm>
+        </p:spPr>
+        <p:txBody>
+          <a:bodyPr>
+            <a:normAutofit/>
+          </a:bodyPr>
+          <a:lstStyle/>
+          <a:p>
+            <a:r>
+              <a:rPr lang="en-GB" sz="1600" dirty="0"/>
+              <a:t>Try working through tasks 5-7 quickly:</a:t>
+            </a:r>
+          </a:p>
+          <a:p>
+            <a:pPr lvl="1"/>
+            <a:r>
+              <a:rPr lang="en-GB" sz="1400" dirty="0"/>
+              <a:t>Task 6 (rampup2) - “Relative Refs #1 (^)”</a:t>
+            </a:r>
+            <a:endParaRPr lang="en-GB" dirty="0"/>
+          </a:p>
+        </p:txBody>
+      </p:sp>
+      <p:pic>
+        <p:nvPicPr>
+          <p:cNvPr id="5" name="Picture 4">
+            <a:extLst>
+              <a:ext uri="{FF2B5EF4-FFF2-40B4-BE49-F238E27FC236}">
+                <a16:creationId xmlns:a16="http://schemas.microsoft.com/office/drawing/2014/main" id="{685F5EBE-F77B-5283-ADF8-524FA77773C4}"/>
+              </a:ext>
+            </a:extLst>
+          </p:cNvPr>
+          <p:cNvPicPr>
+            <a:picLocks noChangeAspect="1"/>
+          </p:cNvPicPr>
+          <p:nvPr/>
+        </p:nvPicPr>
+        <p:blipFill>
+          <a:blip r:embed="rId2">
+            <a:extLst>
+              <a:ext uri="{28A0092B-C50C-407E-A947-70E740481C1C}">
+                <a14:useLocalDpi xmlns:a14="http://schemas.microsoft.com/office/drawing/2010/main" val="0"/>
+              </a:ext>
+            </a:extLst>
+          </a:blip>
+          <a:srcRect/>
+          <a:stretch/>
+        </p:blipFill>
+        <p:spPr>
+          <a:xfrm>
+            <a:off x="5026830" y="1267220"/>
+            <a:ext cx="5410666" cy="4333818"/>
+          </a:xfrm>
+          <a:prstGeom prst="rect">
+            <a:avLst/>
+          </a:prstGeom>
+        </p:spPr>
+      </p:pic>
+      <p:pic>
+        <p:nvPicPr>
+          <p:cNvPr id="7" name="Picture 6">
+            <a:extLst>
+              <a:ext uri="{FF2B5EF4-FFF2-40B4-BE49-F238E27FC236}">
+                <a16:creationId xmlns:a16="http://schemas.microsoft.com/office/drawing/2014/main" id="{2BCF6774-B92C-7836-786A-79A8C0612D8B}"/>
+              </a:ext>
+            </a:extLst>
+          </p:cNvPr>
+          <p:cNvPicPr>
+            <a:picLocks noChangeAspect="1"/>
+          </p:cNvPicPr>
+          <p:nvPr/>
+        </p:nvPicPr>
+        <p:blipFill>
+          <a:blip r:embed="rId3">
+            <a:extLst>
+              <a:ext uri="{28A0092B-C50C-407E-A947-70E740481C1C}">
+                <a14:useLocalDpi xmlns:a14="http://schemas.microsoft.com/office/drawing/2010/main" val="0"/>
+              </a:ext>
+            </a:extLst>
+          </a:blip>
+          <a:srcRect/>
+          <a:stretch/>
+        </p:blipFill>
+        <p:spPr>
+          <a:xfrm>
+            <a:off x="779896" y="3202859"/>
+            <a:ext cx="3214014" cy="1628207"/>
+          </a:xfrm>
+          <a:prstGeom prst="rect">
+            <a:avLst/>
+          </a:prstGeom>
+        </p:spPr>
+      </p:pic>
+    </p:spTree>
+    <p:extLst>
+      <p:ext uri="{BB962C8B-B14F-4D97-AF65-F5344CB8AC3E}">
+        <p14:creationId xmlns:p14="http://schemas.microsoft.com/office/powerpoint/2010/main" val="705020633"/>
+      </p:ext>
+    </p:extLst>
+  </p:cSld>
+  <p:clrMapOvr>
+    <a:masterClrMapping/>
+  </p:clrMapOvr>
+  <p:timing>
+    <p:tnLst>
+      <p:par>
+        <p:cTn id="1" dur="indefinite" restart="never" nodeType="tmRoot">
+          <p:childTnLst>
+            <p:seq concurrent="1" nextAc="seek">
+              <p:cTn id="2" dur="indefinite" nodeType="mainSeq">
+                <p:childTnLst>
+                  <p:par>
+                    <p:cTn id="3" fill="hold">
+                      <p:stCondLst>
+                        <p:cond delay="indefinite"/>
+                      </p:stCondLst>
+                      <p:childTnLst>
+                        <p:par>
+                          <p:cTn id="4" fill="hold">
+                            <p:stCondLst>
+                              <p:cond delay="0"/>
+                            </p:stCondLst>
+                            <p:childTnLst>
+                              <p:par>
+                                <p:cTn id="5" presetID="26" presetClass="entr" presetSubtype="0" fill="hold" nodeType="clickEffect">
+                                  <p:stCondLst>
+                                    <p:cond delay="0"/>
+                                  </p:stCondLst>
+                                  <p:childTnLst>
+                                    <p:set>
+                                      <p:cBhvr>
+                                        <p:cTn id="6" dur="1" fill="hold">
+                                          <p:stCondLst>
+                                            <p:cond delay="0"/>
+                                          </p:stCondLst>
+                                        </p:cTn>
+                                        <p:tgtEl>
+                                          <p:spTgt spid="7"/>
+                                        </p:tgtEl>
+                                        <p:attrNameLst>
+                                          <p:attrName>style.visibility</p:attrName>
+                                        </p:attrNameLst>
+                                      </p:cBhvr>
+                                      <p:to>
+                                        <p:strVal val="visible"/>
+                                      </p:to>
+                                    </p:set>
+                                    <p:animEffect transition="in" filter="wipe(down)">
+                                      <p:cBhvr>
+                                        <p:cTn id="7" dur="580">
+                                          <p:stCondLst>
+                                            <p:cond delay="0"/>
+                                          </p:stCondLst>
+                                        </p:cTn>
+                                        <p:tgtEl>
+                                          <p:spTgt spid="7"/>
+                                        </p:tgtEl>
+                                      </p:cBhvr>
+                                    </p:animEffect>
+                                    <p:anim calcmode="lin" valueType="num">
+                                      <p:cBhvr>
+                                        <p:cTn id="8" dur="1822" tmFilter="0,0; 0.14,0.36; 0.43,0.73; 0.71,0.91; 1.0,1.0">
+                                          <p:stCondLst>
+                                            <p:cond delay="0"/>
+                                          </p:stCondLst>
+                                        </p:cTn>
+                                        <p:tgtEl>
+                                          <p:spTgt spid="7"/>
+                                        </p:tgtEl>
+                                        <p:attrNameLst>
+                                          <p:attrName>ppt_x</p:attrName>
+                                        </p:attrNameLst>
+                                      </p:cBhvr>
+                                      <p:tavLst>
+                                        <p:tav tm="0">
+                                          <p:val>
+                                            <p:strVal val="#ppt_x-0.25"/>
+                                          </p:val>
+                                        </p:tav>
+                                        <p:tav tm="100000">
+                                          <p:val>
+                                            <p:strVal val="#ppt_x"/>
+                                          </p:val>
+                                        </p:tav>
+                                      </p:tavLst>
+                                    </p:anim>
+                                    <p:anim calcmode="lin" valueType="num">
+                                      <p:cBhvr>
+                                        <p:cTn id="9" dur="664" tmFilter="0.0,0.0; 0.25,0.07; 0.50,0.2; 0.75,0.467; 1.0,1.0">
+                                          <p:stCondLst>
+                                            <p:cond delay="0"/>
+                                          </p:stCondLst>
+                                        </p:cTn>
+                                        <p:tgtEl>
+                                          <p:spTgt spid="7"/>
+                                        </p:tgtEl>
+                                        <p:attrNameLst>
+                                          <p:attrName>ppt_y</p:attrName>
+                                        </p:attrNameLst>
+                                      </p:cBhvr>
+                                      <p:tavLst>
+                                        <p:tav tm="0" fmla="#ppt_y-sin(pi*$)/3">
+                                          <p:val>
+                                            <p:fltVal val="0.5"/>
+                                          </p:val>
+                                        </p:tav>
+                                        <p:tav tm="100000">
+                                          <p:val>
+                                            <p:fltVal val="1"/>
+                                          </p:val>
+                                        </p:tav>
+                                      </p:tavLst>
+                                    </p:anim>
+                                    <p:anim calcmode="lin" valueType="num">
+                                      <p:cBhvr>
+                                        <p:cTn id="10" dur="664" tmFilter="0, 0; 0.125,0.2665; 0.25,0.4; 0.375,0.465; 0.5,0.5;  0.625,0.535; 0.75,0.6; 0.875,0.7335; 1,1">
+                                          <p:stCondLst>
+                                            <p:cond delay="664"/>
+                                          </p:stCondLst>
+                                        </p:cTn>
+                                        <p:tgtEl>
+                                          <p:spTgt spid="7"/>
+                                        </p:tgtEl>
+                                        <p:attrNameLst>
+                                          <p:attrName>ppt_y</p:attrName>
+                                        </p:attrNameLst>
+                                      </p:cBhvr>
+                                      <p:tavLst>
+                                        <p:tav tm="0" fmla="#ppt_y-sin(pi*$)/9">
+                                          <p:val>
+                                            <p:fltVal val="0"/>
+                                          </p:val>
+                                        </p:tav>
+                                        <p:tav tm="100000">
+                                          <p:val>
+                                            <p:fltVal val="1"/>
+                                          </p:val>
+                                        </p:tav>
+                                      </p:tavLst>
+                                    </p:anim>
+                                    <p:anim calcmode="lin" valueType="num">
+                                      <p:cBhvr>
+                                        <p:cTn id="11" dur="332" tmFilter="0, 0; 0.125,0.2665; 0.25,0.4; 0.375,0.465; 0.5,0.5;  0.625,0.535; 0.75,0.6; 0.875,0.7335; 1,1">
+                                          <p:stCondLst>
+                                            <p:cond delay="1324"/>
+                                          </p:stCondLst>
+                                        </p:cTn>
+                                        <p:tgtEl>
+                                          <p:spTgt spid="7"/>
+                                        </p:tgtEl>
+                                        <p:attrNameLst>
+                                          <p:attrName>ppt_y</p:attrName>
+                                        </p:attrNameLst>
+                                      </p:cBhvr>
+                                      <p:tavLst>
+                                        <p:tav tm="0" fmla="#ppt_y-sin(pi*$)/27">
+                                          <p:val>
+                                            <p:fltVal val="0"/>
+                                          </p:val>
+                                        </p:tav>
+                                        <p:tav tm="100000">
+                                          <p:val>
+                                            <p:fltVal val="1"/>
+                                          </p:val>
+                                        </p:tav>
+                                      </p:tavLst>
+                                    </p:anim>
+                                    <p:anim calcmode="lin" valueType="num">
+                                      <p:cBhvr>
+                                        <p:cTn id="12" dur="164" tmFilter="0, 0; 0.125,0.2665; 0.25,0.4; 0.375,0.465; 0.5,0.5;  0.625,0.535; 0.75,0.6; 0.875,0.7335; 1,1">
+                                          <p:stCondLst>
+                                            <p:cond delay="1656"/>
+                                          </p:stCondLst>
+                                        </p:cTn>
+                                        <p:tgtEl>
+                                          <p:spTgt spid="7"/>
+                                        </p:tgtEl>
+                                        <p:attrNameLst>
+                                          <p:attrName>ppt_y</p:attrName>
+                                        </p:attrNameLst>
+                                      </p:cBhvr>
+                                      <p:tavLst>
+                                        <p:tav tm="0" fmla="#ppt_y-sin(pi*$)/81">
+                                          <p:val>
+                                            <p:fltVal val="0"/>
+                                          </p:val>
+                                        </p:tav>
+                                        <p:tav tm="100000">
+                                          <p:val>
+                                            <p:fltVal val="1"/>
+                                          </p:val>
+                                        </p:tav>
+                                      </p:tavLst>
+                                    </p:anim>
+                                    <p:animScale>
+                                      <p:cBhvr>
+                                        <p:cTn id="13" dur="26">
+                                          <p:stCondLst>
+                                            <p:cond delay="650"/>
+                                          </p:stCondLst>
+                                        </p:cTn>
+                                        <p:tgtEl>
+                                          <p:spTgt spid="7"/>
+                                        </p:tgtEl>
+                                      </p:cBhvr>
+                                      <p:to x="100000" y="60000"/>
+                                    </p:animScale>
+                                    <p:animScale>
+                                      <p:cBhvr>
+                                        <p:cTn id="14" dur="166" decel="50000">
+                                          <p:stCondLst>
+                                            <p:cond delay="676"/>
+                                          </p:stCondLst>
+                                        </p:cTn>
+                                        <p:tgtEl>
+                                          <p:spTgt spid="7"/>
+                                        </p:tgtEl>
+                                      </p:cBhvr>
+                                      <p:to x="100000" y="100000"/>
+                                    </p:animScale>
+                                    <p:animScale>
+                                      <p:cBhvr>
+                                        <p:cTn id="15" dur="26">
+                                          <p:stCondLst>
+                                            <p:cond delay="1312"/>
+                                          </p:stCondLst>
+                                        </p:cTn>
+                                        <p:tgtEl>
+                                          <p:spTgt spid="7"/>
+                                        </p:tgtEl>
+                                      </p:cBhvr>
+                                      <p:to x="100000" y="80000"/>
+                                    </p:animScale>
+                                    <p:animScale>
+                                      <p:cBhvr>
+                                        <p:cTn id="16" dur="166" decel="50000">
+                                          <p:stCondLst>
+                                            <p:cond delay="1338"/>
+                                          </p:stCondLst>
+                                        </p:cTn>
+                                        <p:tgtEl>
+                                          <p:spTgt spid="7"/>
+                                        </p:tgtEl>
+                                      </p:cBhvr>
+                                      <p:to x="100000" y="100000"/>
+                                    </p:animScale>
+                                    <p:animScale>
+                                      <p:cBhvr>
+                                        <p:cTn id="17" dur="26">
+                                          <p:stCondLst>
+                                            <p:cond delay="1642"/>
+                                          </p:stCondLst>
+                                        </p:cTn>
+                                        <p:tgtEl>
+                                          <p:spTgt spid="7"/>
+                                        </p:tgtEl>
+                                      </p:cBhvr>
+                                      <p:to x="100000" y="90000"/>
+                                    </p:animScale>
+                                    <p:animScale>
+                                      <p:cBhvr>
+                                        <p:cTn id="18" dur="166" decel="50000">
+                                          <p:stCondLst>
+                                            <p:cond delay="1668"/>
+                                          </p:stCondLst>
+                                        </p:cTn>
+                                        <p:tgtEl>
+                                          <p:spTgt spid="7"/>
+                                        </p:tgtEl>
+                                      </p:cBhvr>
+                                      <p:to x="100000" y="100000"/>
+                                    </p:animScale>
+                                    <p:animScale>
+                                      <p:cBhvr>
+                                        <p:cTn id="19" dur="26">
+                                          <p:stCondLst>
+                                            <p:cond delay="1808"/>
+                                          </p:stCondLst>
+                                        </p:cTn>
+                                        <p:tgtEl>
+                                          <p:spTgt spid="7"/>
+                                        </p:tgtEl>
+                                      </p:cBhvr>
+                                      <p:to x="100000" y="95000"/>
+                                    </p:animScale>
+                                    <p:animScale>
+                                      <p:cBhvr>
+                                        <p:cTn id="20" dur="166" decel="50000">
+                                          <p:stCondLst>
+                                            <p:cond delay="1834"/>
+                                          </p:stCondLst>
+                                        </p:cTn>
+                                        <p:tgtEl>
+                                          <p:spTgt spid="7"/>
+                                        </p:tgtEl>
+                                      </p:cBhvr>
+                                      <p:to x="100000" y="100000"/>
+                                    </p:animScale>
+                                  </p:childTnLst>
+                                </p:cTn>
+                              </p:par>
+                            </p:childTnLst>
+                          </p:cTn>
+                        </p:par>
+                      </p:childTnLst>
+                    </p:cTn>
+                  </p:par>
+                </p:childTnLst>
+              </p:cTn>
+              <p:prevCondLst>
+                <p:cond evt="onPrev" delay="0">
+                  <p:tgtEl>
+                    <p:sldTgt/>
+                  </p:tgtEl>
+                </p:cond>
+              </p:prevCondLst>
+              <p:nextCondLst>
+                <p:cond evt="onNext" delay="0">
+                  <p:tgtEl>
+                    <p:sldTgt/>
+                  </p:tgtEl>
+                </p:cond>
+              </p:nextCondLst>
+            </p:seq>
+          </p:childTnLst>
+        </p:cTn>
+      </p:par>
+    </p:tnLst>
+  </p:timing>
+</p:sld>
+</file>
+
+<file path=ppt/slides/slide18.xml><?xml version="1.0" encoding="utf-8"?>
+<p:sld xmlns:a="http://schemas.openxmlformats.org/drawingml/2006/main" xmlns:r="http://schemas.openxmlformats.org/officeDocument/2006/relationships" xmlns:p="http://schemas.openxmlformats.org/presentationml/2006/main">
+  <p:cSld>
+    <p:spTree>
+      <p:nvGrpSpPr>
+        <p:cNvPr id="1" name=""/>
+        <p:cNvGrpSpPr/>
+        <p:nvPr/>
+      </p:nvGrpSpPr>
+      <p:grpSpPr>
+        <a:xfrm>
+          <a:off x="0" y="0"/>
+          <a:ext cx="0" cy="0"/>
+          <a:chOff x="0" y="0"/>
+          <a:chExt cx="0" cy="0"/>
+        </a:xfrm>
+      </p:grpSpPr>
+      <p:sp>
+        <p:nvSpPr>
+          <p:cNvPr id="2" name="Title 1">
+            <a:extLst>
+              <a:ext uri="{FF2B5EF4-FFF2-40B4-BE49-F238E27FC236}">
+                <a16:creationId xmlns:a16="http://schemas.microsoft.com/office/drawing/2014/main" id="{D047F8EF-BECC-CB05-2042-8E1A2F6D1C1A}"/>
+              </a:ext>
+            </a:extLst>
+          </p:cNvPr>
+          <p:cNvSpPr>
+            <a:spLocks noGrp="1"/>
+          </p:cNvSpPr>
+          <p:nvPr>
+            <p:ph type="title"/>
+          </p:nvPr>
+        </p:nvSpPr>
+        <p:spPr>
+          <a:xfrm>
+            <a:off x="643831" y="640080"/>
+            <a:ext cx="3690425" cy="1325562"/>
+          </a:xfrm>
+        </p:spPr>
+        <p:txBody>
+          <a:bodyPr>
+            <a:normAutofit/>
+          </a:bodyPr>
+          <a:lstStyle/>
+          <a:p>
+            <a:r>
+              <a:rPr lang="en-GB" sz="3200" dirty="0"/>
+              <a:t>Navigating around commits</a:t>
+            </a:r>
+          </a:p>
+        </p:txBody>
+      </p:sp>
+      <p:sp>
+        <p:nvSpPr>
+          <p:cNvPr id="3" name="Content Placeholder 2">
+            <a:extLst>
+              <a:ext uri="{FF2B5EF4-FFF2-40B4-BE49-F238E27FC236}">
+                <a16:creationId xmlns:a16="http://schemas.microsoft.com/office/drawing/2014/main" id="{476F0551-B6E7-9358-79EA-9B20DDC8DAF3}"/>
+              </a:ext>
+            </a:extLst>
+          </p:cNvPr>
+          <p:cNvSpPr>
+            <a:spLocks noGrp="1"/>
+          </p:cNvSpPr>
+          <p:nvPr>
+            <p:ph idx="1"/>
+          </p:nvPr>
+        </p:nvSpPr>
+        <p:spPr>
+          <a:xfrm>
+            <a:off x="643831" y="1936955"/>
+            <a:ext cx="3690425" cy="4243182"/>
+          </a:xfrm>
+        </p:spPr>
+        <p:txBody>
+          <a:bodyPr>
+            <a:normAutofit/>
+          </a:bodyPr>
+          <a:lstStyle/>
+          <a:p>
+            <a:r>
+              <a:rPr lang="en-GB" sz="1600" dirty="0"/>
+              <a:t>Try working through tasks 5-7 quickly:</a:t>
+            </a:r>
+          </a:p>
+          <a:p>
+            <a:pPr lvl="1"/>
+            <a:r>
+              <a:rPr lang="en-GB" sz="1400" dirty="0"/>
+              <a:t>Task 7 (rampup3) - “Relative Refs #2 (~)”</a:t>
+            </a:r>
+            <a:endParaRPr lang="en-GB" dirty="0"/>
+          </a:p>
+        </p:txBody>
+      </p:sp>
+      <p:pic>
+        <p:nvPicPr>
+          <p:cNvPr id="5" name="Picture 4">
+            <a:extLst>
+              <a:ext uri="{FF2B5EF4-FFF2-40B4-BE49-F238E27FC236}">
+                <a16:creationId xmlns:a16="http://schemas.microsoft.com/office/drawing/2014/main" id="{685F5EBE-F77B-5283-ADF8-524FA77773C4}"/>
+              </a:ext>
+            </a:extLst>
+          </p:cNvPr>
+          <p:cNvPicPr>
+            <a:picLocks noChangeAspect="1"/>
+          </p:cNvPicPr>
+          <p:nvPr/>
+        </p:nvPicPr>
+        <p:blipFill>
+          <a:blip r:embed="rId2">
+            <a:extLst>
+              <a:ext uri="{28A0092B-C50C-407E-A947-70E740481C1C}">
+                <a14:useLocalDpi xmlns:a14="http://schemas.microsoft.com/office/drawing/2010/main" val="0"/>
+              </a:ext>
+            </a:extLst>
+          </a:blip>
+          <a:srcRect/>
+          <a:stretch/>
+        </p:blipFill>
+        <p:spPr>
+          <a:xfrm>
+            <a:off x="5026830" y="1273142"/>
+            <a:ext cx="5410666" cy="4321974"/>
+          </a:xfrm>
+          <a:prstGeom prst="rect">
+            <a:avLst/>
+          </a:prstGeom>
+        </p:spPr>
+      </p:pic>
+      <p:pic>
+        <p:nvPicPr>
+          <p:cNvPr id="7" name="Picture 6">
+            <a:extLst>
+              <a:ext uri="{FF2B5EF4-FFF2-40B4-BE49-F238E27FC236}">
+                <a16:creationId xmlns:a16="http://schemas.microsoft.com/office/drawing/2014/main" id="{2BCF6774-B92C-7836-786A-79A8C0612D8B}"/>
+              </a:ext>
+            </a:extLst>
+          </p:cNvPr>
+          <p:cNvPicPr>
+            <a:picLocks noChangeAspect="1"/>
+          </p:cNvPicPr>
+          <p:nvPr/>
+        </p:nvPicPr>
+        <p:blipFill>
+          <a:blip r:embed="rId3">
+            <a:extLst>
+              <a:ext uri="{28A0092B-C50C-407E-A947-70E740481C1C}">
+                <a14:useLocalDpi xmlns:a14="http://schemas.microsoft.com/office/drawing/2010/main" val="0"/>
+              </a:ext>
+            </a:extLst>
+          </a:blip>
+          <a:srcRect/>
+          <a:stretch/>
+        </p:blipFill>
+        <p:spPr>
+          <a:xfrm>
+            <a:off x="1162517" y="3202859"/>
+            <a:ext cx="2448771" cy="1628207"/>
+          </a:xfrm>
+          <a:prstGeom prst="rect">
+            <a:avLst/>
+          </a:prstGeom>
+        </p:spPr>
+      </p:pic>
+    </p:spTree>
+    <p:extLst>
+      <p:ext uri="{BB962C8B-B14F-4D97-AF65-F5344CB8AC3E}">
+        <p14:creationId xmlns:p14="http://schemas.microsoft.com/office/powerpoint/2010/main" val="1336506100"/>
+      </p:ext>
+    </p:extLst>
+  </p:cSld>
+  <p:clrMapOvr>
+    <a:masterClrMapping/>
+  </p:clrMapOvr>
+  <p:timing>
+    <p:tnLst>
+      <p:par>
+        <p:cTn id="1" dur="indefinite" restart="never" nodeType="tmRoot">
+          <p:childTnLst>
+            <p:seq concurrent="1" nextAc="seek">
+              <p:cTn id="2" dur="indefinite" nodeType="mainSeq">
+                <p:childTnLst>
+                  <p:par>
+                    <p:cTn id="3" fill="hold">
+                      <p:stCondLst>
+                        <p:cond delay="indefinite"/>
+                      </p:stCondLst>
+                      <p:childTnLst>
+                        <p:par>
+                          <p:cTn id="4" fill="hold">
+                            <p:stCondLst>
+                              <p:cond delay="0"/>
+                            </p:stCondLst>
+                            <p:childTnLst>
+                              <p:par>
+                                <p:cTn id="5" presetID="26" presetClass="entr" presetSubtype="0" fill="hold" nodeType="clickEffect">
+                                  <p:stCondLst>
+                                    <p:cond delay="0"/>
+                                  </p:stCondLst>
+                                  <p:childTnLst>
+                                    <p:set>
+                                      <p:cBhvr>
+                                        <p:cTn id="6" dur="1" fill="hold">
+                                          <p:stCondLst>
+                                            <p:cond delay="0"/>
+                                          </p:stCondLst>
+                                        </p:cTn>
+                                        <p:tgtEl>
+                                          <p:spTgt spid="7"/>
+                                        </p:tgtEl>
+                                        <p:attrNameLst>
+                                          <p:attrName>style.visibility</p:attrName>
+                                        </p:attrNameLst>
+                                      </p:cBhvr>
+                                      <p:to>
+                                        <p:strVal val="visible"/>
+                                      </p:to>
+                                    </p:set>
+                                    <p:animEffect transition="in" filter="wipe(down)">
+                                      <p:cBhvr>
+                                        <p:cTn id="7" dur="580">
+                                          <p:stCondLst>
+                                            <p:cond delay="0"/>
+                                          </p:stCondLst>
+                                        </p:cTn>
+                                        <p:tgtEl>
+                                          <p:spTgt spid="7"/>
+                                        </p:tgtEl>
+                                      </p:cBhvr>
+                                    </p:animEffect>
+                                    <p:anim calcmode="lin" valueType="num">
+                                      <p:cBhvr>
+                                        <p:cTn id="8" dur="1822" tmFilter="0,0; 0.14,0.36; 0.43,0.73; 0.71,0.91; 1.0,1.0">
+                                          <p:stCondLst>
+                                            <p:cond delay="0"/>
+                                          </p:stCondLst>
+                                        </p:cTn>
+                                        <p:tgtEl>
+                                          <p:spTgt spid="7"/>
+                                        </p:tgtEl>
+                                        <p:attrNameLst>
+                                          <p:attrName>ppt_x</p:attrName>
+                                        </p:attrNameLst>
+                                      </p:cBhvr>
+                                      <p:tavLst>
+                                        <p:tav tm="0">
+                                          <p:val>
+                                            <p:strVal val="#ppt_x-0.25"/>
+                                          </p:val>
+                                        </p:tav>
+                                        <p:tav tm="100000">
+                                          <p:val>
+                                            <p:strVal val="#ppt_x"/>
+                                          </p:val>
+                                        </p:tav>
+                                      </p:tavLst>
+                                    </p:anim>
+                                    <p:anim calcmode="lin" valueType="num">
+                                      <p:cBhvr>
+                                        <p:cTn id="9" dur="664" tmFilter="0.0,0.0; 0.25,0.07; 0.50,0.2; 0.75,0.467; 1.0,1.0">
+                                          <p:stCondLst>
+                                            <p:cond delay="0"/>
+                                          </p:stCondLst>
+                                        </p:cTn>
+                                        <p:tgtEl>
+                                          <p:spTgt spid="7"/>
+                                        </p:tgtEl>
+                                        <p:attrNameLst>
+                                          <p:attrName>ppt_y</p:attrName>
+                                        </p:attrNameLst>
+                                      </p:cBhvr>
+                                      <p:tavLst>
+                                        <p:tav tm="0" fmla="#ppt_y-sin(pi*$)/3">
+                                          <p:val>
+                                            <p:fltVal val="0.5"/>
+                                          </p:val>
+                                        </p:tav>
+                                        <p:tav tm="100000">
+                                          <p:val>
+                                            <p:fltVal val="1"/>
+                                          </p:val>
+                                        </p:tav>
+                                      </p:tavLst>
+                                    </p:anim>
+                                    <p:anim calcmode="lin" valueType="num">
+                                      <p:cBhvr>
+                                        <p:cTn id="10" dur="664" tmFilter="0, 0; 0.125,0.2665; 0.25,0.4; 0.375,0.465; 0.5,0.5;  0.625,0.535; 0.75,0.6; 0.875,0.7335; 1,1">
+                                          <p:stCondLst>
+                                            <p:cond delay="664"/>
+                                          </p:stCondLst>
+                                        </p:cTn>
+                                        <p:tgtEl>
+                                          <p:spTgt spid="7"/>
+                                        </p:tgtEl>
+                                        <p:attrNameLst>
+                                          <p:attrName>ppt_y</p:attrName>
+                                        </p:attrNameLst>
+                                      </p:cBhvr>
+                                      <p:tavLst>
+                                        <p:tav tm="0" fmla="#ppt_y-sin(pi*$)/9">
+                                          <p:val>
+                                            <p:fltVal val="0"/>
+                                          </p:val>
+                                        </p:tav>
+                                        <p:tav tm="100000">
+                                          <p:val>
+                                            <p:fltVal val="1"/>
+                                          </p:val>
+                                        </p:tav>
+                                      </p:tavLst>
+                                    </p:anim>
+                                    <p:anim calcmode="lin" valueType="num">
+                                      <p:cBhvr>
+                                        <p:cTn id="11" dur="332" tmFilter="0, 0; 0.125,0.2665; 0.25,0.4; 0.375,0.465; 0.5,0.5;  0.625,0.535; 0.75,0.6; 0.875,0.7335; 1,1">
+                                          <p:stCondLst>
+                                            <p:cond delay="1324"/>
+                                          </p:stCondLst>
+                                        </p:cTn>
+                                        <p:tgtEl>
+                                          <p:spTgt spid="7"/>
+                                        </p:tgtEl>
+                                        <p:attrNameLst>
+                                          <p:attrName>ppt_y</p:attrName>
+                                        </p:attrNameLst>
+                                      </p:cBhvr>
+                                      <p:tavLst>
+                                        <p:tav tm="0" fmla="#ppt_y-sin(pi*$)/27">
+                                          <p:val>
+                                            <p:fltVal val="0"/>
+                                          </p:val>
+                                        </p:tav>
+                                        <p:tav tm="100000">
+                                          <p:val>
+                                            <p:fltVal val="1"/>
+                                          </p:val>
+                                        </p:tav>
+                                      </p:tavLst>
+                                    </p:anim>
+                                    <p:anim calcmode="lin" valueType="num">
+                                      <p:cBhvr>
+                                        <p:cTn id="12" dur="164" tmFilter="0, 0; 0.125,0.2665; 0.25,0.4; 0.375,0.465; 0.5,0.5;  0.625,0.535; 0.75,0.6; 0.875,0.7335; 1,1">
+                                          <p:stCondLst>
+                                            <p:cond delay="1656"/>
+                                          </p:stCondLst>
+                                        </p:cTn>
+                                        <p:tgtEl>
+                                          <p:spTgt spid="7"/>
+                                        </p:tgtEl>
+                                        <p:attrNameLst>
+                                          <p:attrName>ppt_y</p:attrName>
+                                        </p:attrNameLst>
+                                      </p:cBhvr>
+                                      <p:tavLst>
+                                        <p:tav tm="0" fmla="#ppt_y-sin(pi*$)/81">
+                                          <p:val>
+                                            <p:fltVal val="0"/>
+                                          </p:val>
+                                        </p:tav>
+                                        <p:tav tm="100000">
+                                          <p:val>
+                                            <p:fltVal val="1"/>
+                                          </p:val>
+                                        </p:tav>
+                                      </p:tavLst>
+                                    </p:anim>
+                                    <p:animScale>
+                                      <p:cBhvr>
+                                        <p:cTn id="13" dur="26">
+                                          <p:stCondLst>
+                                            <p:cond delay="650"/>
+                                          </p:stCondLst>
+                                        </p:cTn>
+                                        <p:tgtEl>
+                                          <p:spTgt spid="7"/>
+                                        </p:tgtEl>
+                                      </p:cBhvr>
+                                      <p:to x="100000" y="60000"/>
+                                    </p:animScale>
+                                    <p:animScale>
+                                      <p:cBhvr>
+                                        <p:cTn id="14" dur="166" decel="50000">
+                                          <p:stCondLst>
+                                            <p:cond delay="676"/>
+                                          </p:stCondLst>
+                                        </p:cTn>
+                                        <p:tgtEl>
+                                          <p:spTgt spid="7"/>
+                                        </p:tgtEl>
+                                      </p:cBhvr>
+                                      <p:to x="100000" y="100000"/>
+                                    </p:animScale>
+                                    <p:animScale>
+                                      <p:cBhvr>
+                                        <p:cTn id="15" dur="26">
+                                          <p:stCondLst>
+                                            <p:cond delay="1312"/>
+                                          </p:stCondLst>
+                                        </p:cTn>
+                                        <p:tgtEl>
+                                          <p:spTgt spid="7"/>
+                                        </p:tgtEl>
+                                      </p:cBhvr>
+                                      <p:to x="100000" y="80000"/>
+                                    </p:animScale>
+                                    <p:animScale>
+                                      <p:cBhvr>
+                                        <p:cTn id="16" dur="166" decel="50000">
+                                          <p:stCondLst>
+                                            <p:cond delay="1338"/>
+                                          </p:stCondLst>
+                                        </p:cTn>
+                                        <p:tgtEl>
+                                          <p:spTgt spid="7"/>
+                                        </p:tgtEl>
+                                      </p:cBhvr>
+                                      <p:to x="100000" y="100000"/>
+                                    </p:animScale>
+                                    <p:animScale>
+                                      <p:cBhvr>
+                                        <p:cTn id="17" dur="26">
+                                          <p:stCondLst>
+                                            <p:cond delay="1642"/>
+                                          </p:stCondLst>
+                                        </p:cTn>
+                                        <p:tgtEl>
+                                          <p:spTgt spid="7"/>
+                                        </p:tgtEl>
+                                      </p:cBhvr>
+                                      <p:to x="100000" y="90000"/>
+                                    </p:animScale>
+                                    <p:animScale>
+                                      <p:cBhvr>
+                                        <p:cTn id="18" dur="166" decel="50000">
+                                          <p:stCondLst>
+                                            <p:cond delay="1668"/>
+                                          </p:stCondLst>
+                                        </p:cTn>
+                                        <p:tgtEl>
+                                          <p:spTgt spid="7"/>
+                                        </p:tgtEl>
+                                      </p:cBhvr>
+                                      <p:to x="100000" y="100000"/>
+                                    </p:animScale>
+                                    <p:animScale>
+                                      <p:cBhvr>
+                                        <p:cTn id="19" dur="26">
+                                          <p:stCondLst>
+                                            <p:cond delay="1808"/>
+                                          </p:stCondLst>
+                                        </p:cTn>
+                                        <p:tgtEl>
+                                          <p:spTgt spid="7"/>
+                                        </p:tgtEl>
+                                      </p:cBhvr>
+                                      <p:to x="100000" y="95000"/>
+                                    </p:animScale>
+                                    <p:animScale>
+                                      <p:cBhvr>
+                                        <p:cTn id="20" dur="166" decel="50000">
+                                          <p:stCondLst>
+                                            <p:cond delay="1834"/>
+                                          </p:stCondLst>
+                                        </p:cTn>
+                                        <p:tgtEl>
+                                          <p:spTgt spid="7"/>
+                                        </p:tgtEl>
+                                      </p:cBhvr>
+                                      <p:to x="100000" y="100000"/>
+                                    </p:animScale>
+                                  </p:childTnLst>
+                                </p:cTn>
+                              </p:par>
+                            </p:childTnLst>
+                          </p:cTn>
+                        </p:par>
+                      </p:childTnLst>
+                    </p:cTn>
+                  </p:par>
+                </p:childTnLst>
+              </p:cTn>
+              <p:prevCondLst>
+                <p:cond evt="onPrev" delay="0">
+                  <p:tgtEl>
+                    <p:sldTgt/>
+                  </p:tgtEl>
+                </p:cond>
+              </p:prevCondLst>
+              <p:nextCondLst>
+                <p:cond evt="onNext" delay="0">
+                  <p:tgtEl>
+                    <p:sldTgt/>
+                  </p:tgtEl>
+                </p:cond>
+              </p:nextCondLst>
+            </p:seq>
+          </p:childTnLst>
+        </p:cTn>
+      </p:par>
+    </p:tnLst>
+  </p:timing>
+</p:sld>
+</file>
+
+<file path=ppt/slides/slide19.xml><?xml version="1.0" encoding="utf-8"?>
+<p:sld xmlns:a="http://schemas.openxmlformats.org/drawingml/2006/main" xmlns:r="http://schemas.openxmlformats.org/officeDocument/2006/relationships" xmlns:p="http://schemas.openxmlformats.org/presentationml/2006/main">
+  <p:cSld>
+    <p:spTree>
+      <p:nvGrpSpPr>
+        <p:cNvPr id="1" name=""/>
+        <p:cNvGrpSpPr/>
+        <p:nvPr/>
+      </p:nvGrpSpPr>
+      <p:grpSpPr>
+        <a:xfrm>
+          <a:off x="0" y="0"/>
+          <a:ext cx="0" cy="0"/>
+          <a:chOff x="0" y="0"/>
+          <a:chExt cx="0" cy="0"/>
+        </a:xfrm>
+      </p:grpSpPr>
+      <p:sp>
+        <p:nvSpPr>
+          <p:cNvPr id="2" name="Title 1">
+            <a:extLst>
+              <a:ext uri="{FF2B5EF4-FFF2-40B4-BE49-F238E27FC236}">
+                <a16:creationId xmlns:a16="http://schemas.microsoft.com/office/drawing/2014/main" id="{D047F8EF-BECC-CB05-2042-8E1A2F6D1C1A}"/>
+              </a:ext>
+            </a:extLst>
+          </p:cNvPr>
+          <p:cNvSpPr>
+            <a:spLocks noGrp="1"/>
+          </p:cNvSpPr>
+          <p:nvPr>
+            <p:ph type="title"/>
+          </p:nvPr>
+        </p:nvSpPr>
+        <p:spPr>
+          <a:xfrm>
+            <a:off x="643831" y="640080"/>
+            <a:ext cx="7951529" cy="666206"/>
+          </a:xfrm>
+        </p:spPr>
+        <p:txBody>
+          <a:bodyPr>
+            <a:normAutofit/>
+          </a:bodyPr>
+          <a:lstStyle/>
+          <a:p>
+            <a:r>
+              <a:rPr lang="en-GB" sz="3200" dirty="0"/>
+              <a:t>Navigating and undoing changes</a:t>
+            </a:r>
+          </a:p>
+        </p:txBody>
+      </p:sp>
+      <p:sp>
+        <p:nvSpPr>
+          <p:cNvPr id="3" name="Content Placeholder 2">
+            <a:extLst>
+              <a:ext uri="{FF2B5EF4-FFF2-40B4-BE49-F238E27FC236}">
+                <a16:creationId xmlns:a16="http://schemas.microsoft.com/office/drawing/2014/main" id="{476F0551-B6E7-9358-79EA-9B20DDC8DAF3}"/>
+              </a:ext>
+            </a:extLst>
+          </p:cNvPr>
+          <p:cNvSpPr>
+            <a:spLocks noGrp="1"/>
+          </p:cNvSpPr>
+          <p:nvPr>
+            <p:ph idx="1"/>
+          </p:nvPr>
+        </p:nvSpPr>
+        <p:spPr>
+          <a:xfrm>
+            <a:off x="643831" y="1584960"/>
+            <a:ext cx="7873152" cy="4595177"/>
+          </a:xfrm>
+        </p:spPr>
+        <p:txBody>
+          <a:bodyPr>
+            <a:normAutofit/>
+          </a:bodyPr>
+          <a:lstStyle/>
+          <a:p>
+            <a:r>
+              <a:rPr lang="en-GB" sz="2800" dirty="0"/>
+              <a:t>Now that we’ve had some experience of moving around between commits up and down the history tree and between branches, we’re in a place where we can take a look at undoing changes…</a:t>
+            </a:r>
+          </a:p>
+          <a:p>
+            <a:pPr lvl="1"/>
+            <a:r>
+              <a:rPr lang="en-GB" sz="2400" dirty="0"/>
+              <a:t>This can be with either of:</a:t>
+            </a:r>
+          </a:p>
+          <a:p>
+            <a:pPr lvl="2"/>
+            <a:r>
+              <a:rPr lang="en-GB" sz="2000" i="1" dirty="0"/>
+              <a:t>git reset</a:t>
+            </a:r>
+            <a:r>
+              <a:rPr lang="en-GB" sz="2000" dirty="0"/>
+              <a:t>  </a:t>
+            </a:r>
+          </a:p>
+          <a:p>
+            <a:pPr lvl="2"/>
+            <a:r>
+              <a:rPr lang="en-GB" sz="2000" i="1" dirty="0"/>
+              <a:t>git revert</a:t>
+            </a:r>
+          </a:p>
+          <a:p>
+            <a:r>
+              <a:rPr lang="en-GB" sz="2800" dirty="0"/>
+              <a:t>Have a go at the next level on git branching…</a:t>
+            </a:r>
+          </a:p>
+        </p:txBody>
+      </p:sp>
+      <p:pic>
+        <p:nvPicPr>
+          <p:cNvPr id="5" name="Picture 4">
+            <a:extLst>
+              <a:ext uri="{FF2B5EF4-FFF2-40B4-BE49-F238E27FC236}">
+                <a16:creationId xmlns:a16="http://schemas.microsoft.com/office/drawing/2014/main" id="{685F5EBE-F77B-5283-ADF8-524FA77773C4}"/>
+              </a:ext>
+            </a:extLst>
+          </p:cNvPr>
+          <p:cNvPicPr>
+            <a:picLocks noChangeAspect="1"/>
+          </p:cNvPicPr>
+          <p:nvPr/>
+        </p:nvPicPr>
+        <p:blipFill>
+          <a:blip r:embed="rId2">
+            <a:extLst>
+              <a:ext uri="{28A0092B-C50C-407E-A947-70E740481C1C}">
+                <a14:useLocalDpi xmlns:a14="http://schemas.microsoft.com/office/drawing/2010/main" val="0"/>
+              </a:ext>
+            </a:extLst>
+          </a:blip>
+          <a:srcRect/>
+          <a:stretch/>
+        </p:blipFill>
+        <p:spPr>
+          <a:xfrm>
+            <a:off x="8978537" y="4577489"/>
+            <a:ext cx="2669449" cy="2132323"/>
+          </a:xfrm>
+          <a:prstGeom prst="rect">
+            <a:avLst/>
+          </a:prstGeom>
+        </p:spPr>
+      </p:pic>
+      <p:pic>
+        <p:nvPicPr>
+          <p:cNvPr id="4" name="Picture 3">
+            <a:extLst>
+              <a:ext uri="{FF2B5EF4-FFF2-40B4-BE49-F238E27FC236}">
+                <a16:creationId xmlns:a16="http://schemas.microsoft.com/office/drawing/2014/main" id="{768C7F93-0FD7-0366-72A9-B83131E71A34}"/>
+              </a:ext>
+            </a:extLst>
+          </p:cNvPr>
+          <p:cNvPicPr>
+            <a:picLocks noChangeAspect="1"/>
+          </p:cNvPicPr>
+          <p:nvPr/>
+        </p:nvPicPr>
+        <p:blipFill>
+          <a:blip r:embed="rId3">
+            <a:extLst>
+              <a:ext uri="{28A0092B-C50C-407E-A947-70E740481C1C}">
+                <a14:useLocalDpi xmlns:a14="http://schemas.microsoft.com/office/drawing/2010/main" val="0"/>
+              </a:ext>
+            </a:extLst>
+          </a:blip>
+          <a:srcRect/>
+          <a:stretch/>
+        </p:blipFill>
+        <p:spPr>
+          <a:xfrm>
+            <a:off x="8978537" y="2314728"/>
+            <a:ext cx="2669449" cy="2138167"/>
+          </a:xfrm>
+          <a:prstGeom prst="rect">
+            <a:avLst/>
+          </a:prstGeom>
+        </p:spPr>
+      </p:pic>
+      <p:pic>
+        <p:nvPicPr>
+          <p:cNvPr id="6" name="Picture 5">
+            <a:extLst>
+              <a:ext uri="{FF2B5EF4-FFF2-40B4-BE49-F238E27FC236}">
+                <a16:creationId xmlns:a16="http://schemas.microsoft.com/office/drawing/2014/main" id="{740885C5-D989-B7EC-ADB0-D69A9041768E}"/>
+              </a:ext>
+            </a:extLst>
+          </p:cNvPr>
+          <p:cNvPicPr>
+            <a:picLocks noChangeAspect="1"/>
+          </p:cNvPicPr>
+          <p:nvPr/>
+        </p:nvPicPr>
+        <p:blipFill>
+          <a:blip r:embed="rId4">
+            <a:extLst>
+              <a:ext uri="{28A0092B-C50C-407E-A947-70E740481C1C}">
+                <a14:useLocalDpi xmlns:a14="http://schemas.microsoft.com/office/drawing/2010/main" val="0"/>
+              </a:ext>
+            </a:extLst>
+          </a:blip>
+          <a:srcRect/>
+          <a:stretch/>
+        </p:blipFill>
+        <p:spPr>
+          <a:xfrm>
+            <a:off x="8974192" y="159611"/>
+            <a:ext cx="2673794" cy="2030524"/>
+          </a:xfrm>
+          <a:prstGeom prst="rect">
+            <a:avLst/>
+          </a:prstGeom>
+        </p:spPr>
+      </p:pic>
+    </p:spTree>
+    <p:extLst>
+      <p:ext uri="{BB962C8B-B14F-4D97-AF65-F5344CB8AC3E}">
+        <p14:creationId xmlns:p14="http://schemas.microsoft.com/office/powerpoint/2010/main" val="2389326006"/>
+      </p:ext>
+    </p:extLst>
+  </p:cSld>
+  <p:clrMapOvr>
+    <a:masterClrMapping/>
+  </p:clrMapOvr>
+</p:sld>
+</file>
+
+<file path=ppt/slides/slide2.xml><?xml version="1.0" encoding="utf-8"?>
+<p:sld xmlns:a="http://schemas.openxmlformats.org/drawingml/2006/main" xmlns:r="http://schemas.openxmlformats.org/officeDocument/2006/relationships" xmlns:p="http://schemas.openxmlformats.org/presentationml/2006/main">
+  <p:cSld>
+    <p:spTree>
+      <p:nvGrpSpPr>
+        <p:cNvPr id="1" name=""/>
+        <p:cNvGrpSpPr/>
+        <p:nvPr/>
+      </p:nvGrpSpPr>
+      <p:grpSpPr>
+        <a:xfrm>
+          <a:off x="0" y="0"/>
+          <a:ext cx="0" cy="0"/>
+          <a:chOff x="0" y="0"/>
+          <a:chExt cx="0" cy="0"/>
+        </a:xfrm>
+      </p:grpSpPr>
+      <p:sp>
+        <p:nvSpPr>
+          <p:cNvPr id="2" name="Title 1">
+            <a:extLst>
+              <a:ext uri="{FF2B5EF4-FFF2-40B4-BE49-F238E27FC236}">
+                <a16:creationId xmlns:a16="http://schemas.microsoft.com/office/drawing/2014/main" id="{ABAFFC0C-75B9-F1D8-7F37-DF17A0C915C0}"/>
+              </a:ext>
+            </a:extLst>
+          </p:cNvPr>
+          <p:cNvSpPr>
+            <a:spLocks noGrp="1"/>
+          </p:cNvSpPr>
+          <p:nvPr>
+            <p:ph type="title"/>
+          </p:nvPr>
+        </p:nvSpPr>
+        <p:spPr/>
+        <p:txBody>
+          <a:bodyPr/>
+          <a:lstStyle/>
+          <a:p>
+            <a:r>
+              <a:rPr lang="en-GB" dirty="0"/>
+              <a:t>Intros</a:t>
+            </a:r>
+          </a:p>
+        </p:txBody>
+      </p:sp>
+      <p:sp>
+        <p:nvSpPr>
+          <p:cNvPr id="3" name="Content Placeholder 2">
+            <a:extLst>
+              <a:ext uri="{FF2B5EF4-FFF2-40B4-BE49-F238E27FC236}">
+                <a16:creationId xmlns:a16="http://schemas.microsoft.com/office/drawing/2014/main" id="{4930FBD0-31AF-8FE7-DC2D-4B3BD356AA19}"/>
+              </a:ext>
+            </a:extLst>
+          </p:cNvPr>
+          <p:cNvSpPr>
+            <a:spLocks noGrp="1"/>
+          </p:cNvSpPr>
+          <p:nvPr>
+            <p:ph idx="1"/>
+          </p:nvPr>
+        </p:nvSpPr>
+        <p:spPr/>
+        <p:txBody>
+          <a:bodyPr>
+            <a:normAutofit/>
+          </a:bodyPr>
+          <a:lstStyle/>
+          <a:p>
+            <a:r>
+              <a:rPr lang="en-GB" sz="6400" dirty="0"/>
+              <a:t>Who are we?</a:t>
+            </a:r>
+          </a:p>
+          <a:p>
+            <a:r>
+              <a:rPr lang="en-GB" sz="6400" dirty="0"/>
+              <a:t>Who are you?</a:t>
+            </a:r>
+          </a:p>
+        </p:txBody>
+      </p:sp>
+    </p:spTree>
+    <p:extLst>
+      <p:ext uri="{BB962C8B-B14F-4D97-AF65-F5344CB8AC3E}">
+        <p14:creationId xmlns:p14="http://schemas.microsoft.com/office/powerpoint/2010/main" val="3561758237"/>
+      </p:ext>
+    </p:extLst>
+  </p:cSld>
+  <p:clrMapOvr>
+    <a:masterClrMapping/>
+  </p:clrMapOvr>
+</p:sld>
+</file>
+
+<file path=ppt/slides/slide20.xml><?xml version="1.0" encoding="utf-8"?>
+<p:sld xmlns:a="http://schemas.openxmlformats.org/drawingml/2006/main" xmlns:r="http://schemas.openxmlformats.org/officeDocument/2006/relationships" xmlns:p="http://schemas.openxmlformats.org/presentationml/2006/main">
+  <p:cSld>
+    <p:spTree>
+      <p:nvGrpSpPr>
+        <p:cNvPr id="1" name=""/>
+        <p:cNvGrpSpPr/>
+        <p:nvPr/>
+      </p:nvGrpSpPr>
+      <p:grpSpPr>
+        <a:xfrm>
+          <a:off x="0" y="0"/>
+          <a:ext cx="0" cy="0"/>
+          <a:chOff x="0" y="0"/>
+          <a:chExt cx="0" cy="0"/>
+        </a:xfrm>
+      </p:grpSpPr>
+      <p:sp>
+        <p:nvSpPr>
+          <p:cNvPr id="2" name="Title 1">
+            <a:extLst>
+              <a:ext uri="{FF2B5EF4-FFF2-40B4-BE49-F238E27FC236}">
+                <a16:creationId xmlns:a16="http://schemas.microsoft.com/office/drawing/2014/main" id="{D047F8EF-BECC-CB05-2042-8E1A2F6D1C1A}"/>
+              </a:ext>
+            </a:extLst>
+          </p:cNvPr>
+          <p:cNvSpPr>
+            <a:spLocks noGrp="1"/>
+          </p:cNvSpPr>
+          <p:nvPr>
+            <p:ph type="title"/>
+          </p:nvPr>
+        </p:nvSpPr>
+        <p:spPr>
+          <a:xfrm>
+            <a:off x="643831" y="640080"/>
+            <a:ext cx="3690425" cy="1325562"/>
+          </a:xfrm>
+        </p:spPr>
+        <p:txBody>
+          <a:bodyPr>
+            <a:normAutofit/>
+          </a:bodyPr>
+          <a:lstStyle/>
+          <a:p>
+            <a:r>
+              <a:rPr lang="en-GB" sz="3200" dirty="0"/>
+              <a:t>Undoing your changes</a:t>
+            </a:r>
+          </a:p>
+        </p:txBody>
+      </p:sp>
+      <p:sp>
+        <p:nvSpPr>
+          <p:cNvPr id="3" name="Content Placeholder 2">
+            <a:extLst>
+              <a:ext uri="{FF2B5EF4-FFF2-40B4-BE49-F238E27FC236}">
+                <a16:creationId xmlns:a16="http://schemas.microsoft.com/office/drawing/2014/main" id="{476F0551-B6E7-9358-79EA-9B20DDC8DAF3}"/>
+              </a:ext>
+            </a:extLst>
+          </p:cNvPr>
+          <p:cNvSpPr>
+            <a:spLocks noGrp="1"/>
+          </p:cNvSpPr>
+          <p:nvPr>
+            <p:ph idx="1"/>
+          </p:nvPr>
+        </p:nvSpPr>
+        <p:spPr>
+          <a:xfrm>
+            <a:off x="643831" y="1936955"/>
+            <a:ext cx="3690425" cy="4243182"/>
+          </a:xfrm>
+        </p:spPr>
+        <p:txBody>
+          <a:bodyPr>
+            <a:normAutofit/>
+          </a:bodyPr>
+          <a:lstStyle/>
+          <a:p>
+            <a:r>
+              <a:rPr lang="en-GB" sz="1600" dirty="0"/>
+              <a:t>Last task we’ll do today:</a:t>
+            </a:r>
+          </a:p>
+          <a:p>
+            <a:pPr lvl="1"/>
+            <a:r>
+              <a:rPr lang="en-GB" sz="1400" dirty="0"/>
+              <a:t>Task 8 (rampup4) - “Reversing changes in Git”</a:t>
+            </a:r>
+            <a:endParaRPr lang="en-GB" dirty="0"/>
+          </a:p>
+        </p:txBody>
+      </p:sp>
+      <p:pic>
+        <p:nvPicPr>
+          <p:cNvPr id="5" name="Picture 4">
+            <a:extLst>
+              <a:ext uri="{FF2B5EF4-FFF2-40B4-BE49-F238E27FC236}">
+                <a16:creationId xmlns:a16="http://schemas.microsoft.com/office/drawing/2014/main" id="{685F5EBE-F77B-5283-ADF8-524FA77773C4}"/>
+              </a:ext>
+            </a:extLst>
+          </p:cNvPr>
+          <p:cNvPicPr>
+            <a:picLocks noChangeAspect="1"/>
+          </p:cNvPicPr>
+          <p:nvPr/>
+        </p:nvPicPr>
+        <p:blipFill>
+          <a:blip r:embed="rId2">
+            <a:extLst>
+              <a:ext uri="{28A0092B-C50C-407E-A947-70E740481C1C}">
+                <a14:useLocalDpi xmlns:a14="http://schemas.microsoft.com/office/drawing/2010/main" val="0"/>
+              </a:ext>
+            </a:extLst>
+          </a:blip>
+          <a:srcRect/>
+          <a:stretch/>
+        </p:blipFill>
+        <p:spPr>
+          <a:xfrm>
+            <a:off x="5117270" y="1273142"/>
+            <a:ext cx="5229785" cy="4321974"/>
+          </a:xfrm>
+          <a:prstGeom prst="rect">
+            <a:avLst/>
+          </a:prstGeom>
+        </p:spPr>
+      </p:pic>
+      <p:pic>
+        <p:nvPicPr>
+          <p:cNvPr id="7" name="Picture 6">
+            <a:extLst>
+              <a:ext uri="{FF2B5EF4-FFF2-40B4-BE49-F238E27FC236}">
+                <a16:creationId xmlns:a16="http://schemas.microsoft.com/office/drawing/2014/main" id="{2BCF6774-B92C-7836-786A-79A8C0612D8B}"/>
+              </a:ext>
+            </a:extLst>
+          </p:cNvPr>
+          <p:cNvPicPr>
+            <a:picLocks noChangeAspect="1"/>
+          </p:cNvPicPr>
+          <p:nvPr/>
+        </p:nvPicPr>
+        <p:blipFill>
+          <a:blip r:embed="rId3">
+            <a:extLst>
+              <a:ext uri="{28A0092B-C50C-407E-A947-70E740481C1C}">
+                <a14:useLocalDpi xmlns:a14="http://schemas.microsoft.com/office/drawing/2010/main" val="0"/>
+              </a:ext>
+            </a:extLst>
+          </a:blip>
+          <a:srcRect/>
+          <a:stretch/>
+        </p:blipFill>
+        <p:spPr>
+          <a:xfrm>
+            <a:off x="1204737" y="3202859"/>
+            <a:ext cx="2364331" cy="1628207"/>
+          </a:xfrm>
+          <a:prstGeom prst="rect">
+            <a:avLst/>
+          </a:prstGeom>
+        </p:spPr>
+      </p:pic>
+    </p:spTree>
+    <p:extLst>
+      <p:ext uri="{BB962C8B-B14F-4D97-AF65-F5344CB8AC3E}">
+        <p14:creationId xmlns:p14="http://schemas.microsoft.com/office/powerpoint/2010/main" val="1396509500"/>
+      </p:ext>
+    </p:extLst>
+  </p:cSld>
+  <p:clrMapOvr>
+    <a:masterClrMapping/>
+  </p:clrMapOvr>
+  <p:timing>
+    <p:tnLst>
+      <p:par>
+        <p:cTn id="1" dur="indefinite" restart="never" nodeType="tmRoot">
+          <p:childTnLst>
+            <p:seq concurrent="1" nextAc="seek">
+              <p:cTn id="2" dur="indefinite" nodeType="mainSeq">
+                <p:childTnLst>
+                  <p:par>
+                    <p:cTn id="3" fill="hold">
+                      <p:stCondLst>
+                        <p:cond delay="indefinite"/>
+                      </p:stCondLst>
+                      <p:childTnLst>
+                        <p:par>
+                          <p:cTn id="4" fill="hold">
+                            <p:stCondLst>
+                              <p:cond delay="0"/>
+                            </p:stCondLst>
+                            <p:childTnLst>
+                              <p:par>
+                                <p:cTn id="5" presetID="26" presetClass="entr" presetSubtype="0" fill="hold" nodeType="clickEffect">
+                                  <p:stCondLst>
+                                    <p:cond delay="0"/>
+                                  </p:stCondLst>
+                                  <p:childTnLst>
+                                    <p:set>
+                                      <p:cBhvr>
+                                        <p:cTn id="6" dur="1" fill="hold">
+                                          <p:stCondLst>
+                                            <p:cond delay="0"/>
+                                          </p:stCondLst>
+                                        </p:cTn>
+                                        <p:tgtEl>
+                                          <p:spTgt spid="7"/>
+                                        </p:tgtEl>
+                                        <p:attrNameLst>
+                                          <p:attrName>style.visibility</p:attrName>
+                                        </p:attrNameLst>
+                                      </p:cBhvr>
+                                      <p:to>
+                                        <p:strVal val="visible"/>
+                                      </p:to>
+                                    </p:set>
+                                    <p:animEffect transition="in" filter="wipe(down)">
+                                      <p:cBhvr>
+                                        <p:cTn id="7" dur="580">
+                                          <p:stCondLst>
+                                            <p:cond delay="0"/>
+                                          </p:stCondLst>
+                                        </p:cTn>
+                                        <p:tgtEl>
+                                          <p:spTgt spid="7"/>
+                                        </p:tgtEl>
+                                      </p:cBhvr>
+                                    </p:animEffect>
+                                    <p:anim calcmode="lin" valueType="num">
+                                      <p:cBhvr>
+                                        <p:cTn id="8" dur="1822" tmFilter="0,0; 0.14,0.36; 0.43,0.73; 0.71,0.91; 1.0,1.0">
+                                          <p:stCondLst>
+                                            <p:cond delay="0"/>
+                                          </p:stCondLst>
+                                        </p:cTn>
+                                        <p:tgtEl>
+                                          <p:spTgt spid="7"/>
+                                        </p:tgtEl>
+                                        <p:attrNameLst>
+                                          <p:attrName>ppt_x</p:attrName>
+                                        </p:attrNameLst>
+                                      </p:cBhvr>
+                                      <p:tavLst>
+                                        <p:tav tm="0">
+                                          <p:val>
+                                            <p:strVal val="#ppt_x-0.25"/>
+                                          </p:val>
+                                        </p:tav>
+                                        <p:tav tm="100000">
+                                          <p:val>
+                                            <p:strVal val="#ppt_x"/>
+                                          </p:val>
+                                        </p:tav>
+                                      </p:tavLst>
+                                    </p:anim>
+                                    <p:anim calcmode="lin" valueType="num">
+                                      <p:cBhvr>
+                                        <p:cTn id="9" dur="664" tmFilter="0.0,0.0; 0.25,0.07; 0.50,0.2; 0.75,0.467; 1.0,1.0">
+                                          <p:stCondLst>
+                                            <p:cond delay="0"/>
+                                          </p:stCondLst>
+                                        </p:cTn>
+                                        <p:tgtEl>
+                                          <p:spTgt spid="7"/>
+                                        </p:tgtEl>
+                                        <p:attrNameLst>
+                                          <p:attrName>ppt_y</p:attrName>
+                                        </p:attrNameLst>
+                                      </p:cBhvr>
+                                      <p:tavLst>
+                                        <p:tav tm="0" fmla="#ppt_y-sin(pi*$)/3">
+                                          <p:val>
+                                            <p:fltVal val="0.5"/>
+                                          </p:val>
+                                        </p:tav>
+                                        <p:tav tm="100000">
+                                          <p:val>
+                                            <p:fltVal val="1"/>
+                                          </p:val>
+                                        </p:tav>
+                                      </p:tavLst>
+                                    </p:anim>
+                                    <p:anim calcmode="lin" valueType="num">
+                                      <p:cBhvr>
+                                        <p:cTn id="10" dur="664" tmFilter="0, 0; 0.125,0.2665; 0.25,0.4; 0.375,0.465; 0.5,0.5;  0.625,0.535; 0.75,0.6; 0.875,0.7335; 1,1">
+                                          <p:stCondLst>
+                                            <p:cond delay="664"/>
+                                          </p:stCondLst>
+                                        </p:cTn>
+                                        <p:tgtEl>
+                                          <p:spTgt spid="7"/>
+                                        </p:tgtEl>
+                                        <p:attrNameLst>
+                                          <p:attrName>ppt_y</p:attrName>
+                                        </p:attrNameLst>
+                                      </p:cBhvr>
+                                      <p:tavLst>
+                                        <p:tav tm="0" fmla="#ppt_y-sin(pi*$)/9">
+                                          <p:val>
+                                            <p:fltVal val="0"/>
+                                          </p:val>
+                                        </p:tav>
+                                        <p:tav tm="100000">
+                                          <p:val>
+                                            <p:fltVal val="1"/>
+                                          </p:val>
+                                        </p:tav>
+                                      </p:tavLst>
+                                    </p:anim>
+                                    <p:anim calcmode="lin" valueType="num">
+                                      <p:cBhvr>
+                                        <p:cTn id="11" dur="332" tmFilter="0, 0; 0.125,0.2665; 0.25,0.4; 0.375,0.465; 0.5,0.5;  0.625,0.535; 0.75,0.6; 0.875,0.7335; 1,1">
+                                          <p:stCondLst>
+                                            <p:cond delay="1324"/>
+                                          </p:stCondLst>
+                                        </p:cTn>
+                                        <p:tgtEl>
+                                          <p:spTgt spid="7"/>
+                                        </p:tgtEl>
+                                        <p:attrNameLst>
+                                          <p:attrName>ppt_y</p:attrName>
+                                        </p:attrNameLst>
+                                      </p:cBhvr>
+                                      <p:tavLst>
+                                        <p:tav tm="0" fmla="#ppt_y-sin(pi*$)/27">
+                                          <p:val>
+                                            <p:fltVal val="0"/>
+                                          </p:val>
+                                        </p:tav>
+                                        <p:tav tm="100000">
+                                          <p:val>
+                                            <p:fltVal val="1"/>
+                                          </p:val>
+                                        </p:tav>
+                                      </p:tavLst>
+                                    </p:anim>
+                                    <p:anim calcmode="lin" valueType="num">
+                                      <p:cBhvr>
+                                        <p:cTn id="12" dur="164" tmFilter="0, 0; 0.125,0.2665; 0.25,0.4; 0.375,0.465; 0.5,0.5;  0.625,0.535; 0.75,0.6; 0.875,0.7335; 1,1">
+                                          <p:stCondLst>
+                                            <p:cond delay="1656"/>
+                                          </p:stCondLst>
+                                        </p:cTn>
+                                        <p:tgtEl>
+                                          <p:spTgt spid="7"/>
+                                        </p:tgtEl>
+                                        <p:attrNameLst>
+                                          <p:attrName>ppt_y</p:attrName>
+                                        </p:attrNameLst>
+                                      </p:cBhvr>
+                                      <p:tavLst>
+                                        <p:tav tm="0" fmla="#ppt_y-sin(pi*$)/81">
+                                          <p:val>
+                                            <p:fltVal val="0"/>
+                                          </p:val>
+                                        </p:tav>
+                                        <p:tav tm="100000">
+                                          <p:val>
+                                            <p:fltVal val="1"/>
+                                          </p:val>
+                                        </p:tav>
+                                      </p:tavLst>
+                                    </p:anim>
+                                    <p:animScale>
+                                      <p:cBhvr>
+                                        <p:cTn id="13" dur="26">
+                                          <p:stCondLst>
+                                            <p:cond delay="650"/>
+                                          </p:stCondLst>
+                                        </p:cTn>
+                                        <p:tgtEl>
+                                          <p:spTgt spid="7"/>
+                                        </p:tgtEl>
+                                      </p:cBhvr>
+                                      <p:to x="100000" y="60000"/>
+                                    </p:animScale>
+                                    <p:animScale>
+                                      <p:cBhvr>
+                                        <p:cTn id="14" dur="166" decel="50000">
+                                          <p:stCondLst>
+                                            <p:cond delay="676"/>
+                                          </p:stCondLst>
+                                        </p:cTn>
+                                        <p:tgtEl>
+                                          <p:spTgt spid="7"/>
+                                        </p:tgtEl>
+                                      </p:cBhvr>
+                                      <p:to x="100000" y="100000"/>
+                                    </p:animScale>
+                                    <p:animScale>
+                                      <p:cBhvr>
+                                        <p:cTn id="15" dur="26">
+                                          <p:stCondLst>
+                                            <p:cond delay="1312"/>
+                                          </p:stCondLst>
+                                        </p:cTn>
+                                        <p:tgtEl>
+                                          <p:spTgt spid="7"/>
+                                        </p:tgtEl>
+                                      </p:cBhvr>
+                                      <p:to x="100000" y="80000"/>
+                                    </p:animScale>
+                                    <p:animScale>
+                                      <p:cBhvr>
+                                        <p:cTn id="16" dur="166" decel="50000">
+                                          <p:stCondLst>
+                                            <p:cond delay="1338"/>
+                                          </p:stCondLst>
+                                        </p:cTn>
+                                        <p:tgtEl>
+                                          <p:spTgt spid="7"/>
+                                        </p:tgtEl>
+                                      </p:cBhvr>
+                                      <p:to x="100000" y="100000"/>
+                                    </p:animScale>
+                                    <p:animScale>
+                                      <p:cBhvr>
+                                        <p:cTn id="17" dur="26">
+                                          <p:stCondLst>
+                                            <p:cond delay="1642"/>
+                                          </p:stCondLst>
+                                        </p:cTn>
+                                        <p:tgtEl>
+                                          <p:spTgt spid="7"/>
+                                        </p:tgtEl>
+                                      </p:cBhvr>
+                                      <p:to x="100000" y="90000"/>
+                                    </p:animScale>
+                                    <p:animScale>
+                                      <p:cBhvr>
+                                        <p:cTn id="18" dur="166" decel="50000">
+                                          <p:stCondLst>
+                                            <p:cond delay="1668"/>
+                                          </p:stCondLst>
+                                        </p:cTn>
+                                        <p:tgtEl>
+                                          <p:spTgt spid="7"/>
+                                        </p:tgtEl>
+                                      </p:cBhvr>
+                                      <p:to x="100000" y="100000"/>
+                                    </p:animScale>
+                                    <p:animScale>
+                                      <p:cBhvr>
+                                        <p:cTn id="19" dur="26">
+                                          <p:stCondLst>
+                                            <p:cond delay="1808"/>
+                                          </p:stCondLst>
+                                        </p:cTn>
+                                        <p:tgtEl>
+                                          <p:spTgt spid="7"/>
+                                        </p:tgtEl>
+                                      </p:cBhvr>
+                                      <p:to x="100000" y="95000"/>
+                                    </p:animScale>
+                                    <p:animScale>
+                                      <p:cBhvr>
+                                        <p:cTn id="20" dur="166" decel="50000">
+                                          <p:stCondLst>
+                                            <p:cond delay="1834"/>
+                                          </p:stCondLst>
+                                        </p:cTn>
+                                        <p:tgtEl>
+                                          <p:spTgt spid="7"/>
+                                        </p:tgtEl>
+                                      </p:cBhvr>
+                                      <p:to x="100000" y="100000"/>
+                                    </p:animScale>
+                                  </p:childTnLst>
+                                </p:cTn>
+                              </p:par>
+                            </p:childTnLst>
+                          </p:cTn>
+                        </p:par>
+                      </p:childTnLst>
+                    </p:cTn>
+                  </p:par>
+                </p:childTnLst>
+              </p:cTn>
+              <p:prevCondLst>
+                <p:cond evt="onPrev" delay="0">
+                  <p:tgtEl>
+                    <p:sldTgt/>
+                  </p:tgtEl>
+                </p:cond>
+              </p:prevCondLst>
+              <p:nextCondLst>
+                <p:cond evt="onNext" delay="0">
+                  <p:tgtEl>
+                    <p:sldTgt/>
+                  </p:tgtEl>
+                </p:cond>
+              </p:nextCondLst>
+            </p:seq>
+          </p:childTnLst>
+        </p:cTn>
+      </p:par>
+    </p:tnLst>
+  </p:timing>
+</p:sld>
+</file>
+
+<file path=ppt/slides/slide21.xml><?xml version="1.0" encoding="utf-8"?>
+<p:sld xmlns:a="http://schemas.openxmlformats.org/drawingml/2006/main" xmlns:r="http://schemas.openxmlformats.org/officeDocument/2006/relationships" xmlns:p="http://schemas.openxmlformats.org/presentationml/2006/main">
+  <p:cSld>
+    <p:bg>
+      <p:bgPr>
+        <a:solidFill>
+          <a:schemeClr val="bg1"/>
+        </a:solidFill>
+        <a:effectLst/>
+      </p:bgPr>
+    </p:bg>
+    <p:spTree>
+      <p:nvGrpSpPr>
+        <p:cNvPr id="1" name=""/>
+        <p:cNvGrpSpPr/>
+        <p:nvPr/>
+      </p:nvGrpSpPr>
+      <p:grpSpPr>
+        <a:xfrm>
+          <a:off x="0" y="0"/>
+          <a:ext cx="0" cy="0"/>
+          <a:chOff x="0" y="0"/>
+          <a:chExt cx="0" cy="0"/>
+        </a:xfrm>
+      </p:grpSpPr>
+      <p:sp>
+        <p:nvSpPr>
+          <p:cNvPr id="2" name="Title 1">
+            <a:extLst>
+              <a:ext uri="{FF2B5EF4-FFF2-40B4-BE49-F238E27FC236}">
+                <a16:creationId xmlns:a16="http://schemas.microsoft.com/office/drawing/2014/main" id="{278CBD3D-7DC6-9FDA-A7C0-B5891C73B033}"/>
+              </a:ext>
+            </a:extLst>
+          </p:cNvPr>
+          <p:cNvSpPr>
+            <a:spLocks noGrp="1"/>
+          </p:cNvSpPr>
+          <p:nvPr>
+            <p:ph type="title"/>
+          </p:nvPr>
+        </p:nvSpPr>
+        <p:spPr>
+          <a:xfrm>
+            <a:off x="643831" y="640080"/>
+            <a:ext cx="4343805" cy="1325562"/>
+          </a:xfrm>
+        </p:spPr>
+        <p:txBody>
+          <a:bodyPr>
+            <a:normAutofit/>
+          </a:bodyPr>
+          <a:lstStyle/>
+          <a:p>
+            <a:r>
+              <a:rPr lang="en-GB" sz="3200" dirty="0"/>
+              <a:t>git reset and git revert</a:t>
+            </a:r>
+          </a:p>
+        </p:txBody>
+      </p:sp>
+      <p:sp>
+        <p:nvSpPr>
+          <p:cNvPr id="3" name="Content Placeholder 2">
+            <a:extLst>
+              <a:ext uri="{FF2B5EF4-FFF2-40B4-BE49-F238E27FC236}">
+                <a16:creationId xmlns:a16="http://schemas.microsoft.com/office/drawing/2014/main" id="{44E809A3-2317-C3E4-7289-A08C8F1C3609}"/>
+              </a:ext>
+            </a:extLst>
+          </p:cNvPr>
+          <p:cNvSpPr>
+            <a:spLocks noGrp="1"/>
+          </p:cNvSpPr>
+          <p:nvPr>
+            <p:ph idx="1"/>
+          </p:nvPr>
+        </p:nvSpPr>
+        <p:spPr>
+          <a:xfrm>
+            <a:off x="643831" y="1936955"/>
+            <a:ext cx="4159078" cy="4243182"/>
+          </a:xfrm>
+        </p:spPr>
+        <p:txBody>
+          <a:bodyPr>
+            <a:normAutofit/>
+          </a:bodyPr>
+          <a:lstStyle/>
+          <a:p>
+            <a:r>
+              <a:rPr lang="en-GB" sz="1600" dirty="0"/>
+              <a:t>git reset can remove past changes entirely from the history tree (useful for if you’ve made something visible that you shouldn’t have!)</a:t>
+            </a:r>
+          </a:p>
+          <a:p>
+            <a:pPr lvl="1"/>
+            <a:r>
+              <a:rPr lang="en-GB" sz="1400" dirty="0"/>
+              <a:t>But, you’ll need to push –f (force push) to apply that reset to the remote</a:t>
+            </a:r>
+          </a:p>
+          <a:p>
+            <a:pPr lvl="1"/>
+            <a:r>
+              <a:rPr lang="en-GB" sz="1400" dirty="0"/>
+              <a:t>And anyone else with a local copy of the repo will need to perform the same reset to remove the commit (otherwise their next push will just add it back into the remote again).</a:t>
+            </a:r>
+          </a:p>
+          <a:p>
+            <a:r>
+              <a:rPr lang="en-GB" sz="1600" dirty="0"/>
+              <a:t>git revert keeps the changes in the history tree, but just undoes them as part of a new commit.</a:t>
+            </a:r>
+          </a:p>
+          <a:p>
+            <a:pPr lvl="1"/>
+            <a:r>
+              <a:rPr lang="en-GB" sz="1400" dirty="0"/>
+              <a:t>Full transparency of what’s been done</a:t>
+            </a:r>
+          </a:p>
+          <a:p>
+            <a:pPr lvl="1"/>
+            <a:r>
+              <a:rPr lang="en-GB" sz="1400" dirty="0"/>
+              <a:t>Other local repos will just need to pull to get the same effect.</a:t>
+            </a:r>
+          </a:p>
+          <a:p>
+            <a:pPr lvl="1"/>
+            <a:endParaRPr lang="en-GB" dirty="0"/>
+          </a:p>
+        </p:txBody>
+      </p:sp>
+      <p:pic>
+        <p:nvPicPr>
+          <p:cNvPr id="5" name="Picture 4">
+            <a:extLst>
+              <a:ext uri="{FF2B5EF4-FFF2-40B4-BE49-F238E27FC236}">
+                <a16:creationId xmlns:a16="http://schemas.microsoft.com/office/drawing/2014/main" id="{71424E79-00EC-A80D-8066-46894D60DE94}"/>
+              </a:ext>
+            </a:extLst>
+          </p:cNvPr>
+          <p:cNvPicPr>
+            <a:picLocks noChangeAspect="1"/>
+          </p:cNvPicPr>
+          <p:nvPr/>
+        </p:nvPicPr>
+        <p:blipFill>
+          <a:blip r:embed="rId2">
+            <a:extLst>
+              <a:ext uri="{28A0092B-C50C-407E-A947-70E740481C1C}">
+                <a14:useLocalDpi xmlns:a14="http://schemas.microsoft.com/office/drawing/2010/main" val="0"/>
+              </a:ext>
+            </a:extLst>
+          </a:blip>
+          <a:stretch/>
+        </p:blipFill>
+        <p:spPr>
+          <a:xfrm>
+            <a:off x="5079167" y="640080"/>
+            <a:ext cx="6798795" cy="5626002"/>
+          </a:xfrm>
+          <a:prstGeom prst="rect">
+            <a:avLst/>
+          </a:prstGeom>
+        </p:spPr>
+      </p:pic>
+    </p:spTree>
+    <p:extLst>
+      <p:ext uri="{BB962C8B-B14F-4D97-AF65-F5344CB8AC3E}">
+        <p14:creationId xmlns:p14="http://schemas.microsoft.com/office/powerpoint/2010/main" val="2037339343"/>
+      </p:ext>
+    </p:extLst>
+  </p:cSld>
+  <p:clrMapOvr>
+    <a:masterClrMapping/>
+  </p:clrMapOvr>
+</p:sld>
+</file>
+
+<file path=ppt/slides/slide22.xml><?xml version="1.0" encoding="utf-8"?>
+<p:sld xmlns:a="http://schemas.openxmlformats.org/drawingml/2006/main" xmlns:r="http://schemas.openxmlformats.org/officeDocument/2006/relationships" xmlns:p="http://schemas.openxmlformats.org/presentationml/2006/main">
+  <p:cSld>
+    <p:spTree>
+      <p:nvGrpSpPr>
+        <p:cNvPr id="1" name=""/>
+        <p:cNvGrpSpPr/>
+        <p:nvPr/>
+      </p:nvGrpSpPr>
+      <p:grpSpPr>
+        <a:xfrm>
+          <a:off x="0" y="0"/>
+          <a:ext cx="0" cy="0"/>
+          <a:chOff x="0" y="0"/>
+          <a:chExt cx="0" cy="0"/>
+        </a:xfrm>
+      </p:grpSpPr>
+      <p:sp>
+        <p:nvSpPr>
+          <p:cNvPr id="2" name="Title 1">
+            <a:extLst>
+              <a:ext uri="{FF2B5EF4-FFF2-40B4-BE49-F238E27FC236}">
                 <a16:creationId xmlns:a16="http://schemas.microsoft.com/office/drawing/2014/main" id="{88A48057-241C-3059-AE60-FC31E249F856}"/>
               </a:ext>
             </a:extLst>
@@ -6716,7 +9262,7 @@
 </p:sld>
 </file>
 
-<file path=ppt/slides/slide17.xml><?xml version="1.0" encoding="utf-8"?>
+<file path=ppt/slides/slide23.xml><?xml version="1.0" encoding="utf-8"?>
 <p:sld xmlns:a="http://schemas.openxmlformats.org/drawingml/2006/main" xmlns:r="http://schemas.openxmlformats.org/officeDocument/2006/relationships" xmlns:p="http://schemas.openxmlformats.org/presentationml/2006/main">
   <p:cSld>
     <p:spTree>
@@ -6890,7 +9436,7 @@
 </p:sld>
 </file>
 
-<file path=ppt/slides/slide18.xml><?xml version="1.0" encoding="utf-8"?>
+<file path=ppt/slides/slide24.xml><?xml version="1.0" encoding="utf-8"?>
 <p:sld xmlns:a="http://schemas.openxmlformats.org/drawingml/2006/main" xmlns:r="http://schemas.openxmlformats.org/officeDocument/2006/relationships" xmlns:p="http://schemas.openxmlformats.org/presentationml/2006/main">
   <p:cSld>
     <p:spTree>
@@ -7069,7 +9615,7 @@
 </p:sld>
 </file>
 
-<file path=ppt/slides/slide19.xml><?xml version="1.0" encoding="utf-8"?>
+<file path=ppt/slides/slide25.xml><?xml version="1.0" encoding="utf-8"?>
 <p:sld xmlns:a="http://schemas.openxmlformats.org/drawingml/2006/main" xmlns:r="http://schemas.openxmlformats.org/officeDocument/2006/relationships" xmlns:p="http://schemas.openxmlformats.org/presentationml/2006/main">
   <p:cSld>
     <p:spTree>
@@ -7281,7 +9827,7 @@
 </p:sld>
 </file>
 
-<file path=ppt/slides/slide2.xml><?xml version="1.0" encoding="utf-8"?>
+<file path=ppt/slides/slide26.xml><?xml version="1.0" encoding="utf-8"?>
 <p:sld xmlns:a="http://schemas.openxmlformats.org/drawingml/2006/main" xmlns:r="http://schemas.openxmlformats.org/officeDocument/2006/relationships" xmlns:p="http://schemas.openxmlformats.org/presentationml/2006/main">
   <p:cSld>
     <p:spTree>
@@ -7303,7 +9849,7 @@
           <p:cNvPr id="2" name="Title 1">
             <a:extLst>
               <a:ext uri="{FF2B5EF4-FFF2-40B4-BE49-F238E27FC236}">
-                <a16:creationId xmlns:a16="http://schemas.microsoft.com/office/drawing/2014/main" id="{ABAFFC0C-75B9-F1D8-7F37-DF17A0C915C0}"/>
+                <a16:creationId xmlns:a16="http://schemas.microsoft.com/office/drawing/2014/main" id="{A15822F5-14F8-04A7-9687-2A92683631CA}"/>
               </a:ext>
             </a:extLst>
           </p:cNvPr>
@@ -7321,7 +9867,7 @@
           <a:p>
             <a:r>
               <a:rPr lang="en-GB" dirty="0"/>
-              <a:t>Intros</a:t>
+              <a:t>How do I use git on my DfE laptop?</a:t>
             </a:r>
           </a:p>
         </p:txBody>
@@ -7331,7 +9877,7 @@
           <p:cNvPr id="3" name="Content Placeholder 2">
             <a:extLst>
               <a:ext uri="{FF2B5EF4-FFF2-40B4-BE49-F238E27FC236}">
-                <a16:creationId xmlns:a16="http://schemas.microsoft.com/office/drawing/2014/main" id="{4930FBD0-31AF-8FE7-DC2D-4B3BD356AA19}"/>
+                <a16:creationId xmlns:a16="http://schemas.microsoft.com/office/drawing/2014/main" id="{3021795C-3041-287E-53A7-9DFEBB69C084}"/>
               </a:ext>
             </a:extLst>
           </p:cNvPr>
@@ -7342,30 +9888,142 @@
             <p:ph idx="1"/>
           </p:nvPr>
         </p:nvSpPr>
-        <p:spPr/>
+        <p:spPr>
+          <a:xfrm>
+            <a:off x="1261873" y="1828800"/>
+            <a:ext cx="6127218" cy="4351337"/>
+          </a:xfrm>
+        </p:spPr>
         <p:txBody>
-          <a:bodyPr>
-            <a:normAutofit/>
-          </a:bodyPr>
+          <a:bodyPr/>
           <a:lstStyle/>
           <a:p>
             <a:r>
-              <a:rPr lang="en-GB" sz="6400" dirty="0"/>
-              <a:t>Who are we?</a:t>
-            </a:r>
-          </a:p>
-          <a:p>
-            <a:r>
-              <a:rPr lang="en-GB" sz="6400" dirty="0"/>
-              <a:t>Who are you?</a:t>
-            </a:r>
+              <a:rPr lang="en-GB" dirty="0"/>
+              <a:t>Lots of software can be used to run the git commands:</a:t>
+            </a:r>
+          </a:p>
+          <a:p>
+            <a:pPr lvl="1"/>
+            <a:r>
+              <a:rPr lang="en-GB" dirty="0"/>
+              <a:t>The git download comes with the git bash terminal where you can run git commands like the ones that we’ve seen in this session.</a:t>
+            </a:r>
+          </a:p>
+          <a:p>
+            <a:pPr lvl="1"/>
+            <a:r>
+              <a:rPr lang="en-GB" dirty="0"/>
+              <a:t>For day-to-day coding, most IDEs will have built in git functionality, e.g. R-Studio, PyCharm, Visual Studio Code, etc. Most will have GUI and command line (bash) options.</a:t>
+            </a:r>
+          </a:p>
+          <a:p>
+            <a:pPr lvl="1"/>
+            <a:r>
+              <a:rPr lang="en-GB" dirty="0"/>
+              <a:t>GitHub Desktop can be used with GitHub and configured to communicate with the DevOps platform.</a:t>
+            </a:r>
+          </a:p>
+          <a:p>
+            <a:pPr lvl="1"/>
+            <a:endParaRPr lang="en-GB" dirty="0"/>
           </a:p>
         </p:txBody>
       </p:sp>
+      <p:pic>
+        <p:nvPicPr>
+          <p:cNvPr id="5" name="Picture 4">
+            <a:extLst>
+              <a:ext uri="{FF2B5EF4-FFF2-40B4-BE49-F238E27FC236}">
+                <a16:creationId xmlns:a16="http://schemas.microsoft.com/office/drawing/2014/main" id="{FD42F31E-B8D4-7DBD-3476-3EB44B90C997}"/>
+              </a:ext>
+            </a:extLst>
+          </p:cNvPr>
+          <p:cNvPicPr>
+            <a:picLocks noChangeAspect="1"/>
+          </p:cNvPicPr>
+          <p:nvPr/>
+        </p:nvPicPr>
+        <p:blipFill>
+          <a:blip r:embed="rId2"/>
+          <a:stretch>
+            <a:fillRect/>
+          </a:stretch>
+        </p:blipFill>
+        <p:spPr>
+          <a:xfrm>
+            <a:off x="7693893" y="1691322"/>
+            <a:ext cx="3686174" cy="1900237"/>
+          </a:xfrm>
+          <a:prstGeom prst="rect">
+            <a:avLst/>
+          </a:prstGeom>
+        </p:spPr>
+      </p:pic>
+      <p:pic>
+        <p:nvPicPr>
+          <p:cNvPr id="7" name="Picture 6">
+            <a:extLst>
+              <a:ext uri="{FF2B5EF4-FFF2-40B4-BE49-F238E27FC236}">
+                <a16:creationId xmlns:a16="http://schemas.microsoft.com/office/drawing/2014/main" id="{ABF3DA4B-909B-3D04-B680-156B46963CD0}"/>
+              </a:ext>
+            </a:extLst>
+          </p:cNvPr>
+          <p:cNvPicPr>
+            <a:picLocks noChangeAspect="1"/>
+          </p:cNvPicPr>
+          <p:nvPr/>
+        </p:nvPicPr>
+        <p:blipFill>
+          <a:blip r:embed="rId3"/>
+          <a:stretch>
+            <a:fillRect/>
+          </a:stretch>
+        </p:blipFill>
+        <p:spPr>
+          <a:xfrm>
+            <a:off x="9295369" y="3309634"/>
+            <a:ext cx="2719242" cy="1857044"/>
+          </a:xfrm>
+          <a:prstGeom prst="rect">
+            <a:avLst/>
+          </a:prstGeom>
+        </p:spPr>
+      </p:pic>
+      <p:pic>
+        <p:nvPicPr>
+          <p:cNvPr id="9" name="Picture 8">
+            <a:extLst>
+              <a:ext uri="{FF2B5EF4-FFF2-40B4-BE49-F238E27FC236}">
+                <a16:creationId xmlns:a16="http://schemas.microsoft.com/office/drawing/2014/main" id="{8CBF068A-6438-9260-1FFD-2F0DFE3CF510}"/>
+              </a:ext>
+            </a:extLst>
+          </p:cNvPr>
+          <p:cNvPicPr>
+            <a:picLocks noChangeAspect="1"/>
+          </p:cNvPicPr>
+          <p:nvPr/>
+        </p:nvPicPr>
+        <p:blipFill>
+          <a:blip r:embed="rId4"/>
+          <a:stretch>
+            <a:fillRect/>
+          </a:stretch>
+        </p:blipFill>
+        <p:spPr>
+          <a:xfrm>
+            <a:off x="7613735" y="4378036"/>
+            <a:ext cx="3363269" cy="2317227"/>
+          </a:xfrm>
+          <a:prstGeom prst="rect">
+            <a:avLst/>
+          </a:prstGeom>
+        </p:spPr>
+      </p:pic>
     </p:spTree>
     <p:extLst>
       <p:ext uri="{BB962C8B-B14F-4D97-AF65-F5344CB8AC3E}">
-        <p14:creationId xmlns:p14="http://schemas.microsoft.com/office/powerpoint/2010/main" val="3561758237"/>
+        <p14:creationId xmlns:p14="http://schemas.microsoft.com/office/powerpoint/2010/main" val="3430055599"/>
       </p:ext>
     </p:extLst>
   </p:cSld>
@@ -7375,7 +10033,7 @@
 </p:sld>
 </file>
 
-<file path=ppt/slides/slide20.xml><?xml version="1.0" encoding="utf-8"?>
+<file path=ppt/slides/slide27.xml><?xml version="1.0" encoding="utf-8"?>
 <p:sld xmlns:a="http://schemas.openxmlformats.org/drawingml/2006/main" xmlns:r="http://schemas.openxmlformats.org/officeDocument/2006/relationships" xmlns:p="http://schemas.openxmlformats.org/presentationml/2006/main">
   <p:cSld>
     <p:spTree>
@@ -7415,7 +10073,7 @@
           <a:p>
             <a:r>
               <a:rPr lang="en-GB" dirty="0"/>
-              <a:t>How do I use git on my DfE laptop?</a:t>
+              <a:t>How do I create a repository?</a:t>
             </a:r>
           </a:p>
         </p:txBody>
@@ -7436,52 +10094,34 @@
             <p:ph idx="1"/>
           </p:nvPr>
         </p:nvSpPr>
-        <p:spPr>
-          <a:xfrm>
-            <a:off x="1261872" y="1828800"/>
-            <a:ext cx="6036703" cy="4351337"/>
-          </a:xfrm>
-        </p:spPr>
+        <p:spPr/>
         <p:txBody>
           <a:bodyPr/>
           <a:lstStyle/>
           <a:p>
             <a:r>
               <a:rPr lang="en-GB" dirty="0"/>
-              <a:t>Lots of software can be used to run the git commands:</a:t>
-            </a:r>
-          </a:p>
-          <a:p>
-            <a:pPr lvl="1"/>
+              <a:t>If you just want to have a local repo without creating a remote, then you can create a new repo on your laptop in git bash, R-Studio, GitHub Desktop etc.</a:t>
+            </a:r>
+          </a:p>
+          <a:p>
             <a:r>
               <a:rPr lang="en-GB" dirty="0"/>
-              <a:t>The git download comes with the git bash terminal where you can run git commands like the ones that we’ve seen in this session.</a:t>
-            </a:r>
-          </a:p>
-          <a:p>
-            <a:pPr lvl="1"/>
+              <a:t>If you want a remote repo on DevOps, you’ll need your team, unit or division to have it’s own DevOps Project set up and then ask an admin of that Project to create a new repo for you.</a:t>
+            </a:r>
+          </a:p>
+          <a:p>
             <a:r>
               <a:rPr lang="en-GB" dirty="0"/>
-              <a:t>For day-to-day coding, most IDEs will have built in git functionality, e.g. R-Studio, PyCharm, Visual Studio Code, etc. Most will have GUI and command line (bash) options.</a:t>
-            </a:r>
-          </a:p>
-          <a:p>
-            <a:pPr lvl="1"/>
-            <a:r>
-              <a:rPr lang="en-GB" dirty="0"/>
-              <a:t>GitHub Desktop can be used with GitHub and configured to communicate with the DevOps platform.</a:t>
-            </a:r>
-          </a:p>
-          <a:p>
-            <a:pPr lvl="1"/>
-            <a:endParaRPr lang="en-GB" dirty="0"/>
+              <a:t>If you want a remote repo on GitHub for official (public facing) DfE purposes, then get in touch with us and we can create you one on DfE-Analytical-Services (provided appropriate assurances are provided around suitability for the repo contents to be in the public domain).</a:t>
+            </a:r>
           </a:p>
         </p:txBody>
       </p:sp>
     </p:spTree>
     <p:extLst>
       <p:ext uri="{BB962C8B-B14F-4D97-AF65-F5344CB8AC3E}">
-        <p14:creationId xmlns:p14="http://schemas.microsoft.com/office/powerpoint/2010/main" val="3430055599"/>
+        <p14:creationId xmlns:p14="http://schemas.microsoft.com/office/powerpoint/2010/main" val="2839895223"/>
       </p:ext>
     </p:extLst>
   </p:cSld>
@@ -7491,7 +10131,7 @@
 </p:sld>
 </file>
 
-<file path=ppt/slides/slide21.xml><?xml version="1.0" encoding="utf-8"?>
+<file path=ppt/slides/slide28.xml><?xml version="1.0" encoding="utf-8"?>
 <p:sld xmlns:a="http://schemas.openxmlformats.org/drawingml/2006/main" xmlns:r="http://schemas.openxmlformats.org/officeDocument/2006/relationships" xmlns:p="http://schemas.openxmlformats.org/presentationml/2006/main">
   <p:cSld>
     <p:spTree>
@@ -7524,104 +10164,6 @@
             <p:ph type="title"/>
           </p:nvPr>
         </p:nvSpPr>
-        <p:spPr/>
-        <p:txBody>
-          <a:bodyPr/>
-          <a:lstStyle/>
-          <a:p>
-            <a:r>
-              <a:rPr lang="en-GB" dirty="0"/>
-              <a:t>How do I get a repository?</a:t>
-            </a:r>
-          </a:p>
-        </p:txBody>
-      </p:sp>
-      <p:sp>
-        <p:nvSpPr>
-          <p:cNvPr id="3" name="Content Placeholder 2">
-            <a:extLst>
-              <a:ext uri="{FF2B5EF4-FFF2-40B4-BE49-F238E27FC236}">
-                <a16:creationId xmlns:a16="http://schemas.microsoft.com/office/drawing/2014/main" id="{3021795C-3041-287E-53A7-9DFEBB69C084}"/>
-              </a:ext>
-            </a:extLst>
-          </p:cNvPr>
-          <p:cNvSpPr>
-            <a:spLocks noGrp="1"/>
-          </p:cNvSpPr>
-          <p:nvPr>
-            <p:ph idx="1"/>
-          </p:nvPr>
-        </p:nvSpPr>
-        <p:spPr/>
-        <p:txBody>
-          <a:bodyPr/>
-          <a:lstStyle/>
-          <a:p>
-            <a:r>
-              <a:rPr lang="en-GB" dirty="0"/>
-              <a:t>If you just want to have a local repo without creating a remote, then you can create a new repo on your laptop in git bash, R-Studio, GitHub Desktop etc.</a:t>
-            </a:r>
-          </a:p>
-          <a:p>
-            <a:r>
-              <a:rPr lang="en-GB" dirty="0"/>
-              <a:t>If you want a remote repo on DevOps, you’ll need your team, unit or division to have it’s own DevOps Project set up and then ask an admin of that Project to create a new repo for you.</a:t>
-            </a:r>
-          </a:p>
-          <a:p>
-            <a:r>
-              <a:rPr lang="en-GB" dirty="0"/>
-              <a:t>If you want a remote repo on GitHub for official (public facing) DfE purposes, then get in touch with us and we can create you one on DfE-Analytical-Services (provided appropriate assurances are provided around suitability for the repo contents to be in the public domain).</a:t>
-            </a:r>
-          </a:p>
-        </p:txBody>
-      </p:sp>
-    </p:spTree>
-    <p:extLst>
-      <p:ext uri="{BB962C8B-B14F-4D97-AF65-F5344CB8AC3E}">
-        <p14:creationId xmlns:p14="http://schemas.microsoft.com/office/powerpoint/2010/main" val="2839895223"/>
-      </p:ext>
-    </p:extLst>
-  </p:cSld>
-  <p:clrMapOvr>
-    <a:masterClrMapping/>
-  </p:clrMapOvr>
-</p:sld>
-</file>
-
-<file path=ppt/slides/slide22.xml><?xml version="1.0" encoding="utf-8"?>
-<p:sld xmlns:a="http://schemas.openxmlformats.org/drawingml/2006/main" xmlns:r="http://schemas.openxmlformats.org/officeDocument/2006/relationships" xmlns:p="http://schemas.openxmlformats.org/presentationml/2006/main">
-  <p:cSld>
-    <p:spTree>
-      <p:nvGrpSpPr>
-        <p:cNvPr id="1" name=""/>
-        <p:cNvGrpSpPr/>
-        <p:nvPr/>
-      </p:nvGrpSpPr>
-      <p:grpSpPr>
-        <a:xfrm>
-          <a:off x="0" y="0"/>
-          <a:ext cx="0" cy="0"/>
-          <a:chOff x="0" y="0"/>
-          <a:chExt cx="0" cy="0"/>
-        </a:xfrm>
-      </p:grpSpPr>
-      <p:sp>
-        <p:nvSpPr>
-          <p:cNvPr id="2" name="Title 1">
-            <a:extLst>
-              <a:ext uri="{FF2B5EF4-FFF2-40B4-BE49-F238E27FC236}">
-                <a16:creationId xmlns:a16="http://schemas.microsoft.com/office/drawing/2014/main" id="{A15822F5-14F8-04A7-9687-2A92683631CA}"/>
-              </a:ext>
-            </a:extLst>
-          </p:cNvPr>
-          <p:cNvSpPr>
-            <a:spLocks noGrp="1"/>
-          </p:cNvSpPr>
-          <p:nvPr>
-            <p:ph type="title"/>
-          </p:nvPr>
-        </p:nvSpPr>
         <p:spPr>
           <a:xfrm>
             <a:off x="1261872" y="365760"/>
@@ -7634,7 +10176,7 @@
           <a:p>
             <a:r>
               <a:rPr lang="en-GB" dirty="0"/>
-              <a:t>How do I get a repository?</a:t>
+              <a:t>How do I work in a repository?</a:t>
             </a:r>
           </a:p>
         </p:txBody>
@@ -7989,7 +10531,7 @@
 </p:sld>
 </file>
 
-<file path=ppt/slides/slide23.xml><?xml version="1.0" encoding="utf-8"?>
+<file path=ppt/slides/slide29.xml><?xml version="1.0" encoding="utf-8"?>
 <p:sld xmlns:a="http://schemas.openxmlformats.org/drawingml/2006/main" xmlns:r="http://schemas.openxmlformats.org/officeDocument/2006/relationships" xmlns:p="http://schemas.openxmlformats.org/presentationml/2006/main">
   <p:cSld>
     <p:spTree>
@@ -8024,7 +10566,7 @@
         </p:nvSpPr>
         <p:spPr>
           <a:xfrm>
-            <a:off x="1261872" y="365760"/>
+            <a:off x="310526" y="365760"/>
             <a:ext cx="9692640" cy="839585"/>
           </a:xfrm>
         </p:spPr>
@@ -8059,13 +10601,13 @@
         </p:nvSpPr>
         <p:spPr>
           <a:xfrm>
-            <a:off x="1261872" y="1341794"/>
-            <a:ext cx="8595360" cy="4901063"/>
+            <a:off x="310526" y="1332557"/>
+            <a:ext cx="7004673" cy="5225261"/>
           </a:xfrm>
         </p:spPr>
         <p:txBody>
           <a:bodyPr>
-            <a:normAutofit fontScale="70000" lnSpcReduction="20000"/>
+            <a:normAutofit fontScale="77500" lnSpcReduction="20000"/>
           </a:bodyPr>
           <a:lstStyle/>
           <a:p>
@@ -8218,102 +10760,40 @@
           </a:p>
         </p:txBody>
       </p:sp>
+      <p:pic>
+        <p:nvPicPr>
+          <p:cNvPr id="4" name="Picture 3">
+            <a:extLst>
+              <a:ext uri="{FF2B5EF4-FFF2-40B4-BE49-F238E27FC236}">
+                <a16:creationId xmlns:a16="http://schemas.microsoft.com/office/drawing/2014/main" id="{6B34B5A2-5797-B213-DC31-4123C680DE76}"/>
+              </a:ext>
+            </a:extLst>
+          </p:cNvPr>
+          <p:cNvPicPr>
+            <a:picLocks noChangeAspect="1"/>
+          </p:cNvPicPr>
+          <p:nvPr/>
+        </p:nvPicPr>
+        <p:blipFill>
+          <a:blip r:embed="rId2"/>
+          <a:stretch>
+            <a:fillRect/>
+          </a:stretch>
+        </p:blipFill>
+        <p:spPr>
+          <a:xfrm>
+            <a:off x="7315199" y="1870363"/>
+            <a:ext cx="4989929" cy="2572328"/>
+          </a:xfrm>
+          <a:prstGeom prst="rect">
+            <a:avLst/>
+          </a:prstGeom>
+        </p:spPr>
+      </p:pic>
     </p:spTree>
     <p:extLst>
       <p:ext uri="{BB962C8B-B14F-4D97-AF65-F5344CB8AC3E}">
         <p14:creationId xmlns:p14="http://schemas.microsoft.com/office/powerpoint/2010/main" val="4207979057"/>
-      </p:ext>
-    </p:extLst>
-  </p:cSld>
-  <p:clrMapOvr>
-    <a:masterClrMapping/>
-  </p:clrMapOvr>
-</p:sld>
-</file>
-
-<file path=ppt/slides/slide24.xml><?xml version="1.0" encoding="utf-8"?>
-<p:sld xmlns:a="http://schemas.openxmlformats.org/drawingml/2006/main" xmlns:r="http://schemas.openxmlformats.org/officeDocument/2006/relationships" xmlns:p="http://schemas.openxmlformats.org/presentationml/2006/main">
-  <p:cSld>
-    <p:spTree>
-      <p:nvGrpSpPr>
-        <p:cNvPr id="1" name=""/>
-        <p:cNvGrpSpPr/>
-        <p:nvPr/>
-      </p:nvGrpSpPr>
-      <p:grpSpPr>
-        <a:xfrm>
-          <a:off x="0" y="0"/>
-          <a:ext cx="0" cy="0"/>
-          <a:chOff x="0" y="0"/>
-          <a:chExt cx="0" cy="0"/>
-        </a:xfrm>
-      </p:grpSpPr>
-      <p:sp>
-        <p:nvSpPr>
-          <p:cNvPr id="2" name="Title 1">
-            <a:extLst>
-              <a:ext uri="{FF2B5EF4-FFF2-40B4-BE49-F238E27FC236}">
-                <a16:creationId xmlns:a16="http://schemas.microsoft.com/office/drawing/2014/main" id="{639F6E01-2D4A-7F85-D6AC-57E5F00EE165}"/>
-              </a:ext>
-            </a:extLst>
-          </p:cNvPr>
-          <p:cNvSpPr>
-            <a:spLocks noGrp="1"/>
-          </p:cNvSpPr>
-          <p:nvPr>
-            <p:ph type="title"/>
-          </p:nvPr>
-        </p:nvSpPr>
-        <p:spPr/>
-        <p:txBody>
-          <a:bodyPr/>
-          <a:lstStyle/>
-          <a:p>
-            <a:r>
-              <a:rPr lang="en-GB" dirty="0"/>
-              <a:t>The wrap up!</a:t>
-            </a:r>
-          </a:p>
-        </p:txBody>
-      </p:sp>
-      <p:sp>
-        <p:nvSpPr>
-          <p:cNvPr id="3" name="Content Placeholder 2">
-            <a:extLst>
-              <a:ext uri="{FF2B5EF4-FFF2-40B4-BE49-F238E27FC236}">
-                <a16:creationId xmlns:a16="http://schemas.microsoft.com/office/drawing/2014/main" id="{D4DED814-E6CB-FCA7-FDF0-7391BEA613BB}"/>
-              </a:ext>
-            </a:extLst>
-          </p:cNvPr>
-          <p:cNvSpPr>
-            <a:spLocks noGrp="1"/>
-          </p:cNvSpPr>
-          <p:nvPr>
-            <p:ph idx="1"/>
-          </p:nvPr>
-        </p:nvSpPr>
-        <p:spPr/>
-        <p:txBody>
-          <a:bodyPr/>
-          <a:lstStyle/>
-          <a:p>
-            <a:r>
-              <a:rPr lang="en-GB" dirty="0"/>
-              <a:t>Thanks for joining the session!</a:t>
-            </a:r>
-          </a:p>
-          <a:p>
-            <a:r>
-              <a:rPr lang="en-GB" dirty="0"/>
-              <a:t>Any questions?!</a:t>
-            </a:r>
-          </a:p>
-        </p:txBody>
-      </p:sp>
-    </p:spTree>
-    <p:extLst>
-      <p:ext uri="{BB962C8B-B14F-4D97-AF65-F5344CB8AC3E}">
-        <p14:creationId xmlns:p14="http://schemas.microsoft.com/office/powerpoint/2010/main" val="1582339638"/>
       </p:ext>
     </p:extLst>
   </p:cSld>
@@ -8393,7 +10873,7 @@
           <a:p>
             <a:r>
               <a:rPr lang="en-GB" sz="3200" dirty="0"/>
-              <a:t>A quick (and maybe fun) intro to using git:</a:t>
+              <a:t>A quick (and maybe fun) intro to using Git:</a:t>
             </a:r>
           </a:p>
           <a:p>
@@ -8407,14 +10887,14 @@
             <a:pPr lvl="1"/>
             <a:r>
               <a:rPr lang="en-GB" sz="2800" dirty="0"/>
-              <a:t>What’s the difference between local and remote repositories and git, GitHub and Dev Ops?</a:t>
+              <a:t>What’s the difference between local and remote repositories and Git, GitHub and Dev Ops?</a:t>
             </a:r>
           </a:p>
           <a:p>
             <a:pPr lvl="1"/>
             <a:r>
               <a:rPr lang="en-GB" sz="2800" dirty="0"/>
-              <a:t>Working with git</a:t>
+              <a:t>Working with Git</a:t>
             </a:r>
           </a:p>
           <a:p>
@@ -8444,6 +10924,145 @@
     <p:extLst>
       <p:ext uri="{BB962C8B-B14F-4D97-AF65-F5344CB8AC3E}">
         <p14:creationId xmlns:p14="http://schemas.microsoft.com/office/powerpoint/2010/main" val="304461431"/>
+      </p:ext>
+    </p:extLst>
+  </p:cSld>
+  <p:clrMapOvr>
+    <a:masterClrMapping/>
+  </p:clrMapOvr>
+</p:sld>
+</file>
+
+<file path=ppt/slides/slide30.xml><?xml version="1.0" encoding="utf-8"?>
+<p:sld xmlns:a="http://schemas.openxmlformats.org/drawingml/2006/main" xmlns:r="http://schemas.openxmlformats.org/officeDocument/2006/relationships" xmlns:p="http://schemas.openxmlformats.org/presentationml/2006/main">
+  <p:cSld>
+    <p:spTree>
+      <p:nvGrpSpPr>
+        <p:cNvPr id="1" name=""/>
+        <p:cNvGrpSpPr/>
+        <p:nvPr/>
+      </p:nvGrpSpPr>
+      <p:grpSpPr>
+        <a:xfrm>
+          <a:off x="0" y="0"/>
+          <a:ext cx="0" cy="0"/>
+          <a:chOff x="0" y="0"/>
+          <a:chExt cx="0" cy="0"/>
+        </a:xfrm>
+      </p:grpSpPr>
+      <p:sp>
+        <p:nvSpPr>
+          <p:cNvPr id="2" name="Title 1">
+            <a:extLst>
+              <a:ext uri="{FF2B5EF4-FFF2-40B4-BE49-F238E27FC236}">
+                <a16:creationId xmlns:a16="http://schemas.microsoft.com/office/drawing/2014/main" id="{639F6E01-2D4A-7F85-D6AC-57E5F00EE165}"/>
+              </a:ext>
+            </a:extLst>
+          </p:cNvPr>
+          <p:cNvSpPr>
+            <a:spLocks noGrp="1"/>
+          </p:cNvSpPr>
+          <p:nvPr>
+            <p:ph type="title"/>
+          </p:nvPr>
+        </p:nvSpPr>
+        <p:spPr/>
+        <p:txBody>
+          <a:bodyPr/>
+          <a:lstStyle/>
+          <a:p>
+            <a:r>
+              <a:rPr lang="en-GB" dirty="0"/>
+              <a:t>The wrap up!</a:t>
+            </a:r>
+          </a:p>
+        </p:txBody>
+      </p:sp>
+      <p:sp>
+        <p:nvSpPr>
+          <p:cNvPr id="3" name="Content Placeholder 2">
+            <a:extLst>
+              <a:ext uri="{FF2B5EF4-FFF2-40B4-BE49-F238E27FC236}">
+                <a16:creationId xmlns:a16="http://schemas.microsoft.com/office/drawing/2014/main" id="{D4DED814-E6CB-FCA7-FDF0-7391BEA613BB}"/>
+              </a:ext>
+            </a:extLst>
+          </p:cNvPr>
+          <p:cNvSpPr>
+            <a:spLocks noGrp="1"/>
+          </p:cNvSpPr>
+          <p:nvPr>
+            <p:ph idx="1"/>
+          </p:nvPr>
+        </p:nvSpPr>
+        <p:spPr/>
+        <p:txBody>
+          <a:bodyPr/>
+          <a:lstStyle/>
+          <a:p>
+            <a:r>
+              <a:rPr lang="en-GB" dirty="0"/>
+              <a:t>Thanks for joining the session!</a:t>
+            </a:r>
+          </a:p>
+          <a:p>
+            <a:r>
+              <a:rPr lang="en-GB" dirty="0"/>
+              <a:t>Any questions?!</a:t>
+            </a:r>
+          </a:p>
+          <a:p>
+            <a:r>
+              <a:rPr lang="en-GB" dirty="0"/>
+              <a:t>For anything at all you want to check with us post-workshop;</a:t>
+            </a:r>
+          </a:p>
+          <a:p>
+            <a:pPr lvl="1"/>
+            <a:r>
+              <a:rPr lang="en-GB" dirty="0">
+                <a:hlinkClick r:id="rId2"/>
+              </a:rPr>
+              <a:t>statistics.development@education.gov.uk</a:t>
+            </a:r>
+            <a:r>
+              <a:rPr lang="en-GB" dirty="0"/>
+              <a:t> </a:t>
+            </a:r>
+          </a:p>
+          <a:p>
+            <a:pPr lvl="1"/>
+            <a:r>
+              <a:rPr lang="en-GB" dirty="0"/>
+              <a:t>Typical queries we get:	</a:t>
+            </a:r>
+          </a:p>
+          <a:p>
+            <a:pPr lvl="2"/>
+            <a:r>
+              <a:rPr lang="en-GB" dirty="0"/>
+              <a:t>Can you host a repository for me?</a:t>
+            </a:r>
+          </a:p>
+          <a:p>
+            <a:pPr lvl="2"/>
+            <a:r>
+              <a:rPr lang="en-GB" dirty="0"/>
+              <a:t>Can my team members join your next workshop?</a:t>
+            </a:r>
+          </a:p>
+          <a:p>
+            <a:pPr lvl="2"/>
+            <a:r>
+              <a:rPr lang="en-GB" dirty="0"/>
+              <a:t>I think I broke something; how do I fix it?</a:t>
+            </a:r>
+          </a:p>
+        </p:txBody>
+      </p:sp>
+    </p:spTree>
+    <p:extLst>
+      <p:ext uri="{BB962C8B-B14F-4D97-AF65-F5344CB8AC3E}">
+        <p14:creationId xmlns:p14="http://schemas.microsoft.com/office/powerpoint/2010/main" val="1582339638"/>
       </p:ext>
     </p:extLst>
   </p:cSld>
@@ -8493,7 +11112,7 @@
           <a:p>
             <a:r>
               <a:rPr lang="en-GB" dirty="0"/>
-              <a:t>What are the key blockers to you using git?</a:t>
+              <a:t>What are the key blockers to you using Git?</a:t>
             </a:r>
           </a:p>
         </p:txBody>
@@ -8518,6 +11137,12 @@
         <p:txBody>
           <a:bodyPr/>
           <a:lstStyle/>
+          <a:p>
+            <a:r>
+              <a:rPr lang="en-GB" dirty="0"/>
+              <a:t>I have no idea what you’re talking about!</a:t>
+            </a:r>
+          </a:p>
           <a:p>
             <a:r>
               <a:rPr lang="en-GB" dirty="0"/>
@@ -8848,6 +11473,55 @@
                                           <p:spTgt spid="3">
                                             <p:txEl>
                                               <p:pRg st="5" end="5"/>
+                                            </p:txEl>
+                                          </p:spTgt>
+                                        </p:tgtEl>
+                                        <p:attrNameLst>
+                                          <p:attrName>style.visibility</p:attrName>
+                                        </p:attrNameLst>
+                                      </p:cBhvr>
+                                      <p:to>
+                                        <p:strVal val="visible"/>
+                                      </p:to>
+                                    </p:set>
+                                  </p:childTnLst>
+                                </p:cTn>
+                              </p:par>
+                            </p:childTnLst>
+                          </p:cTn>
+                        </p:par>
+                      </p:childTnLst>
+                    </p:cTn>
+                  </p:par>
+                  <p:par>
+                    <p:cTn id="27" fill="hold">
+                      <p:stCondLst>
+                        <p:cond delay="indefinite"/>
+                      </p:stCondLst>
+                      <p:childTnLst>
+                        <p:par>
+                          <p:cTn id="28" fill="hold">
+                            <p:stCondLst>
+                              <p:cond delay="0"/>
+                            </p:stCondLst>
+                            <p:childTnLst>
+                              <p:par>
+                                <p:cTn id="29" presetID="1" presetClass="entr" presetSubtype="0" fill="hold" grpId="0" nodeType="clickEffect">
+                                  <p:stCondLst>
+                                    <p:cond delay="0"/>
+                                  </p:stCondLst>
+                                  <p:childTnLst>
+                                    <p:set>
+                                      <p:cBhvr>
+                                        <p:cTn id="30" dur="1" fill="hold">
+                                          <p:stCondLst>
+                                            <p:cond delay="0"/>
+                                          </p:stCondLst>
+                                        </p:cTn>
+                                        <p:tgtEl>
+                                          <p:spTgt spid="3">
+                                            <p:txEl>
+                                              <p:pRg st="6" end="6"/>
                                             </p:txEl>
                                           </p:spTgt>
                                         </p:tgtEl>
@@ -8936,7 +11610,7 @@
           <a:p>
             <a:r>
               <a:rPr lang="en-GB" dirty="0"/>
-              <a:t>What is git?</a:t>
+              <a:t>What is Git?</a:t>
             </a:r>
           </a:p>
         </p:txBody>
@@ -9910,7 +12584,7 @@
           <a:p>
             <a:r>
               <a:rPr lang="en-GB" dirty="0"/>
-              <a:t>What are the key benefits of using git?</a:t>
+              <a:t>What are the key benefits of using Git?</a:t>
             </a:r>
           </a:p>
         </p:txBody>
@@ -10900,7 +13574,15 @@
           <a:p>
             <a:r>
               <a:rPr lang="en-GB" dirty="0"/>
-              <a:t>The command git commit saves the progress of your work in a repo.</a:t>
+              <a:t>The command </a:t>
+            </a:r>
+            <a:r>
+              <a:rPr lang="en-GB" i="1" dirty="0"/>
+              <a:t>git commit </a:t>
+            </a:r>
+            <a:r>
+              <a:rPr lang="en-GB" dirty="0"/>
+              <a:t>saves the progress of your work in a repo.</a:t>
             </a:r>
           </a:p>
           <a:p>

--- a/slides/workshopslides_quick-git.pptx
+++ b/slides/workshopslides_quick-git.pptx
@@ -8,9 +8,9 @@
     <p:sldId id="256" r:id="rId2"/>
     <p:sldId id="268" r:id="rId3"/>
     <p:sldId id="257" r:id="rId4"/>
-    <p:sldId id="260" r:id="rId5"/>
-    <p:sldId id="258" r:id="rId6"/>
-    <p:sldId id="259" r:id="rId7"/>
+    <p:sldId id="258" r:id="rId5"/>
+    <p:sldId id="259" r:id="rId6"/>
+    <p:sldId id="260" r:id="rId7"/>
     <p:sldId id="264" r:id="rId8"/>
     <p:sldId id="261" r:id="rId9"/>
     <p:sldId id="269" r:id="rId10"/>
@@ -145,9 +145,9 @@
           <p14:sldIdLst>
             <p14:sldId id="268"/>
             <p14:sldId id="257"/>
-            <p14:sldId id="260"/>
             <p14:sldId id="258"/>
             <p14:sldId id="259"/>
+            <p14:sldId id="260"/>
             <p14:sldId id="264"/>
           </p14:sldIdLst>
         </p14:section>
@@ -391,7 +391,7 @@
           <a:p>
             <a:fld id="{7E3A1397-DDBE-4990-A86F-207B0B9A1F2C}" type="datetimeFigureOut">
               <a:rPr lang="en-GB" smtClean="0"/>
-              <a:t>20/09/2023</a:t>
+              <a:t>21/09/2023</a:t>
             </a:fld>
             <a:endParaRPr lang="en-GB"/>
           </a:p>
@@ -615,7 +615,7 @@
           <a:p>
             <a:fld id="{7E3A1397-DDBE-4990-A86F-207B0B9A1F2C}" type="datetimeFigureOut">
               <a:rPr lang="en-GB" smtClean="0"/>
-              <a:t>20/09/2023</a:t>
+              <a:t>21/09/2023</a:t>
             </a:fld>
             <a:endParaRPr lang="en-GB"/>
           </a:p>
@@ -795,7 +795,7 @@
           <a:p>
             <a:fld id="{7E3A1397-DDBE-4990-A86F-207B0B9A1F2C}" type="datetimeFigureOut">
               <a:rPr lang="en-GB" smtClean="0"/>
-              <a:t>20/09/2023</a:t>
+              <a:t>21/09/2023</a:t>
             </a:fld>
             <a:endParaRPr lang="en-GB"/>
           </a:p>
@@ -965,7 +965,7 @@
           <a:p>
             <a:fld id="{7E3A1397-DDBE-4990-A86F-207B0B9A1F2C}" type="datetimeFigureOut">
               <a:rPr lang="en-GB" smtClean="0"/>
-              <a:t>20/09/2023</a:t>
+              <a:t>21/09/2023</a:t>
             </a:fld>
             <a:endParaRPr lang="en-GB"/>
           </a:p>
@@ -1256,7 +1256,7 @@
           <a:p>
             <a:fld id="{7E3A1397-DDBE-4990-A86F-207B0B9A1F2C}" type="datetimeFigureOut">
               <a:rPr lang="en-GB" smtClean="0"/>
-              <a:t>20/09/2023</a:t>
+              <a:t>21/09/2023</a:t>
             </a:fld>
             <a:endParaRPr lang="en-GB"/>
           </a:p>
@@ -1582,7 +1582,7 @@
           <a:p>
             <a:fld id="{7E3A1397-DDBE-4990-A86F-207B0B9A1F2C}" type="datetimeFigureOut">
               <a:rPr lang="en-GB" smtClean="0"/>
-              <a:t>20/09/2023</a:t>
+              <a:t>21/09/2023</a:t>
             </a:fld>
             <a:endParaRPr lang="en-GB"/>
           </a:p>
@@ -1994,7 +1994,7 @@
           <a:p>
             <a:fld id="{7E3A1397-DDBE-4990-A86F-207B0B9A1F2C}" type="datetimeFigureOut">
               <a:rPr lang="en-GB" smtClean="0"/>
-              <a:t>20/09/2023</a:t>
+              <a:t>21/09/2023</a:t>
             </a:fld>
             <a:endParaRPr lang="en-GB"/>
           </a:p>
@@ -2112,7 +2112,7 @@
           <a:p>
             <a:fld id="{7E3A1397-DDBE-4990-A86F-207B0B9A1F2C}" type="datetimeFigureOut">
               <a:rPr lang="en-GB" smtClean="0"/>
-              <a:t>20/09/2023</a:t>
+              <a:t>21/09/2023</a:t>
             </a:fld>
             <a:endParaRPr lang="en-GB"/>
           </a:p>
@@ -2207,7 +2207,7 @@
           <a:p>
             <a:fld id="{7E3A1397-DDBE-4990-A86F-207B0B9A1F2C}" type="datetimeFigureOut">
               <a:rPr lang="en-GB" smtClean="0"/>
-              <a:t>20/09/2023</a:t>
+              <a:t>21/09/2023</a:t>
             </a:fld>
             <a:endParaRPr lang="en-GB"/>
           </a:p>
@@ -2494,7 +2494,7 @@
           <a:p>
             <a:fld id="{7E3A1397-DDBE-4990-A86F-207B0B9A1F2C}" type="datetimeFigureOut">
               <a:rPr lang="en-GB" smtClean="0"/>
-              <a:t>20/09/2023</a:t>
+              <a:t>21/09/2023</a:t>
             </a:fld>
             <a:endParaRPr lang="en-GB"/>
           </a:p>
@@ -2771,7 +2771,7 @@
           <a:p>
             <a:fld id="{7E3A1397-DDBE-4990-A86F-207B0B9A1F2C}" type="datetimeFigureOut">
               <a:rPr lang="en-GB" smtClean="0"/>
-              <a:t>20/09/2023</a:t>
+              <a:t>21/09/2023</a:t>
             </a:fld>
             <a:endParaRPr lang="en-GB"/>
           </a:p>
@@ -3022,7 +3022,7 @@
           <a:p>
             <a:fld id="{7E3A1397-DDBE-4990-A86F-207B0B9A1F2C}" type="datetimeFigureOut">
               <a:rPr lang="en-GB" smtClean="0"/>
-              <a:t>20/09/2023</a:t>
+              <a:t>21/09/2023</a:t>
             </a:fld>
             <a:endParaRPr lang="en-GB"/>
           </a:p>
@@ -11094,7 +11094,7 @@
           <p:cNvPr id="2" name="Title 1">
             <a:extLst>
               <a:ext uri="{FF2B5EF4-FFF2-40B4-BE49-F238E27FC236}">
-                <a16:creationId xmlns:a16="http://schemas.microsoft.com/office/drawing/2014/main" id="{001B293D-B603-DE94-CAEE-6BF7C72DA4D2}"/>
+                <a16:creationId xmlns:a16="http://schemas.microsoft.com/office/drawing/2014/main" id="{C6DBF5C6-296C-82A2-BF5C-DA8B3C71438C}"/>
               </a:ext>
             </a:extLst>
           </p:cNvPr>
@@ -11112,7 +11112,7 @@
           <a:p>
             <a:r>
               <a:rPr lang="en-GB" dirty="0"/>
-              <a:t>What are the key blockers to you using Git?</a:t>
+              <a:t>What is Git?</a:t>
             </a:r>
           </a:p>
         </p:txBody>
@@ -11122,7 +11122,7 @@
           <p:cNvPr id="3" name="Content Placeholder 2">
             <a:extLst>
               <a:ext uri="{FF2B5EF4-FFF2-40B4-BE49-F238E27FC236}">
-                <a16:creationId xmlns:a16="http://schemas.microsoft.com/office/drawing/2014/main" id="{D81F6B97-ECF7-8CD4-60B7-A2877F3168AD}"/>
+                <a16:creationId xmlns:a16="http://schemas.microsoft.com/office/drawing/2014/main" id="{FDF9507C-5200-B177-C436-D96E54B43F25}"/>
               </a:ext>
             </a:extLst>
           </p:cNvPr>
@@ -11135,56 +11135,69 @@
         </p:nvSpPr>
         <p:spPr/>
         <p:txBody>
-          <a:bodyPr/>
+          <a:bodyPr>
+            <a:normAutofit/>
+          </a:bodyPr>
           <a:lstStyle/>
           <a:p>
             <a:r>
-              <a:rPr lang="en-GB" dirty="0"/>
-              <a:t>I have no idea what you’re talking about!</a:t>
-            </a:r>
-          </a:p>
-          <a:p>
-            <a:r>
-              <a:rPr lang="en-GB" dirty="0"/>
-              <a:t>Team or personal expertise/knowledge/capability</a:t>
-            </a:r>
-          </a:p>
-          <a:p>
-            <a:r>
-              <a:rPr lang="en-GB" dirty="0"/>
-              <a:t>Not enough support in the department</a:t>
-            </a:r>
-          </a:p>
-          <a:p>
-            <a:r>
-              <a:rPr lang="en-GB" dirty="0"/>
-              <a:t>Challenges in setting it (and RStudio) up on work machines</a:t>
-            </a:r>
-          </a:p>
-          <a:p>
-            <a:r>
-              <a:rPr lang="en-GB" dirty="0"/>
-              <a:t>Don’t see how it benefits us compared to what we already do just on shared drives</a:t>
-            </a:r>
-          </a:p>
-          <a:p>
-            <a:r>
-              <a:rPr lang="en-GB" dirty="0"/>
-              <a:t>Just don’t get the concept!</a:t>
-            </a:r>
-          </a:p>
-          <a:p>
-            <a:r>
-              <a:rPr lang="en-GB" dirty="0"/>
-              <a:t>Overwhelmed by too much to learn alongside R and SQL learning.</a:t>
-            </a:r>
+              <a:rPr lang="en-GB" sz="2800" dirty="0"/>
+              <a:t>Git is a piece of software designed for version control, i.e.</a:t>
+            </a:r>
+          </a:p>
+          <a:p>
+            <a:pPr lvl="1"/>
+            <a:r>
+              <a:rPr lang="en-GB" sz="2400" dirty="0"/>
+              <a:t>Tracking changes;</a:t>
+            </a:r>
+          </a:p>
+          <a:p>
+            <a:pPr lvl="1"/>
+            <a:r>
+              <a:rPr lang="en-GB" sz="2400" dirty="0"/>
+              <a:t>Undoing changes;</a:t>
+            </a:r>
+          </a:p>
+          <a:p>
+            <a:pPr lvl="1"/>
+            <a:r>
+              <a:rPr lang="en-GB" sz="2400" dirty="0"/>
+              <a:t>Maintaining parallel variants of code.</a:t>
+            </a:r>
+          </a:p>
+          <a:p>
+            <a:r>
+              <a:rPr lang="en-GB" sz="2800" dirty="0"/>
+              <a:t>Git works with repositories:</a:t>
+            </a:r>
+          </a:p>
+          <a:p>
+            <a:pPr lvl="1"/>
+            <a:r>
+              <a:rPr lang="en-GB" sz="2400" dirty="0"/>
+              <a:t>A repository (or repo) is simply a folder containing all the version controlled files of a given project.</a:t>
+            </a:r>
+          </a:p>
+          <a:p>
+            <a:pPr lvl="1"/>
+            <a:r>
+              <a:rPr lang="en-GB" sz="2400" dirty="0"/>
+              <a:t>It can have multiple sub-folders that will can also be tracked.</a:t>
+            </a:r>
+          </a:p>
+          <a:p>
+            <a:pPr marL="0" indent="0">
+              <a:buNone/>
+            </a:pPr>
+            <a:endParaRPr lang="en-GB" dirty="0"/>
           </a:p>
         </p:txBody>
       </p:sp>
     </p:spTree>
     <p:extLst>
       <p:ext uri="{BB962C8B-B14F-4D97-AF65-F5344CB8AC3E}">
-        <p14:creationId xmlns:p14="http://schemas.microsoft.com/office/powerpoint/2010/main" val="3862344689"/>
+        <p14:creationId xmlns:p14="http://schemas.microsoft.com/office/powerpoint/2010/main" val="3343195961"/>
       </p:ext>
     </p:extLst>
   </p:cSld>
@@ -11242,33 +11255,15 @@
                                   </p:childTnLst>
                                 </p:cTn>
                               </p:par>
-                            </p:childTnLst>
-                          </p:cTn>
-                        </p:par>
-                      </p:childTnLst>
-                    </p:cTn>
-                  </p:par>
-                  <p:par>
-                    <p:cTn id="7" fill="hold">
-                      <p:stCondLst>
-                        <p:cond delay="indefinite"/>
-                      </p:stCondLst>
-                      <p:childTnLst>
-                        <p:par>
-                          <p:cTn id="8" fill="hold">
-                            <p:stCondLst>
-                              <p:cond delay="0"/>
-                            </p:stCondLst>
-                            <p:childTnLst>
                               <p:par>
-                                <p:cTn id="9" presetID="1" presetClass="entr" presetSubtype="0" fill="hold" grpId="0" nodeType="clickEffect">
+                                <p:cTn id="7" presetID="1" presetClass="entr" presetSubtype="0" fill="hold" grpId="0" nodeType="withEffect">
                                   <p:stCondLst>
                                     <p:cond delay="0"/>
                                   </p:stCondLst>
                                   <p:childTnLst>
                                     <p:set>
                                       <p:cBhvr>
-                                        <p:cTn id="10" dur="1" fill="hold">
+                                        <p:cTn id="8" dur="1" fill="hold">
                                           <p:stCondLst>
                                             <p:cond delay="0"/>
                                           </p:stCondLst>
@@ -11277,6 +11272,68 @@
                                           <p:spTgt spid="3">
                                             <p:txEl>
                                               <p:pRg st="1" end="1"/>
+                                            </p:txEl>
+                                          </p:spTgt>
+                                        </p:tgtEl>
+                                        <p:attrNameLst>
+                                          <p:attrName>style.visibility</p:attrName>
+                                        </p:attrNameLst>
+                                      </p:cBhvr>
+                                      <p:to>
+                                        <p:strVal val="visible"/>
+                                      </p:to>
+                                    </p:set>
+                                  </p:childTnLst>
+                                </p:cTn>
+                              </p:par>
+                              <p:par>
+                                <p:cTn id="9" presetID="1" presetClass="entr" presetSubtype="0" fill="hold" grpId="0" nodeType="withEffect">
+                                  <p:stCondLst>
+                                    <p:cond delay="0"/>
+                                  </p:stCondLst>
+                                  <p:childTnLst>
+                                    <p:set>
+                                      <p:cBhvr>
+                                        <p:cTn id="10" dur="1" fill="hold">
+                                          <p:stCondLst>
+                                            <p:cond delay="0"/>
+                                          </p:stCondLst>
+                                        </p:cTn>
+                                        <p:tgtEl>
+                                          <p:spTgt spid="3">
+                                            <p:txEl>
+                                              <p:pRg st="2" end="2"/>
+                                            </p:txEl>
+                                          </p:spTgt>
+                                        </p:tgtEl>
+                                        <p:attrNameLst>
+                                          <p:attrName>style.visibility</p:attrName>
+                                        </p:attrNameLst>
+                                      </p:cBhvr>
+                                      <p:to>
+                                        <p:strVal val="visible"/>
+                                      </p:to>
+                                    </p:set>
+                                  </p:childTnLst>
+                                </p:cTn>
+                              </p:par>
+                              <p:par>
+                                <p:cTn id="11" presetID="1" presetClass="entr" presetSubtype="0" fill="hold" grpId="0" nodeType="withEffect">
+                                  <p:stCondLst>
+                                    <p:cond delay="0"/>
+                                  </p:stCondLst>
+                                  <p:childTnLst>
+                                    <p:set>
+                                      <p:cBhvr>
+                                        <p:cTn id="12" dur="1" fill="hold">
+                                          <p:stCondLst>
+                                            <p:cond delay="0"/>
+                                          </p:stCondLst>
+                                        </p:cTn>
+                                        <p:tgtEl>
+                                          <p:spTgt spid="3">
+                                            <p:txEl>
+                                              <p:pRg st="3" end="3"/>
                                             </p:txEl>
                                           </p:spTgt>
                                         </p:tgtEl>
@@ -11298,26 +11355,26 @@
                     </p:cTn>
                   </p:par>
                   <p:par>
-                    <p:cTn id="11" fill="hold">
+                    <p:cTn id="13" fill="hold">
                       <p:stCondLst>
                         <p:cond delay="indefinite"/>
                       </p:stCondLst>
                       <p:childTnLst>
                         <p:par>
-                          <p:cTn id="12" fill="hold">
+                          <p:cTn id="14" fill="hold">
                             <p:stCondLst>
                               <p:cond delay="0"/>
                             </p:stCondLst>
                             <p:childTnLst>
                               <p:par>
-                                <p:cTn id="13" presetID="1" presetClass="entr" presetSubtype="0" fill="hold" grpId="0" nodeType="clickEffect">
+                                <p:cTn id="15" presetID="1" presetClass="entr" presetSubtype="0" fill="hold" grpId="0" nodeType="clickEffect">
                                   <p:stCondLst>
                                     <p:cond delay="0"/>
                                   </p:stCondLst>
                                   <p:childTnLst>
                                     <p:set>
                                       <p:cBhvr>
-                                        <p:cTn id="14" dur="1" fill="hold">
+                                        <p:cTn id="16" dur="1" fill="hold">
                                           <p:stCondLst>
                                             <p:cond delay="0"/>
                                           </p:stCondLst>
@@ -11325,7 +11382,7 @@
                                         <p:tgtEl>
                                           <p:spTgt spid="3">
                                             <p:txEl>
-                                              <p:pRg st="2" end="2"/>
+                                              <p:pRg st="4" end="4"/>
                                             </p:txEl>
                                           </p:spTgt>
                                         </p:tgtEl>
@@ -11340,26 +11397,8 @@
                                   </p:childTnLst>
                                 </p:cTn>
                               </p:par>
-                            </p:childTnLst>
-                          </p:cTn>
-                        </p:par>
-                      </p:childTnLst>
-                    </p:cTn>
-                  </p:par>
-                  <p:par>
-                    <p:cTn id="15" fill="hold">
-                      <p:stCondLst>
-                        <p:cond delay="indefinite"/>
-                      </p:stCondLst>
-                      <p:childTnLst>
-                        <p:par>
-                          <p:cTn id="16" fill="hold">
-                            <p:stCondLst>
-                              <p:cond delay="0"/>
-                            </p:stCondLst>
-                            <p:childTnLst>
                               <p:par>
-                                <p:cTn id="17" presetID="1" presetClass="entr" presetSubtype="0" fill="hold" grpId="0" nodeType="clickEffect">
+                                <p:cTn id="17" presetID="1" presetClass="entr" presetSubtype="0" fill="hold" grpId="0" nodeType="withEffect">
                                   <p:stCondLst>
                                     <p:cond delay="0"/>
                                   </p:stCondLst>
@@ -11374,7 +11413,7 @@
                                         <p:tgtEl>
                                           <p:spTgt spid="3">
                                             <p:txEl>
-                                              <p:pRg st="3" end="3"/>
+                                              <p:pRg st="5" end="5"/>
                                             </p:txEl>
                                           </p:spTgt>
                                         </p:tgtEl>
@@ -11389,131 +11428,15 @@
                                   </p:childTnLst>
                                 </p:cTn>
                               </p:par>
-                            </p:childTnLst>
-                          </p:cTn>
-                        </p:par>
-                      </p:childTnLst>
-                    </p:cTn>
-                  </p:par>
-                  <p:par>
-                    <p:cTn id="19" fill="hold">
-                      <p:stCondLst>
-                        <p:cond delay="indefinite"/>
-                      </p:stCondLst>
-                      <p:childTnLst>
-                        <p:par>
-                          <p:cTn id="20" fill="hold">
-                            <p:stCondLst>
-                              <p:cond delay="0"/>
-                            </p:stCondLst>
-                            <p:childTnLst>
                               <p:par>
-                                <p:cTn id="21" presetID="1" presetClass="entr" presetSubtype="0" fill="hold" grpId="0" nodeType="clickEffect">
+                                <p:cTn id="19" presetID="1" presetClass="entr" presetSubtype="0" fill="hold" grpId="0" nodeType="withEffect">
                                   <p:stCondLst>
                                     <p:cond delay="0"/>
                                   </p:stCondLst>
                                   <p:childTnLst>
                                     <p:set>
                                       <p:cBhvr>
-                                        <p:cTn id="22" dur="1" fill="hold">
-                                          <p:stCondLst>
-                                            <p:cond delay="0"/>
-                                          </p:stCondLst>
-                                        </p:cTn>
-                                        <p:tgtEl>
-                                          <p:spTgt spid="3">
-                                            <p:txEl>
-                                              <p:pRg st="4" end="4"/>
-                                            </p:txEl>
-                                          </p:spTgt>
-                                        </p:tgtEl>
-                                        <p:attrNameLst>
-                                          <p:attrName>style.visibility</p:attrName>
-                                        </p:attrNameLst>
-                                      </p:cBhvr>
-                                      <p:to>
-                                        <p:strVal val="visible"/>
-                                      </p:to>
-                                    </p:set>
-                                  </p:childTnLst>
-                                </p:cTn>
-                              </p:par>
-                            </p:childTnLst>
-                          </p:cTn>
-                        </p:par>
-                      </p:childTnLst>
-                    </p:cTn>
-                  </p:par>
-                  <p:par>
-                    <p:cTn id="23" fill="hold">
-                      <p:stCondLst>
-                        <p:cond delay="indefinite"/>
-                      </p:stCondLst>
-                      <p:childTnLst>
-                        <p:par>
-                          <p:cTn id="24" fill="hold">
-                            <p:stCondLst>
-                              <p:cond delay="0"/>
-                            </p:stCondLst>
-                            <p:childTnLst>
-                              <p:par>
-                                <p:cTn id="25" presetID="1" presetClass="entr" presetSubtype="0" fill="hold" grpId="0" nodeType="clickEffect">
-                                  <p:stCondLst>
-                                    <p:cond delay="0"/>
-                                  </p:stCondLst>
-                                  <p:childTnLst>
-                                    <p:set>
-                                      <p:cBhvr>
-                                        <p:cTn id="26" dur="1" fill="hold">
-                                          <p:stCondLst>
-                                            <p:cond delay="0"/>
-                                          </p:stCondLst>
-                                        </p:cTn>
-                                        <p:tgtEl>
-                                          <p:spTgt spid="3">
-                                            <p:txEl>
-                                              <p:pRg st="5" end="5"/>
-                                            </p:txEl>
-                                          </p:spTgt>
-                                        </p:tgtEl>
-                                        <p:attrNameLst>
-                                          <p:attrName>style.visibility</p:attrName>
-                                        </p:attrNameLst>
-                                      </p:cBhvr>
-                                      <p:to>
-                                        <p:strVal val="visible"/>
-                                      </p:to>
-                                    </p:set>
-                                  </p:childTnLst>
-                                </p:cTn>
-                              </p:par>
-                            </p:childTnLst>
-                          </p:cTn>
-                        </p:par>
-                      </p:childTnLst>
-                    </p:cTn>
-                  </p:par>
-                  <p:par>
-                    <p:cTn id="27" fill="hold">
-                      <p:stCondLst>
-                        <p:cond delay="indefinite"/>
-                      </p:stCondLst>
-                      <p:childTnLst>
-                        <p:par>
-                          <p:cTn id="28" fill="hold">
-                            <p:stCondLst>
-                              <p:cond delay="0"/>
-                            </p:stCondLst>
-                            <p:childTnLst>
-                              <p:par>
-                                <p:cTn id="29" presetID="1" presetClass="entr" presetSubtype="0" fill="hold" grpId="0" nodeType="clickEffect">
-                                  <p:stCondLst>
-                                    <p:cond delay="0"/>
-                                  </p:stCondLst>
-                                  <p:childTnLst>
-                                    <p:set>
-                                      <p:cBhvr>
-                                        <p:cTn id="30" dur="1" fill="hold">
+                                        <p:cTn id="20" dur="1" fill="hold">
                                           <p:stCondLst>
                                             <p:cond delay="0"/>
                                           </p:stCondLst>
@@ -11592,7 +11515,7 @@
           <p:cNvPr id="2" name="Title 1">
             <a:extLst>
               <a:ext uri="{FF2B5EF4-FFF2-40B4-BE49-F238E27FC236}">
-                <a16:creationId xmlns:a16="http://schemas.microsoft.com/office/drawing/2014/main" id="{C6DBF5C6-296C-82A2-BF5C-DA8B3C71438C}"/>
+                <a16:creationId xmlns:a16="http://schemas.microsoft.com/office/drawing/2014/main" id="{09E61190-701F-E4C9-7C75-DBC27263C8D6}"/>
               </a:ext>
             </a:extLst>
           </p:cNvPr>
@@ -11610,7 +11533,7 @@
           <a:p>
             <a:r>
               <a:rPr lang="en-GB" dirty="0"/>
-              <a:t>What is Git?</a:t>
+              <a:t>And GitHub and Dev Ops…</a:t>
             </a:r>
           </a:p>
         </p:txBody>
@@ -11620,7 +11543,7 @@
           <p:cNvPr id="3" name="Content Placeholder 2">
             <a:extLst>
               <a:ext uri="{FF2B5EF4-FFF2-40B4-BE49-F238E27FC236}">
-                <a16:creationId xmlns:a16="http://schemas.microsoft.com/office/drawing/2014/main" id="{FDF9507C-5200-B177-C436-D96E54B43F25}"/>
+                <a16:creationId xmlns:a16="http://schemas.microsoft.com/office/drawing/2014/main" id="{B96484C4-7F43-9B7A-AA31-CA3786AE2CF1}"/>
               </a:ext>
             </a:extLst>
           </p:cNvPr>
@@ -11634,68 +11557,107 @@
         <p:spPr/>
         <p:txBody>
           <a:bodyPr>
-            <a:normAutofit/>
+            <a:noAutofit/>
           </a:bodyPr>
           <a:lstStyle/>
           <a:p>
             <a:r>
-              <a:rPr lang="en-GB" sz="2800" dirty="0"/>
-              <a:t>Git is a piece of software designed for version control, i.e.</a:t>
+              <a:rPr lang="en-GB" sz="2000" dirty="0"/>
+              <a:t>GitHub and Dev Ops provide a space to store and interact with a repository.</a:t>
             </a:r>
           </a:p>
           <a:p>
             <a:pPr lvl="1"/>
             <a:r>
-              <a:rPr lang="en-GB" sz="2400" dirty="0"/>
-              <a:t>Tracking changes;</a:t>
+              <a:rPr lang="en-GB" sz="1800" dirty="0"/>
+              <a:t>View the files;</a:t>
             </a:r>
           </a:p>
           <a:p>
             <a:pPr lvl="1"/>
             <a:r>
-              <a:rPr lang="en-GB" sz="2400" dirty="0"/>
-              <a:t>Undoing changes;</a:t>
+              <a:rPr lang="en-GB" sz="1800" dirty="0"/>
+              <a:t>View the history;</a:t>
             </a:r>
           </a:p>
           <a:p>
             <a:pPr lvl="1"/>
             <a:r>
-              <a:rPr lang="en-GB" sz="2400" dirty="0"/>
-              <a:t>Maintaining parallel variants of code.</a:t>
-            </a:r>
-          </a:p>
-          <a:p>
-            <a:r>
-              <a:rPr lang="en-GB" sz="2800" dirty="0"/>
-              <a:t>Git works with repositories:</a:t>
+              <a:rPr lang="en-GB" sz="1800" dirty="0"/>
+              <a:t>Create and view different branches (variants) of the code;</a:t>
             </a:r>
           </a:p>
           <a:p>
             <a:pPr lvl="1"/>
             <a:r>
-              <a:rPr lang="en-GB" sz="2400" dirty="0"/>
-              <a:t>A repository (or repo) is simply a folder containing all the version controlled files of a given project.</a:t>
+              <a:rPr lang="en-GB" sz="1800" dirty="0"/>
+              <a:t>Management tools such as Issues logs (GitHub) or </a:t>
+            </a:r>
+            <a:r>
+              <a:rPr lang="en-GB" sz="1800" dirty="0" err="1"/>
+              <a:t>Kambam</a:t>
+            </a:r>
+            <a:r>
+              <a:rPr lang="en-GB" sz="1800" dirty="0"/>
+              <a:t> board (Dev Ops)</a:t>
             </a:r>
           </a:p>
           <a:p>
             <a:pPr lvl="1"/>
             <a:r>
-              <a:rPr lang="en-GB" sz="2400" dirty="0"/>
-              <a:t>It can have multiple sub-folders that will can also be tracked.</a:t>
-            </a:r>
-          </a:p>
-          <a:p>
-            <a:pPr marL="0" indent="0">
-              <a:buNone/>
-            </a:pPr>
-            <a:endParaRPr lang="en-GB" dirty="0"/>
+              <a:rPr lang="en-GB" sz="1800" dirty="0"/>
+              <a:t>Create pull requests, review code and get feedback from collaborators;</a:t>
+            </a:r>
+          </a:p>
+          <a:p>
+            <a:pPr lvl="1"/>
+            <a:r>
+              <a:rPr lang="en-GB" sz="1800" dirty="0"/>
+              <a:t>Perform automated QA and deployment of code (e.g. sending a dashboard live).</a:t>
+            </a:r>
+          </a:p>
+          <a:p>
+            <a:r>
+              <a:rPr lang="en-GB" sz="2000" dirty="0"/>
+              <a:t>GitHub and Dev Ops are </a:t>
+            </a:r>
+            <a:r>
+              <a:rPr lang="en-GB" sz="2000" b="1" i="1" dirty="0"/>
+              <a:t>generally</a:t>
+            </a:r>
+            <a:r>
+              <a:rPr lang="en-GB" sz="2000" dirty="0"/>
+              <a:t> </a:t>
+            </a:r>
+            <a:r>
+              <a:rPr lang="en-GB" sz="2000" b="1" i="1" dirty="0"/>
+              <a:t>not</a:t>
+            </a:r>
+            <a:r>
+              <a:rPr lang="en-GB" sz="2000" dirty="0"/>
+              <a:t> a place to:</a:t>
+            </a:r>
+          </a:p>
+          <a:p>
+            <a:pPr lvl="1"/>
+            <a:r>
+              <a:rPr lang="en-GB" sz="1800" dirty="0"/>
+              <a:t>Run your code;</a:t>
+            </a:r>
+          </a:p>
+          <a:p>
+            <a:pPr lvl="1"/>
+            <a:r>
+              <a:rPr lang="en-GB" sz="1800" dirty="0"/>
+              <a:t>Edit your code (although there is some basic text editing functionality you can use).</a:t>
+            </a:r>
           </a:p>
         </p:txBody>
       </p:sp>
     </p:spTree>
     <p:extLst>
       <p:ext uri="{BB962C8B-B14F-4D97-AF65-F5344CB8AC3E}">
-        <p14:creationId xmlns:p14="http://schemas.microsoft.com/office/powerpoint/2010/main" val="3343195961"/>
+        <p14:creationId xmlns:p14="http://schemas.microsoft.com/office/powerpoint/2010/main" val="2138845077"/>
       </p:ext>
     </p:extLst>
   </p:cSld>
@@ -11846,33 +11808,15 @@
                                   </p:childTnLst>
                                 </p:cTn>
                               </p:par>
-                            </p:childTnLst>
-                          </p:cTn>
-                        </p:par>
-                      </p:childTnLst>
-                    </p:cTn>
-                  </p:par>
-                  <p:par>
-                    <p:cTn id="13" fill="hold">
-                      <p:stCondLst>
-                        <p:cond delay="indefinite"/>
-                      </p:stCondLst>
-                      <p:childTnLst>
-                        <p:par>
-                          <p:cTn id="14" fill="hold">
-                            <p:stCondLst>
-                              <p:cond delay="0"/>
-                            </p:stCondLst>
-                            <p:childTnLst>
                               <p:par>
-                                <p:cTn id="15" presetID="1" presetClass="entr" presetSubtype="0" fill="hold" grpId="0" nodeType="clickEffect">
+                                <p:cTn id="13" presetID="1" presetClass="entr" presetSubtype="0" fill="hold" grpId="0" nodeType="withEffect">
                                   <p:stCondLst>
                                     <p:cond delay="0"/>
                                   </p:stCondLst>
                                   <p:childTnLst>
                                     <p:set>
                                       <p:cBhvr>
-                                        <p:cTn id="16" dur="1" fill="hold">
+                                        <p:cTn id="14" dur="1" fill="hold">
                                           <p:stCondLst>
                                             <p:cond delay="0"/>
                                           </p:stCondLst>
@@ -11881,6 +11825,37 @@
                                           <p:spTgt spid="3">
                                             <p:txEl>
                                               <p:pRg st="4" end="4"/>
+                                            </p:txEl>
+                                          </p:spTgt>
+                                        </p:tgtEl>
+                                        <p:attrNameLst>
+                                          <p:attrName>style.visibility</p:attrName>
+                                        </p:attrNameLst>
+                                      </p:cBhvr>
+                                      <p:to>
+                                        <p:strVal val="visible"/>
+                                      </p:to>
+                                    </p:set>
+                                  </p:childTnLst>
+                                </p:cTn>
+                              </p:par>
+                              <p:par>
+                                <p:cTn id="15" presetID="1" presetClass="entr" presetSubtype="0" fill="hold" grpId="0" nodeType="withEffect">
+                                  <p:stCondLst>
+                                    <p:cond delay="0"/>
+                                  </p:stCondLst>
+                                  <p:childTnLst>
+                                    <p:set>
+                                      <p:cBhvr>
+                                        <p:cTn id="16" dur="1" fill="hold">
+                                          <p:stCondLst>
+                                            <p:cond delay="0"/>
+                                          </p:stCondLst>
+                                        </p:cTn>
+                                        <p:tgtEl>
+                                          <p:spTgt spid="3">
+                                            <p:txEl>
+                                              <p:pRg st="5" end="5"/>
                                             </p:txEl>
                                           </p:spTgt>
                                         </p:tgtEl>
@@ -11911,7 +11886,56 @@
                                         <p:tgtEl>
                                           <p:spTgt spid="3">
                                             <p:txEl>
-                                              <p:pRg st="5" end="5"/>
+                                              <p:pRg st="6" end="6"/>
+                                            </p:txEl>
+                                          </p:spTgt>
+                                        </p:tgtEl>
+                                        <p:attrNameLst>
+                                          <p:attrName>style.visibility</p:attrName>
+                                        </p:attrNameLst>
+                                      </p:cBhvr>
+                                      <p:to>
+                                        <p:strVal val="visible"/>
+                                      </p:to>
+                                    </p:set>
+                                  </p:childTnLst>
+                                </p:cTn>
+                              </p:par>
+                            </p:childTnLst>
+                          </p:cTn>
+                        </p:par>
+                      </p:childTnLst>
+                    </p:cTn>
+                  </p:par>
+                  <p:par>
+                    <p:cTn id="19" fill="hold">
+                      <p:stCondLst>
+                        <p:cond delay="indefinite"/>
+                      </p:stCondLst>
+                      <p:childTnLst>
+                        <p:par>
+                          <p:cTn id="20" fill="hold">
+                            <p:stCondLst>
+                              <p:cond delay="0"/>
+                            </p:stCondLst>
+                            <p:childTnLst>
+                              <p:par>
+                                <p:cTn id="21" presetID="1" presetClass="entr" presetSubtype="0" fill="hold" grpId="0" nodeType="clickEffect">
+                                  <p:stCondLst>
+                                    <p:cond delay="0"/>
+                                  </p:stCondLst>
+                                  <p:childTnLst>
+                                    <p:set>
+                                      <p:cBhvr>
+                                        <p:cTn id="22" dur="1" fill="hold">
+                                          <p:stCondLst>
+                                            <p:cond delay="0"/>
+                                          </p:stCondLst>
+                                        </p:cTn>
+                                        <p:tgtEl>
+                                          <p:spTgt spid="3">
+                                            <p:txEl>
+                                              <p:pRg st="7" end="7"/>
                                             </p:txEl>
                                           </p:spTgt>
                                         </p:tgtEl>
@@ -11927,14 +11951,14 @@
                                 </p:cTn>
                               </p:par>
                               <p:par>
-                                <p:cTn id="19" presetID="1" presetClass="entr" presetSubtype="0" fill="hold" grpId="0" nodeType="withEffect">
+                                <p:cTn id="23" presetID="1" presetClass="entr" presetSubtype="0" fill="hold" grpId="0" nodeType="withEffect">
                                   <p:stCondLst>
                                     <p:cond delay="0"/>
                                   </p:stCondLst>
                                   <p:childTnLst>
                                     <p:set>
                                       <p:cBhvr>
-                                        <p:cTn id="20" dur="1" fill="hold">
+                                        <p:cTn id="24" dur="1" fill="hold">
                                           <p:stCondLst>
                                             <p:cond delay="0"/>
                                           </p:stCondLst>
@@ -11942,7 +11966,38 @@
                                         <p:tgtEl>
                                           <p:spTgt spid="3">
                                             <p:txEl>
-                                              <p:pRg st="6" end="6"/>
+                                              <p:pRg st="8" end="8"/>
+                                            </p:txEl>
+                                          </p:spTgt>
+                                        </p:tgtEl>
+                                        <p:attrNameLst>
+                                          <p:attrName>style.visibility</p:attrName>
+                                        </p:attrNameLst>
+                                      </p:cBhvr>
+                                      <p:to>
+                                        <p:strVal val="visible"/>
+                                      </p:to>
+                                    </p:set>
+                                  </p:childTnLst>
+                                </p:cTn>
+                              </p:par>
+                              <p:par>
+                                <p:cTn id="25" presetID="1" presetClass="entr" presetSubtype="0" fill="hold" grpId="0" nodeType="withEffect">
+                                  <p:stCondLst>
+                                    <p:cond delay="0"/>
+                                  </p:stCondLst>
+                                  <p:childTnLst>
+                                    <p:set>
+                                      <p:cBhvr>
+                                        <p:cTn id="26" dur="1" fill="hold">
+                                          <p:stCondLst>
+                                            <p:cond delay="0"/>
+                                          </p:stCondLst>
+                                        </p:cTn>
+                                        <p:tgtEl>
+                                          <p:spTgt spid="3">
+                                            <p:txEl>
+                                              <p:pRg st="9" end="9"/>
                                             </p:txEl>
                                           </p:spTgt>
                                         </p:tgtEl>
@@ -12013,7 +12068,7 @@
           <p:cNvPr id="2" name="Title 1">
             <a:extLst>
               <a:ext uri="{FF2B5EF4-FFF2-40B4-BE49-F238E27FC236}">
-                <a16:creationId xmlns:a16="http://schemas.microsoft.com/office/drawing/2014/main" id="{09E61190-701F-E4C9-7C75-DBC27263C8D6}"/>
+                <a16:creationId xmlns:a16="http://schemas.microsoft.com/office/drawing/2014/main" id="{001B293D-B603-DE94-CAEE-6BF7C72DA4D2}"/>
               </a:ext>
             </a:extLst>
           </p:cNvPr>
@@ -12031,7 +12086,7 @@
           <a:p>
             <a:r>
               <a:rPr lang="en-GB" dirty="0"/>
-              <a:t>And GitHub and Dev Ops…</a:t>
+              <a:t>What are the key blockers to you using Git?</a:t>
             </a:r>
           </a:p>
         </p:txBody>
@@ -12041,7 +12096,7 @@
           <p:cNvPr id="3" name="Content Placeholder 2">
             <a:extLst>
               <a:ext uri="{FF2B5EF4-FFF2-40B4-BE49-F238E27FC236}">
-                <a16:creationId xmlns:a16="http://schemas.microsoft.com/office/drawing/2014/main" id="{B96484C4-7F43-9B7A-AA31-CA3786AE2CF1}"/>
+                <a16:creationId xmlns:a16="http://schemas.microsoft.com/office/drawing/2014/main" id="{D81F6B97-ECF7-8CD4-60B7-A2877F3168AD}"/>
               </a:ext>
             </a:extLst>
           </p:cNvPr>
@@ -12054,100 +12109,48 @@
         </p:nvSpPr>
         <p:spPr/>
         <p:txBody>
-          <a:bodyPr>
-            <a:noAutofit/>
-          </a:bodyPr>
+          <a:bodyPr/>
           <a:lstStyle/>
           <a:p>
             <a:r>
-              <a:rPr lang="en-GB" sz="2000" dirty="0"/>
-              <a:t>GitHub and Dev Ops provide a space to store and interact with a repository.</a:t>
-            </a:r>
-          </a:p>
-          <a:p>
-            <a:pPr lvl="1"/>
-            <a:r>
-              <a:rPr lang="en-GB" sz="1800" dirty="0"/>
-              <a:t>View the files;</a:t>
-            </a:r>
-          </a:p>
-          <a:p>
-            <a:pPr lvl="1"/>
-            <a:r>
-              <a:rPr lang="en-GB" sz="1800" dirty="0"/>
-              <a:t>View the history;</a:t>
-            </a:r>
-          </a:p>
-          <a:p>
-            <a:pPr lvl="1"/>
-            <a:r>
-              <a:rPr lang="en-GB" sz="1800" dirty="0"/>
-              <a:t>Create and view different branches (variants) of the code;</a:t>
-            </a:r>
-          </a:p>
-          <a:p>
-            <a:pPr lvl="1"/>
-            <a:r>
-              <a:rPr lang="en-GB" sz="1800" dirty="0"/>
-              <a:t>Management tools such as Issues logs (GitHub) or </a:t>
-            </a:r>
-            <a:r>
-              <a:rPr lang="en-GB" sz="1800" dirty="0" err="1"/>
-              <a:t>Kambam</a:t>
-            </a:r>
-            <a:r>
-              <a:rPr lang="en-GB" sz="1800" dirty="0"/>
-              <a:t> board (Dev Ops)</a:t>
-            </a:r>
-          </a:p>
-          <a:p>
-            <a:pPr lvl="1"/>
-            <a:r>
-              <a:rPr lang="en-GB" sz="1800" dirty="0"/>
-              <a:t>Create pull requests, review code and get feedback from collaborators;</a:t>
-            </a:r>
-          </a:p>
-          <a:p>
-            <a:pPr lvl="1"/>
-            <a:r>
-              <a:rPr lang="en-GB" sz="1800" dirty="0"/>
-              <a:t>Perform automated QA and deployment of code (e.g. sending a dashboard live).</a:t>
-            </a:r>
-          </a:p>
-          <a:p>
-            <a:r>
-              <a:rPr lang="en-GB" sz="2000" dirty="0"/>
-              <a:t>GitHub and Dev Ops are </a:t>
-            </a:r>
-            <a:r>
-              <a:rPr lang="en-GB" sz="2000" b="1" i="1" dirty="0"/>
-              <a:t>generally</a:t>
-            </a:r>
-            <a:r>
-              <a:rPr lang="en-GB" sz="2000" dirty="0"/>
-              <a:t> </a:t>
-            </a:r>
-            <a:r>
-              <a:rPr lang="en-GB" sz="2000" b="1" i="1" dirty="0"/>
-              <a:t>not</a:t>
-            </a:r>
-            <a:r>
-              <a:rPr lang="en-GB" sz="2000" dirty="0"/>
-              <a:t> a place to:</a:t>
-            </a:r>
-          </a:p>
-          <a:p>
-            <a:pPr lvl="1"/>
-            <a:r>
-              <a:rPr lang="en-GB" sz="1800" dirty="0"/>
-              <a:t>Run your code;</a:t>
-            </a:r>
-          </a:p>
-          <a:p>
-            <a:pPr lvl="1"/>
-            <a:r>
-              <a:rPr lang="en-GB" sz="1800" dirty="0"/>
-              <a:t>Edit your code (although there is some basic text editing functionality you can use).</a:t>
+              <a:rPr lang="en-GB" dirty="0"/>
+              <a:t>Never heard of it before now!</a:t>
+            </a:r>
+          </a:p>
+          <a:p>
+            <a:r>
+              <a:rPr lang="en-GB" dirty="0"/>
+              <a:t>Team or personal expertise/knowledge/capability</a:t>
+            </a:r>
+          </a:p>
+          <a:p>
+            <a:r>
+              <a:rPr lang="en-GB" dirty="0"/>
+              <a:t>Not enough support in the department</a:t>
+            </a:r>
+          </a:p>
+          <a:p>
+            <a:r>
+              <a:rPr lang="en-GB" dirty="0"/>
+              <a:t>Challenges in setting it (and RStudio) up on work machines</a:t>
+            </a:r>
+          </a:p>
+          <a:p>
+            <a:r>
+              <a:rPr lang="en-GB" dirty="0"/>
+              <a:t>Don’t see how it benefits us compared to what we already do just on shared drives</a:t>
+            </a:r>
+          </a:p>
+          <a:p>
+            <a:r>
+              <a:rPr lang="en-GB" dirty="0"/>
+              <a:t>Just don’t get the concept!</a:t>
+            </a:r>
+          </a:p>
+          <a:p>
+            <a:r>
+              <a:rPr lang="en-GB" dirty="0"/>
+              <a:t>Overwhelmed by too much to learn alongside R and SQL learning.</a:t>
             </a:r>
           </a:p>
         </p:txBody>
@@ -12155,7 +12158,7 @@
     </p:spTree>
     <p:extLst>
       <p:ext uri="{BB962C8B-B14F-4D97-AF65-F5344CB8AC3E}">
-        <p14:creationId xmlns:p14="http://schemas.microsoft.com/office/powerpoint/2010/main" val="2138845077"/>
+        <p14:creationId xmlns:p14="http://schemas.microsoft.com/office/powerpoint/2010/main" val="3862344689"/>
       </p:ext>
     </p:extLst>
   </p:cSld>
@@ -12213,15 +12216,33 @@
                                   </p:childTnLst>
                                 </p:cTn>
                               </p:par>
+                            </p:childTnLst>
+                          </p:cTn>
+                        </p:par>
+                      </p:childTnLst>
+                    </p:cTn>
+                  </p:par>
+                  <p:par>
+                    <p:cTn id="7" fill="hold">
+                      <p:stCondLst>
+                        <p:cond delay="indefinite"/>
+                      </p:stCondLst>
+                      <p:childTnLst>
+                        <p:par>
+                          <p:cTn id="8" fill="hold">
+                            <p:stCondLst>
+                              <p:cond delay="0"/>
+                            </p:stCondLst>
+                            <p:childTnLst>
                               <p:par>
-                                <p:cTn id="7" presetID="1" presetClass="entr" presetSubtype="0" fill="hold" grpId="0" nodeType="withEffect">
+                                <p:cTn id="9" presetID="1" presetClass="entr" presetSubtype="0" fill="hold" grpId="0" nodeType="clickEffect">
                                   <p:stCondLst>
                                     <p:cond delay="0"/>
                                   </p:stCondLst>
                                   <p:childTnLst>
                                     <p:set>
                                       <p:cBhvr>
-                                        <p:cTn id="8" dur="1" fill="hold">
+                                        <p:cTn id="10" dur="1" fill="hold">
                                           <p:stCondLst>
                                             <p:cond delay="0"/>
                                           </p:stCondLst>
@@ -12244,15 +12265,33 @@
                                   </p:childTnLst>
                                 </p:cTn>
                               </p:par>
+                            </p:childTnLst>
+                          </p:cTn>
+                        </p:par>
+                      </p:childTnLst>
+                    </p:cTn>
+                  </p:par>
+                  <p:par>
+                    <p:cTn id="11" fill="hold">
+                      <p:stCondLst>
+                        <p:cond delay="indefinite"/>
+                      </p:stCondLst>
+                      <p:childTnLst>
+                        <p:par>
+                          <p:cTn id="12" fill="hold">
+                            <p:stCondLst>
+                              <p:cond delay="0"/>
+                            </p:stCondLst>
+                            <p:childTnLst>
                               <p:par>
-                                <p:cTn id="9" presetID="1" presetClass="entr" presetSubtype="0" fill="hold" grpId="0" nodeType="withEffect">
+                                <p:cTn id="13" presetID="1" presetClass="entr" presetSubtype="0" fill="hold" grpId="0" nodeType="clickEffect">
                                   <p:stCondLst>
                                     <p:cond delay="0"/>
                                   </p:stCondLst>
                                   <p:childTnLst>
                                     <p:set>
                                       <p:cBhvr>
-                                        <p:cTn id="10" dur="1" fill="hold">
+                                        <p:cTn id="14" dur="1" fill="hold">
                                           <p:stCondLst>
                                             <p:cond delay="0"/>
                                           </p:stCondLst>
@@ -12275,15 +12314,33 @@
                                   </p:childTnLst>
                                 </p:cTn>
                               </p:par>
+                            </p:childTnLst>
+                          </p:cTn>
+                        </p:par>
+                      </p:childTnLst>
+                    </p:cTn>
+                  </p:par>
+                  <p:par>
+                    <p:cTn id="15" fill="hold">
+                      <p:stCondLst>
+                        <p:cond delay="indefinite"/>
+                      </p:stCondLst>
+                      <p:childTnLst>
+                        <p:par>
+                          <p:cTn id="16" fill="hold">
+                            <p:stCondLst>
+                              <p:cond delay="0"/>
+                            </p:stCondLst>
+                            <p:childTnLst>
                               <p:par>
-                                <p:cTn id="11" presetID="1" presetClass="entr" presetSubtype="0" fill="hold" grpId="0" nodeType="withEffect">
+                                <p:cTn id="17" presetID="1" presetClass="entr" presetSubtype="0" fill="hold" grpId="0" nodeType="clickEffect">
                                   <p:stCondLst>
                                     <p:cond delay="0"/>
                                   </p:stCondLst>
                                   <p:childTnLst>
                                     <p:set>
                                       <p:cBhvr>
-                                        <p:cTn id="12" dur="1" fill="hold">
+                                        <p:cTn id="18" dur="1" fill="hold">
                                           <p:stCondLst>
                                             <p:cond delay="0"/>
                                           </p:stCondLst>
@@ -12292,99 +12349,6 @@
                                           <p:spTgt spid="3">
                                             <p:txEl>
                                               <p:pRg st="3" end="3"/>
-                                            </p:txEl>
-                                          </p:spTgt>
-                                        </p:tgtEl>
-                                        <p:attrNameLst>
-                                          <p:attrName>style.visibility</p:attrName>
-                                        </p:attrNameLst>
-                                      </p:cBhvr>
-                                      <p:to>
-                                        <p:strVal val="visible"/>
-                                      </p:to>
-                                    </p:set>
-                                  </p:childTnLst>
-                                </p:cTn>
-                              </p:par>
-                              <p:par>
-                                <p:cTn id="13" presetID="1" presetClass="entr" presetSubtype="0" fill="hold" grpId="0" nodeType="withEffect">
-                                  <p:stCondLst>
-                                    <p:cond delay="0"/>
-                                  </p:stCondLst>
-                                  <p:childTnLst>
-                                    <p:set>
-                                      <p:cBhvr>
-                                        <p:cTn id="14" dur="1" fill="hold">
-                                          <p:stCondLst>
-                                            <p:cond delay="0"/>
-                                          </p:stCondLst>
-                                        </p:cTn>
-                                        <p:tgtEl>
-                                          <p:spTgt spid="3">
-                                            <p:txEl>
-                                              <p:pRg st="4" end="4"/>
-                                            </p:txEl>
-                                          </p:spTgt>
-                                        </p:tgtEl>
-                                        <p:attrNameLst>
-                                          <p:attrName>style.visibility</p:attrName>
-                                        </p:attrNameLst>
-                                      </p:cBhvr>
-                                      <p:to>
-                                        <p:strVal val="visible"/>
-                                      </p:to>
-                                    </p:set>
-                                  </p:childTnLst>
-                                </p:cTn>
-                              </p:par>
-                              <p:par>
-                                <p:cTn id="15" presetID="1" presetClass="entr" presetSubtype="0" fill="hold" grpId="0" nodeType="withEffect">
-                                  <p:stCondLst>
-                                    <p:cond delay="0"/>
-                                  </p:stCondLst>
-                                  <p:childTnLst>
-                                    <p:set>
-                                      <p:cBhvr>
-                                        <p:cTn id="16" dur="1" fill="hold">
-                                          <p:stCondLst>
-                                            <p:cond delay="0"/>
-                                          </p:stCondLst>
-                                        </p:cTn>
-                                        <p:tgtEl>
-                                          <p:spTgt spid="3">
-                                            <p:txEl>
-                                              <p:pRg st="5" end="5"/>
-                                            </p:txEl>
-                                          </p:spTgt>
-                                        </p:tgtEl>
-                                        <p:attrNameLst>
-                                          <p:attrName>style.visibility</p:attrName>
-                                        </p:attrNameLst>
-                                      </p:cBhvr>
-                                      <p:to>
-                                        <p:strVal val="visible"/>
-                                      </p:to>
-                                    </p:set>
-                                  </p:childTnLst>
-                                </p:cTn>
-                              </p:par>
-                              <p:par>
-                                <p:cTn id="17" presetID="1" presetClass="entr" presetSubtype="0" fill="hold" grpId="0" nodeType="withEffect">
-                                  <p:stCondLst>
-                                    <p:cond delay="0"/>
-                                  </p:stCondLst>
-                                  <p:childTnLst>
-                                    <p:set>
-                                      <p:cBhvr>
-                                        <p:cTn id="18" dur="1" fill="hold">
-                                          <p:stCondLst>
-                                            <p:cond delay="0"/>
-                                          </p:stCondLst>
-                                        </p:cTn>
-                                        <p:tgtEl>
-                                          <p:spTgt spid="3">
-                                            <p:txEl>
-                                              <p:pRg st="6" end="6"/>
                                             </p:txEl>
                                           </p:spTgt>
                                         </p:tgtEl>
@@ -12433,7 +12397,7 @@
                                         <p:tgtEl>
                                           <p:spTgt spid="3">
                                             <p:txEl>
-                                              <p:pRg st="7" end="7"/>
+                                              <p:pRg st="4" end="4"/>
                                             </p:txEl>
                                           </p:spTgt>
                                         </p:tgtEl>
@@ -12448,15 +12412,33 @@
                                   </p:childTnLst>
                                 </p:cTn>
                               </p:par>
+                            </p:childTnLst>
+                          </p:cTn>
+                        </p:par>
+                      </p:childTnLst>
+                    </p:cTn>
+                  </p:par>
+                  <p:par>
+                    <p:cTn id="23" fill="hold">
+                      <p:stCondLst>
+                        <p:cond delay="indefinite"/>
+                      </p:stCondLst>
+                      <p:childTnLst>
+                        <p:par>
+                          <p:cTn id="24" fill="hold">
+                            <p:stCondLst>
+                              <p:cond delay="0"/>
+                            </p:stCondLst>
+                            <p:childTnLst>
                               <p:par>
-                                <p:cTn id="23" presetID="1" presetClass="entr" presetSubtype="0" fill="hold" grpId="0" nodeType="withEffect">
+                                <p:cTn id="25" presetID="1" presetClass="entr" presetSubtype="0" fill="hold" grpId="0" nodeType="clickEffect">
                                   <p:stCondLst>
                                     <p:cond delay="0"/>
                                   </p:stCondLst>
                                   <p:childTnLst>
                                     <p:set>
                                       <p:cBhvr>
-                                        <p:cTn id="24" dur="1" fill="hold">
+                                        <p:cTn id="26" dur="1" fill="hold">
                                           <p:stCondLst>
                                             <p:cond delay="0"/>
                                           </p:stCondLst>
@@ -12464,7 +12446,7 @@
                                         <p:tgtEl>
                                           <p:spTgt spid="3">
                                             <p:txEl>
-                                              <p:pRg st="8" end="8"/>
+                                              <p:pRg st="5" end="5"/>
                                             </p:txEl>
                                           </p:spTgt>
                                         </p:tgtEl>
@@ -12479,15 +12461,33 @@
                                   </p:childTnLst>
                                 </p:cTn>
                               </p:par>
+                            </p:childTnLst>
+                          </p:cTn>
+                        </p:par>
+                      </p:childTnLst>
+                    </p:cTn>
+                  </p:par>
+                  <p:par>
+                    <p:cTn id="27" fill="hold">
+                      <p:stCondLst>
+                        <p:cond delay="indefinite"/>
+                      </p:stCondLst>
+                      <p:childTnLst>
+                        <p:par>
+                          <p:cTn id="28" fill="hold">
+                            <p:stCondLst>
+                              <p:cond delay="0"/>
+                            </p:stCondLst>
+                            <p:childTnLst>
                               <p:par>
-                                <p:cTn id="25" presetID="1" presetClass="entr" presetSubtype="0" fill="hold" grpId="0" nodeType="withEffect">
+                                <p:cTn id="29" presetID="1" presetClass="entr" presetSubtype="0" fill="hold" grpId="0" nodeType="clickEffect">
                                   <p:stCondLst>
                                     <p:cond delay="0"/>
                                   </p:stCondLst>
                                   <p:childTnLst>
                                     <p:set>
                                       <p:cBhvr>
-                                        <p:cTn id="26" dur="1" fill="hold">
+                                        <p:cTn id="30" dur="1" fill="hold">
                                           <p:stCondLst>
                                             <p:cond delay="0"/>
                                           </p:stCondLst>
@@ -12495,7 +12495,7 @@
                                         <p:tgtEl>
                                           <p:spTgt spid="3">
                                             <p:txEl>
-                                              <p:pRg st="9" end="9"/>
+                                              <p:pRg st="6" end="6"/>
                                             </p:txEl>
                                           </p:spTgt>
                                         </p:tgtEl>
